--- a/Neural networks/Neural Network Basics1.pptx
+++ b/Neural networks/Neural Network Basics1.pptx
@@ -115,6 +115,11 @@
       </a:defRPr>
     </a:lvl9pPr>
   </p:defaultTextStyle>
+  <p:extLst>
+    <p:ext uri="{EFAFB233-063F-42B5-8137-9DF3F51BA10A}">
+      <p15:sldGuideLst xmlns:p15="http://schemas.microsoft.com/office/powerpoint/2012/main"/>
+    </p:ext>
+  </p:extLst>
 </p:presentation>
 </file>
 
@@ -596,7 +601,7 @@
           <a:p>
             <a:fld id="{840DCB54-34FF-42D0-916A-DECD4CF143D2}" type="datetimeFigureOut">
               <a:rPr lang="hu-HU" smtClean="0"/>
-              <a:t>2024. 08. 31.</a:t>
+              <a:t>2024. 09. 04.</a:t>
             </a:fld>
             <a:endParaRPr lang="hu-HU"/>
           </a:p>
@@ -794,7 +799,7 @@
           <a:p>
             <a:fld id="{840DCB54-34FF-42D0-916A-DECD4CF143D2}" type="datetimeFigureOut">
               <a:rPr lang="hu-HU" smtClean="0"/>
-              <a:t>2024. 08. 31.</a:t>
+              <a:t>2024. 09. 04.</a:t>
             </a:fld>
             <a:endParaRPr lang="hu-HU"/>
           </a:p>
@@ -1002,7 +1007,7 @@
           <a:p>
             <a:fld id="{840DCB54-34FF-42D0-916A-DECD4CF143D2}" type="datetimeFigureOut">
               <a:rPr lang="hu-HU" smtClean="0"/>
-              <a:t>2024. 08. 31.</a:t>
+              <a:t>2024. 09. 04.</a:t>
             </a:fld>
             <a:endParaRPr lang="hu-HU"/>
           </a:p>
@@ -1200,7 +1205,7 @@
           <a:p>
             <a:fld id="{840DCB54-34FF-42D0-916A-DECD4CF143D2}" type="datetimeFigureOut">
               <a:rPr lang="hu-HU" smtClean="0"/>
-              <a:t>2024. 08. 31.</a:t>
+              <a:t>2024. 09. 04.</a:t>
             </a:fld>
             <a:endParaRPr lang="hu-HU"/>
           </a:p>
@@ -1475,7 +1480,7 @@
           <a:p>
             <a:fld id="{840DCB54-34FF-42D0-916A-DECD4CF143D2}" type="datetimeFigureOut">
               <a:rPr lang="hu-HU" smtClean="0"/>
-              <a:t>2024. 08. 31.</a:t>
+              <a:t>2024. 09. 04.</a:t>
             </a:fld>
             <a:endParaRPr lang="hu-HU"/>
           </a:p>
@@ -1740,7 +1745,7 @@
           <a:p>
             <a:fld id="{840DCB54-34FF-42D0-916A-DECD4CF143D2}" type="datetimeFigureOut">
               <a:rPr lang="hu-HU" smtClean="0"/>
-              <a:t>2024. 08. 31.</a:t>
+              <a:t>2024. 09. 04.</a:t>
             </a:fld>
             <a:endParaRPr lang="hu-HU"/>
           </a:p>
@@ -2152,7 +2157,7 @@
           <a:p>
             <a:fld id="{840DCB54-34FF-42D0-916A-DECD4CF143D2}" type="datetimeFigureOut">
               <a:rPr lang="hu-HU" smtClean="0"/>
-              <a:t>2024. 08. 31.</a:t>
+              <a:t>2024. 09. 04.</a:t>
             </a:fld>
             <a:endParaRPr lang="hu-HU"/>
           </a:p>
@@ -2293,7 +2298,7 @@
           <a:p>
             <a:fld id="{840DCB54-34FF-42D0-916A-DECD4CF143D2}" type="datetimeFigureOut">
               <a:rPr lang="hu-HU" smtClean="0"/>
-              <a:t>2024. 08. 31.</a:t>
+              <a:t>2024. 09. 04.</a:t>
             </a:fld>
             <a:endParaRPr lang="hu-HU"/>
           </a:p>
@@ -2406,7 +2411,7 @@
           <a:p>
             <a:fld id="{840DCB54-34FF-42D0-916A-DECD4CF143D2}" type="datetimeFigureOut">
               <a:rPr lang="hu-HU" smtClean="0"/>
-              <a:t>2024. 08. 31.</a:t>
+              <a:t>2024. 09. 04.</a:t>
             </a:fld>
             <a:endParaRPr lang="hu-HU"/>
           </a:p>
@@ -2717,7 +2722,7 @@
           <a:p>
             <a:fld id="{840DCB54-34FF-42D0-916A-DECD4CF143D2}" type="datetimeFigureOut">
               <a:rPr lang="hu-HU" smtClean="0"/>
-              <a:t>2024. 08. 31.</a:t>
+              <a:t>2024. 09. 04.</a:t>
             </a:fld>
             <a:endParaRPr lang="hu-HU"/>
           </a:p>
@@ -3005,7 +3010,7 @@
           <a:p>
             <a:fld id="{840DCB54-34FF-42D0-916A-DECD4CF143D2}" type="datetimeFigureOut">
               <a:rPr lang="hu-HU" smtClean="0"/>
-              <a:t>2024. 08. 31.</a:t>
+              <a:t>2024. 09. 04.</a:t>
             </a:fld>
             <a:endParaRPr lang="hu-HU"/>
           </a:p>
@@ -3246,7 +3251,7 @@
           <a:p>
             <a:fld id="{840DCB54-34FF-42D0-916A-DECD4CF143D2}" type="datetimeFigureOut">
               <a:rPr lang="hu-HU" smtClean="0"/>
-              <a:t>2024. 08. 31.</a:t>
+              <a:t>2024. 09. 04.</a:t>
             </a:fld>
             <a:endParaRPr lang="hu-HU"/>
           </a:p>
@@ -3783,8 +3788,8 @@
           </a:p>
         </p:txBody>
       </p:sp>
-      <mc:AlternateContent xmlns:mc="http://schemas.openxmlformats.org/markup-compatibility/2006">
-        <mc:Choice xmlns:a14="http://schemas.microsoft.com/office/drawing/2010/main" Requires="a14">
+      <mc:AlternateContent xmlns:mc="http://schemas.openxmlformats.org/markup-compatibility/2006" xmlns:a14="http://schemas.microsoft.com/office/drawing/2010/main">
+        <mc:Choice Requires="a14">
           <p:sp>
             <p:nvSpPr>
               <p:cNvPr id="3" name="Tartalom helye 2">
@@ -4749,7 +4754,7 @@
             </p:txBody>
           </p:sp>
         </mc:Choice>
-        <mc:Fallback>
+        <mc:Fallback xmlns="">
           <p:sp>
             <p:nvSpPr>
               <p:cNvPr id="3" name="Tartalom helye 2">
@@ -4848,8 +4853,8 @@
           </a:p>
         </p:txBody>
       </p:sp>
-      <mc:AlternateContent xmlns:mc="http://schemas.openxmlformats.org/markup-compatibility/2006">
-        <mc:Choice xmlns:a14="http://schemas.microsoft.com/office/drawing/2010/main" Requires="a14">
+      <mc:AlternateContent xmlns:mc="http://schemas.openxmlformats.org/markup-compatibility/2006" xmlns:a14="http://schemas.microsoft.com/office/drawing/2010/main">
+        <mc:Choice Requires="a14">
           <p:sp>
             <p:nvSpPr>
               <p:cNvPr id="3" name="Tartalom helye 2">
@@ -5817,7 +5822,7 @@
             </p:txBody>
           </p:sp>
         </mc:Choice>
-        <mc:Fallback>
+        <mc:Fallback xmlns="">
           <p:sp>
             <p:nvSpPr>
               <p:cNvPr id="3" name="Tartalom helye 2">
@@ -6421,7 +6426,7 @@
           <a:p>
             <a:r>
               <a:rPr lang="en-US" dirty="0"/>
-              <a:t>How does it work?</a:t>
+              <a:t>Back propagation method</a:t>
             </a:r>
             <a:endParaRPr lang="hu-HU" dirty="0"/>
           </a:p>
@@ -6447,6 +6452,24 @@
         <p:txBody>
           <a:bodyPr/>
           <a:lstStyle/>
+          <a:p>
+            <a:pPr marL="0" indent="0" algn="ctr">
+              <a:buNone/>
+            </a:pPr>
+            <a:endParaRPr lang="en-US" dirty="0"/>
+          </a:p>
+          <a:p>
+            <a:pPr marL="0" indent="0" algn="ctr">
+              <a:buNone/>
+            </a:pPr>
+            <a:endParaRPr lang="en-US" dirty="0"/>
+          </a:p>
+          <a:p>
+            <a:pPr marL="0" indent="0" algn="ctr">
+              <a:buNone/>
+            </a:pPr>
+            <a:endParaRPr lang="en-US" dirty="0"/>
+          </a:p>
           <a:p>
             <a:pPr marL="0" indent="0" algn="ctr">
               <a:buNone/>
@@ -6761,8 +6784,8 @@
           </a:p>
         </p:txBody>
       </p:sp>
-      <mc:AlternateContent xmlns:mc="http://schemas.openxmlformats.org/markup-compatibility/2006">
-        <mc:Choice xmlns:a14="http://schemas.microsoft.com/office/drawing/2010/main" Requires="a14">
+      <mc:AlternateContent xmlns:mc="http://schemas.openxmlformats.org/markup-compatibility/2006" xmlns:a14="http://schemas.microsoft.com/office/drawing/2010/main">
+        <mc:Choice Requires="a14">
           <p:sp>
             <p:nvSpPr>
               <p:cNvPr id="3" name="Tartalom helye 2">
@@ -7128,7 +7151,7 @@
             </p:txBody>
           </p:sp>
         </mc:Choice>
-        <mc:Fallback>
+        <mc:Fallback xmlns="">
           <p:sp>
             <p:nvSpPr>
               <p:cNvPr id="3" name="Tartalom helye 2">
@@ -7227,8 +7250,8 @@
           </a:p>
         </p:txBody>
       </p:sp>
-      <mc:AlternateContent xmlns:mc="http://schemas.openxmlformats.org/markup-compatibility/2006">
-        <mc:Choice xmlns:a14="http://schemas.microsoft.com/office/drawing/2010/main" Requires="a14">
+      <mc:AlternateContent xmlns:mc="http://schemas.openxmlformats.org/markup-compatibility/2006" xmlns:a14="http://schemas.microsoft.com/office/drawing/2010/main">
+        <mc:Choice Requires="a14">
           <p:sp>
             <p:nvSpPr>
               <p:cNvPr id="3" name="Tartalom helye 2">
@@ -7638,7 +7661,7 @@
                       <m:sSup>
                         <m:sSupPr>
                           <m:ctrlPr>
-                            <a:rPr lang="x-IV_mathan">
+                            <a:rPr lang="x-IV_mathan" i="1">
                               <a:effectLst/>
                               <a:latin typeface="Cambria Math" panose="02040503050406030204" pitchFamily="18" charset="0"/>
                             </a:rPr>
@@ -7698,7 +7721,7 @@
             </p:txBody>
           </p:sp>
         </mc:Choice>
-        <mc:Fallback>
+        <mc:Fallback xmlns="">
           <p:sp>
             <p:nvSpPr>
               <p:cNvPr id="3" name="Tartalom helye 2">

--- a/Neural networks/Neural Network Basics1.pptx
+++ b/Neural networks/Neural Network Basics1.pptx
@@ -6,17 +6,22 @@
   </p:sldMasterIdLst>
   <p:sldIdLst>
     <p:sldId id="256" r:id="rId2"/>
-    <p:sldId id="257" r:id="rId3"/>
-    <p:sldId id="259" r:id="rId4"/>
-    <p:sldId id="262" r:id="rId5"/>
-    <p:sldId id="258" r:id="rId6"/>
-    <p:sldId id="261" r:id="rId7"/>
-    <p:sldId id="260" r:id="rId8"/>
-    <p:sldId id="263" r:id="rId9"/>
-    <p:sldId id="264" r:id="rId10"/>
-    <p:sldId id="265" r:id="rId11"/>
-    <p:sldId id="266" r:id="rId12"/>
-    <p:sldId id="267" r:id="rId13"/>
+    <p:sldId id="268" r:id="rId3"/>
+    <p:sldId id="262" r:id="rId4"/>
+    <p:sldId id="269" r:id="rId5"/>
+    <p:sldId id="257" r:id="rId6"/>
+    <p:sldId id="270" r:id="rId7"/>
+    <p:sldId id="261" r:id="rId8"/>
+    <p:sldId id="272" r:id="rId9"/>
+    <p:sldId id="260" r:id="rId10"/>
+    <p:sldId id="263" r:id="rId11"/>
+    <p:sldId id="271" r:id="rId12"/>
+    <p:sldId id="259" r:id="rId13"/>
+    <p:sldId id="258" r:id="rId14"/>
+    <p:sldId id="264" r:id="rId15"/>
+    <p:sldId id="265" r:id="rId16"/>
+    <p:sldId id="266" r:id="rId17"/>
+    <p:sldId id="267" r:id="rId18"/>
   </p:sldIdLst>
   <p:sldSz cx="12192000" cy="6858000"/>
   <p:notesSz cx="6858000" cy="9144000"/>
@@ -601,7 +606,7 @@
           <a:p>
             <a:fld id="{840DCB54-34FF-42D0-916A-DECD4CF143D2}" type="datetimeFigureOut">
               <a:rPr lang="hu-HU" smtClean="0"/>
-              <a:t>2024. 09. 04.</a:t>
+              <a:t>2024. 09. 29.</a:t>
             </a:fld>
             <a:endParaRPr lang="hu-HU"/>
           </a:p>
@@ -799,7 +804,7 @@
           <a:p>
             <a:fld id="{840DCB54-34FF-42D0-916A-DECD4CF143D2}" type="datetimeFigureOut">
               <a:rPr lang="hu-HU" smtClean="0"/>
-              <a:t>2024. 09. 04.</a:t>
+              <a:t>2024. 09. 29.</a:t>
             </a:fld>
             <a:endParaRPr lang="hu-HU"/>
           </a:p>
@@ -1007,7 +1012,7 @@
           <a:p>
             <a:fld id="{840DCB54-34FF-42D0-916A-DECD4CF143D2}" type="datetimeFigureOut">
               <a:rPr lang="hu-HU" smtClean="0"/>
-              <a:t>2024. 09. 04.</a:t>
+              <a:t>2024. 09. 29.</a:t>
             </a:fld>
             <a:endParaRPr lang="hu-HU"/>
           </a:p>
@@ -1205,7 +1210,7 @@
           <a:p>
             <a:fld id="{840DCB54-34FF-42D0-916A-DECD4CF143D2}" type="datetimeFigureOut">
               <a:rPr lang="hu-HU" smtClean="0"/>
-              <a:t>2024. 09. 04.</a:t>
+              <a:t>2024. 09. 29.</a:t>
             </a:fld>
             <a:endParaRPr lang="hu-HU"/>
           </a:p>
@@ -1480,7 +1485,7 @@
           <a:p>
             <a:fld id="{840DCB54-34FF-42D0-916A-DECD4CF143D2}" type="datetimeFigureOut">
               <a:rPr lang="hu-HU" smtClean="0"/>
-              <a:t>2024. 09. 04.</a:t>
+              <a:t>2024. 09. 29.</a:t>
             </a:fld>
             <a:endParaRPr lang="hu-HU"/>
           </a:p>
@@ -1745,7 +1750,7 @@
           <a:p>
             <a:fld id="{840DCB54-34FF-42D0-916A-DECD4CF143D2}" type="datetimeFigureOut">
               <a:rPr lang="hu-HU" smtClean="0"/>
-              <a:t>2024. 09. 04.</a:t>
+              <a:t>2024. 09. 29.</a:t>
             </a:fld>
             <a:endParaRPr lang="hu-HU"/>
           </a:p>
@@ -2157,7 +2162,7 @@
           <a:p>
             <a:fld id="{840DCB54-34FF-42D0-916A-DECD4CF143D2}" type="datetimeFigureOut">
               <a:rPr lang="hu-HU" smtClean="0"/>
-              <a:t>2024. 09. 04.</a:t>
+              <a:t>2024. 09. 29.</a:t>
             </a:fld>
             <a:endParaRPr lang="hu-HU"/>
           </a:p>
@@ -2298,7 +2303,7 @@
           <a:p>
             <a:fld id="{840DCB54-34FF-42D0-916A-DECD4CF143D2}" type="datetimeFigureOut">
               <a:rPr lang="hu-HU" smtClean="0"/>
-              <a:t>2024. 09. 04.</a:t>
+              <a:t>2024. 09. 29.</a:t>
             </a:fld>
             <a:endParaRPr lang="hu-HU"/>
           </a:p>
@@ -2411,7 +2416,7 @@
           <a:p>
             <a:fld id="{840DCB54-34FF-42D0-916A-DECD4CF143D2}" type="datetimeFigureOut">
               <a:rPr lang="hu-HU" smtClean="0"/>
-              <a:t>2024. 09. 04.</a:t>
+              <a:t>2024. 09. 29.</a:t>
             </a:fld>
             <a:endParaRPr lang="hu-HU"/>
           </a:p>
@@ -2722,7 +2727,7 @@
           <a:p>
             <a:fld id="{840DCB54-34FF-42D0-916A-DECD4CF143D2}" type="datetimeFigureOut">
               <a:rPr lang="hu-HU" smtClean="0"/>
-              <a:t>2024. 09. 04.</a:t>
+              <a:t>2024. 09. 29.</a:t>
             </a:fld>
             <a:endParaRPr lang="hu-HU"/>
           </a:p>
@@ -3010,7 +3015,7 @@
           <a:p>
             <a:fld id="{840DCB54-34FF-42D0-916A-DECD4CF143D2}" type="datetimeFigureOut">
               <a:rPr lang="hu-HU" smtClean="0"/>
-              <a:t>2024. 09. 04.</a:t>
+              <a:t>2024. 09. 29.</a:t>
             </a:fld>
             <a:endParaRPr lang="hu-HU"/>
           </a:p>
@@ -3251,7 +3256,7 @@
           <a:p>
             <a:fld id="{840DCB54-34FF-42D0-916A-DECD4CF143D2}" type="datetimeFigureOut">
               <a:rPr lang="hu-HU" smtClean="0"/>
-              <a:t>2024. 09. 04.</a:t>
+              <a:t>2024. 09. 29.</a:t>
             </a:fld>
             <a:endParaRPr lang="hu-HU"/>
           </a:p>
@@ -3764,3002 +3769,6 @@
           <p:cNvPr id="2" name="Cím 1">
             <a:extLst>
               <a:ext uri="{FF2B5EF4-FFF2-40B4-BE49-F238E27FC236}">
-                <a16:creationId xmlns:a16="http://schemas.microsoft.com/office/drawing/2014/main" id="{CCC44F7F-0D38-4239-D6A6-1EA7C48593E5}"/>
-              </a:ext>
-            </a:extLst>
-          </p:cNvPr>
-          <p:cNvSpPr>
-            <a:spLocks noGrp="1"/>
-          </p:cNvSpPr>
-          <p:nvPr>
-            <p:ph type="title"/>
-          </p:nvPr>
-        </p:nvSpPr>
-        <p:spPr/>
-        <p:txBody>
-          <a:bodyPr/>
-          <a:lstStyle/>
-          <a:p>
-            <a:r>
-              <a:rPr lang="en-US" dirty="0"/>
-              <a:t>The weights calculation partial derivates</a:t>
-            </a:r>
-            <a:endParaRPr lang="hu-HU" dirty="0"/>
-          </a:p>
-        </p:txBody>
-      </p:sp>
-      <mc:AlternateContent xmlns:mc="http://schemas.openxmlformats.org/markup-compatibility/2006" xmlns:a14="http://schemas.microsoft.com/office/drawing/2010/main">
-        <mc:Choice Requires="a14">
-          <p:sp>
-            <p:nvSpPr>
-              <p:cNvPr id="3" name="Tartalom helye 2">
-                <a:extLst>
-                  <a:ext uri="{FF2B5EF4-FFF2-40B4-BE49-F238E27FC236}">
-                    <a16:creationId xmlns:a16="http://schemas.microsoft.com/office/drawing/2014/main" id="{5C39126D-3354-69EF-421E-59A1B88542D9}"/>
-                  </a:ext>
-                </a:extLst>
-              </p:cNvPr>
-              <p:cNvSpPr>
-                <a:spLocks noGrp="1"/>
-              </p:cNvSpPr>
-              <p:nvPr>
-                <p:ph idx="1"/>
-              </p:nvPr>
-            </p:nvSpPr>
-            <p:spPr/>
-            <p:txBody>
-              <a:bodyPr/>
-              <a:lstStyle/>
-              <a:p>
-                <a:pPr marL="0" marR="0" indent="0">
-                  <a:spcBef>
-                    <a:spcPts val="0"/>
-                  </a:spcBef>
-                  <a:spcAft>
-                    <a:spcPts val="0"/>
-                  </a:spcAft>
-                  <a:buNone/>
-                </a:pPr>
-                <a:br>
-                  <a:rPr lang="en-US" sz="1800" dirty="0">
-                    <a:effectLst/>
-                    <a:latin typeface="Calibri" panose="020F0502020204030204" pitchFamily="34" charset="0"/>
-                  </a:rPr>
-                </a:br>
-                <a14:m>
-                  <m:oMathPara xmlns:m="http://schemas.openxmlformats.org/officeDocument/2006/math">
-                    <m:oMathParaPr>
-                      <m:jc m:val="centerGroup"/>
-                    </m:oMathParaPr>
-                    <m:oMath xmlns:m="http://schemas.openxmlformats.org/officeDocument/2006/math">
-                      <m:f>
-                        <m:fPr>
-                          <m:ctrlPr>
-                            <a:rPr lang="hu-HU" sz="1800" i="1">
-                              <a:effectLst/>
-                              <a:latin typeface="Cambria Math" panose="02040503050406030204" pitchFamily="18" charset="0"/>
-                            </a:rPr>
-                          </m:ctrlPr>
-                        </m:fPr>
-                        <m:num>
-                          <m:r>
-                            <a:rPr lang="hu-HU" sz="1800" i="1">
-                              <a:effectLst/>
-                              <a:latin typeface="Cambria Math" panose="02040503050406030204" pitchFamily="18" charset="0"/>
-                            </a:rPr>
-                            <m:t>𝜕</m:t>
-                          </m:r>
-                          <m:sSub>
-                            <m:sSubPr>
-                              <m:ctrlPr>
-                                <a:rPr lang="hu-HU" sz="1800" i="1">
-                                  <a:effectLst/>
-                                  <a:latin typeface="Cambria Math" panose="02040503050406030204" pitchFamily="18" charset="0"/>
-                                </a:rPr>
-                              </m:ctrlPr>
-                            </m:sSubPr>
-                            <m:e>
-                              <m:r>
-                                <a:rPr lang="hu-HU" sz="1800">
-                                  <a:effectLst/>
-                                  <a:latin typeface="Cambria Math" panose="02040503050406030204" pitchFamily="18" charset="0"/>
-                                </a:rPr>
-                                <m:t>𝐶</m:t>
-                              </m:r>
-                            </m:e>
-                            <m:sub>
-                              <m:r>
-                                <a:rPr lang="hu-HU" sz="1800">
-                                  <a:effectLst/>
-                                  <a:latin typeface="Cambria Math" panose="02040503050406030204" pitchFamily="18" charset="0"/>
-                                </a:rPr>
-                                <m:t>0</m:t>
-                              </m:r>
-                            </m:sub>
-                          </m:sSub>
-                        </m:num>
-                        <m:den>
-                          <m:r>
-                            <a:rPr lang="hu-HU" sz="1800">
-                              <a:effectLst/>
-                              <a:latin typeface="Cambria Math" panose="02040503050406030204" pitchFamily="18" charset="0"/>
-                            </a:rPr>
-                            <m:t>𝜕</m:t>
-                          </m:r>
-                          <m:sSup>
-                            <m:sSupPr>
-                              <m:ctrlPr>
-                                <a:rPr lang="hu-HU" sz="1800" i="1">
-                                  <a:effectLst/>
-                                  <a:latin typeface="Cambria Math" panose="02040503050406030204" pitchFamily="18" charset="0"/>
-                                </a:rPr>
-                              </m:ctrlPr>
-                            </m:sSupPr>
-                            <m:e>
-                              <m:r>
-                                <a:rPr lang="hu-HU" sz="1800">
-                                  <a:effectLst/>
-                                  <a:latin typeface="Cambria Math" panose="02040503050406030204" pitchFamily="18" charset="0"/>
-                                </a:rPr>
-                                <m:t>𝑤</m:t>
-                              </m:r>
-                            </m:e>
-                            <m:sup>
-                              <m:r>
-                                <a:rPr lang="hu-HU" sz="1800">
-                                  <a:effectLst/>
-                                  <a:latin typeface="Cambria Math" panose="02040503050406030204" pitchFamily="18" charset="0"/>
-                                </a:rPr>
-                                <m:t>𝐿</m:t>
-                              </m:r>
-                            </m:sup>
-                          </m:sSup>
-                        </m:den>
-                      </m:f>
-                      <m:r>
-                        <a:rPr lang="hu-HU" sz="1800">
-                          <a:effectLst/>
-                          <a:latin typeface="Cambria Math" panose="02040503050406030204" pitchFamily="18" charset="0"/>
-                        </a:rPr>
-                        <m:t>=</m:t>
-                      </m:r>
-                      <m:r>
-                        <a:rPr lang="hu-HU" sz="1800" i="1">
-                          <a:effectLst/>
-                          <a:latin typeface="Cambria Math" panose="02040503050406030204" pitchFamily="18" charset="0"/>
-                        </a:rPr>
-                        <m:t> </m:t>
-                      </m:r>
-                      <m:f>
-                        <m:fPr>
-                          <m:ctrlPr>
-                            <a:rPr lang="hu-HU" sz="1800" i="1">
-                              <a:effectLst/>
-                              <a:latin typeface="Cambria Math" panose="02040503050406030204" pitchFamily="18" charset="0"/>
-                            </a:rPr>
-                          </m:ctrlPr>
-                        </m:fPr>
-                        <m:num>
-                          <m:r>
-                            <a:rPr lang="hu-HU" sz="1800">
-                              <a:effectLst/>
-                              <a:latin typeface="Cambria Math" panose="02040503050406030204" pitchFamily="18" charset="0"/>
-                            </a:rPr>
-                            <m:t>𝜕</m:t>
-                          </m:r>
-                          <m:sSup>
-                            <m:sSupPr>
-                              <m:ctrlPr>
-                                <a:rPr lang="hu-HU" sz="1800" i="1">
-                                  <a:effectLst/>
-                                  <a:latin typeface="Cambria Math" panose="02040503050406030204" pitchFamily="18" charset="0"/>
-                                </a:rPr>
-                              </m:ctrlPr>
-                            </m:sSupPr>
-                            <m:e>
-                              <m:r>
-                                <a:rPr lang="hu-HU" sz="1800">
-                                  <a:effectLst/>
-                                  <a:latin typeface="Cambria Math" panose="02040503050406030204" pitchFamily="18" charset="0"/>
-                                </a:rPr>
-                                <m:t>𝑧</m:t>
-                              </m:r>
-                            </m:e>
-                            <m:sup>
-                              <m:r>
-                                <a:rPr lang="hu-HU" sz="1800">
-                                  <a:effectLst/>
-                                  <a:latin typeface="Cambria Math" panose="02040503050406030204" pitchFamily="18" charset="0"/>
-                                </a:rPr>
-                                <m:t>𝐿</m:t>
-                              </m:r>
-                            </m:sup>
-                          </m:sSup>
-                        </m:num>
-                        <m:den>
-                          <m:r>
-                            <a:rPr lang="hu-HU" sz="1800">
-                              <a:effectLst/>
-                              <a:latin typeface="Cambria Math" panose="02040503050406030204" pitchFamily="18" charset="0"/>
-                            </a:rPr>
-                            <m:t>𝜕</m:t>
-                          </m:r>
-                          <m:sSup>
-                            <m:sSupPr>
-                              <m:ctrlPr>
-                                <a:rPr lang="hu-HU" sz="1800" i="1">
-                                  <a:effectLst/>
-                                  <a:latin typeface="Cambria Math" panose="02040503050406030204" pitchFamily="18" charset="0"/>
-                                </a:rPr>
-                              </m:ctrlPr>
-                            </m:sSupPr>
-                            <m:e>
-                              <m:r>
-                                <a:rPr lang="hu-HU" sz="1800">
-                                  <a:effectLst/>
-                                  <a:latin typeface="Cambria Math" panose="02040503050406030204" pitchFamily="18" charset="0"/>
-                                </a:rPr>
-                                <m:t>𝑤</m:t>
-                              </m:r>
-                            </m:e>
-                            <m:sup>
-                              <m:r>
-                                <a:rPr lang="hu-HU" sz="1800">
-                                  <a:effectLst/>
-                                  <a:latin typeface="Cambria Math" panose="02040503050406030204" pitchFamily="18" charset="0"/>
-                                </a:rPr>
-                                <m:t>𝐿</m:t>
-                              </m:r>
-                            </m:sup>
-                          </m:sSup>
-                        </m:den>
-                      </m:f>
-                      <m:r>
-                        <a:rPr lang="hu-HU" sz="1800" i="1">
-                          <a:effectLst/>
-                          <a:latin typeface="Cambria Math" panose="02040503050406030204" pitchFamily="18" charset="0"/>
-                        </a:rPr>
-                        <m:t> </m:t>
-                      </m:r>
-                      <m:f>
-                        <m:fPr>
-                          <m:ctrlPr>
-                            <a:rPr lang="hu-HU" sz="1800" i="1">
-                              <a:effectLst/>
-                              <a:latin typeface="Cambria Math" panose="02040503050406030204" pitchFamily="18" charset="0"/>
-                            </a:rPr>
-                          </m:ctrlPr>
-                        </m:fPr>
-                        <m:num>
-                          <m:r>
-                            <a:rPr lang="hu-HU" sz="1800">
-                              <a:effectLst/>
-                              <a:latin typeface="Cambria Math" panose="02040503050406030204" pitchFamily="18" charset="0"/>
-                            </a:rPr>
-                            <m:t>𝜕</m:t>
-                          </m:r>
-                          <m:sSup>
-                            <m:sSupPr>
-                              <m:ctrlPr>
-                                <a:rPr lang="hu-HU" sz="1800" i="1">
-                                  <a:effectLst/>
-                                  <a:latin typeface="Cambria Math" panose="02040503050406030204" pitchFamily="18" charset="0"/>
-                                </a:rPr>
-                              </m:ctrlPr>
-                            </m:sSupPr>
-                            <m:e>
-                              <m:r>
-                                <a:rPr lang="hu-HU" sz="1800">
-                                  <a:effectLst/>
-                                  <a:latin typeface="Cambria Math" panose="02040503050406030204" pitchFamily="18" charset="0"/>
-                                </a:rPr>
-                                <m:t>𝑎</m:t>
-                              </m:r>
-                            </m:e>
-                            <m:sup>
-                              <m:r>
-                                <a:rPr lang="hu-HU" sz="1800">
-                                  <a:effectLst/>
-                                  <a:latin typeface="Cambria Math" panose="02040503050406030204" pitchFamily="18" charset="0"/>
-                                </a:rPr>
-                                <m:t>𝐿</m:t>
-                              </m:r>
-                            </m:sup>
-                          </m:sSup>
-                        </m:num>
-                        <m:den>
-                          <m:r>
-                            <a:rPr lang="hu-HU" sz="1800">
-                              <a:effectLst/>
-                              <a:latin typeface="Cambria Math" panose="02040503050406030204" pitchFamily="18" charset="0"/>
-                            </a:rPr>
-                            <m:t>𝜕</m:t>
-                          </m:r>
-                          <m:sSup>
-                            <m:sSupPr>
-                              <m:ctrlPr>
-                                <a:rPr lang="hu-HU" sz="1800" i="1">
-                                  <a:effectLst/>
-                                  <a:latin typeface="Cambria Math" panose="02040503050406030204" pitchFamily="18" charset="0"/>
-                                </a:rPr>
-                              </m:ctrlPr>
-                            </m:sSupPr>
-                            <m:e>
-                              <m:r>
-                                <a:rPr lang="hu-HU" sz="1800">
-                                  <a:effectLst/>
-                                  <a:latin typeface="Cambria Math" panose="02040503050406030204" pitchFamily="18" charset="0"/>
-                                </a:rPr>
-                                <m:t>𝑧</m:t>
-                              </m:r>
-                            </m:e>
-                            <m:sup>
-                              <m:r>
-                                <a:rPr lang="hu-HU" sz="1800">
-                                  <a:effectLst/>
-                                  <a:latin typeface="Cambria Math" panose="02040503050406030204" pitchFamily="18" charset="0"/>
-                                </a:rPr>
-                                <m:t>𝐿</m:t>
-                              </m:r>
-                            </m:sup>
-                          </m:sSup>
-                        </m:den>
-                      </m:f>
-                      <m:r>
-                        <a:rPr lang="hu-HU" sz="1800" i="1">
-                          <a:effectLst/>
-                          <a:latin typeface="Cambria Math" panose="02040503050406030204" pitchFamily="18" charset="0"/>
-                        </a:rPr>
-                        <m:t> </m:t>
-                      </m:r>
-                      <m:f>
-                        <m:fPr>
-                          <m:ctrlPr>
-                            <a:rPr lang="hu-HU" sz="1800" i="1">
-                              <a:effectLst/>
-                              <a:latin typeface="Cambria Math" panose="02040503050406030204" pitchFamily="18" charset="0"/>
-                            </a:rPr>
-                          </m:ctrlPr>
-                        </m:fPr>
-                        <m:num>
-                          <m:r>
-                            <a:rPr lang="hu-HU" sz="1800">
-                              <a:effectLst/>
-                              <a:latin typeface="Cambria Math" panose="02040503050406030204" pitchFamily="18" charset="0"/>
-                            </a:rPr>
-                            <m:t>𝜕</m:t>
-                          </m:r>
-                          <m:sSub>
-                            <m:sSubPr>
-                              <m:ctrlPr>
-                                <a:rPr lang="hu-HU" sz="1800" i="1">
-                                  <a:effectLst/>
-                                  <a:latin typeface="Cambria Math" panose="02040503050406030204" pitchFamily="18" charset="0"/>
-                                </a:rPr>
-                              </m:ctrlPr>
-                            </m:sSubPr>
-                            <m:e>
-                              <m:r>
-                                <a:rPr lang="hu-HU" sz="1800">
-                                  <a:effectLst/>
-                                  <a:latin typeface="Cambria Math" panose="02040503050406030204" pitchFamily="18" charset="0"/>
-                                </a:rPr>
-                                <m:t>𝐶</m:t>
-                              </m:r>
-                            </m:e>
-                            <m:sub>
-                              <m:r>
-                                <a:rPr lang="hu-HU" sz="1800">
-                                  <a:effectLst/>
-                                  <a:latin typeface="Cambria Math" panose="02040503050406030204" pitchFamily="18" charset="0"/>
-                                </a:rPr>
-                                <m:t>0</m:t>
-                              </m:r>
-                            </m:sub>
-                          </m:sSub>
-                        </m:num>
-                        <m:den>
-                          <m:r>
-                            <a:rPr lang="hu-HU" sz="1800">
-                              <a:effectLst/>
-                              <a:latin typeface="Cambria Math" panose="02040503050406030204" pitchFamily="18" charset="0"/>
-                            </a:rPr>
-                            <m:t>𝜕</m:t>
-                          </m:r>
-                          <m:sSup>
-                            <m:sSupPr>
-                              <m:ctrlPr>
-                                <a:rPr lang="hu-HU" sz="1800" i="1">
-                                  <a:effectLst/>
-                                  <a:latin typeface="Cambria Math" panose="02040503050406030204" pitchFamily="18" charset="0"/>
-                                </a:rPr>
-                              </m:ctrlPr>
-                            </m:sSupPr>
-                            <m:e>
-                              <m:r>
-                                <a:rPr lang="hu-HU" sz="1800">
-                                  <a:effectLst/>
-                                  <a:latin typeface="Cambria Math" panose="02040503050406030204" pitchFamily="18" charset="0"/>
-                                </a:rPr>
-                                <m:t>𝑎</m:t>
-                              </m:r>
-                            </m:e>
-                            <m:sup>
-                              <m:r>
-                                <a:rPr lang="hu-HU" sz="1800">
-                                  <a:effectLst/>
-                                  <a:latin typeface="Cambria Math" panose="02040503050406030204" pitchFamily="18" charset="0"/>
-                                </a:rPr>
-                                <m:t>𝐿</m:t>
-                              </m:r>
-                            </m:sup>
-                          </m:sSup>
-                        </m:den>
-                      </m:f>
-                      <m:r>
-                        <a:rPr lang="hu-HU" sz="1800" i="1">
-                          <a:effectLst/>
-                          <a:latin typeface="Cambria Math" panose="02040503050406030204" pitchFamily="18" charset="0"/>
-                        </a:rPr>
-                        <m:t>  </m:t>
-                      </m:r>
-                    </m:oMath>
-                  </m:oMathPara>
-                </a14:m>
-                <a:endParaRPr lang="hu-HU" sz="1800" dirty="0">
-                  <a:effectLst/>
-                  <a:latin typeface="Calibri" panose="020F0502020204030204" pitchFamily="34" charset="0"/>
-                </a:endParaRPr>
-              </a:p>
-              <a:p>
-                <a:pPr marL="0" marR="0" indent="0">
-                  <a:spcBef>
-                    <a:spcPts val="0"/>
-                  </a:spcBef>
-                  <a:spcAft>
-                    <a:spcPts val="0"/>
-                  </a:spcAft>
-                  <a:buNone/>
-                </a:pPr>
-                <a:r>
-                  <a:rPr lang="en-US" sz="1800" dirty="0">
-                    <a:effectLst/>
-                    <a:latin typeface="Cambria Math" panose="02040503050406030204" pitchFamily="18" charset="0"/>
-                  </a:rPr>
-                  <a:t> </a:t>
-                </a:r>
-              </a:p>
-              <a:p>
-                <a:pPr marL="0" marR="0" indent="0">
-                  <a:spcBef>
-                    <a:spcPts val="0"/>
-                  </a:spcBef>
-                  <a:spcAft>
-                    <a:spcPts val="0"/>
-                  </a:spcAft>
-                  <a:buNone/>
-                </a:pPr>
-                <a14:m>
-                  <m:oMathPara xmlns:m="http://schemas.openxmlformats.org/officeDocument/2006/math">
-                    <m:oMathParaPr>
-                      <m:jc m:val="centerGroup"/>
-                    </m:oMathParaPr>
-                    <m:oMath xmlns:m="http://schemas.openxmlformats.org/officeDocument/2006/math">
-                      <m:f>
-                        <m:fPr>
-                          <m:ctrlPr>
-                            <a:rPr lang="x-IV_mathan" sz="1800" i="1">
-                              <a:effectLst/>
-                              <a:latin typeface="Cambria Math" panose="02040503050406030204" pitchFamily="18" charset="0"/>
-                            </a:rPr>
-                          </m:ctrlPr>
-                        </m:fPr>
-                        <m:num>
-                          <m:r>
-                            <a:rPr lang="x-IV_mathan" sz="1800">
-                              <a:effectLst/>
-                              <a:latin typeface="Cambria Math" panose="02040503050406030204" pitchFamily="18" charset="0"/>
-                            </a:rPr>
-                            <m:t>𝜕</m:t>
-                          </m:r>
-                          <m:sSub>
-                            <m:sSubPr>
-                              <m:ctrlPr>
-                                <a:rPr lang="x-IV_mathan" sz="1800" i="1">
-                                  <a:effectLst/>
-                                  <a:latin typeface="Cambria Math" panose="02040503050406030204" pitchFamily="18" charset="0"/>
-                                </a:rPr>
-                              </m:ctrlPr>
-                            </m:sSubPr>
-                            <m:e>
-                              <m:r>
-                                <a:rPr lang="x-IV_mathan" sz="1800">
-                                  <a:effectLst/>
-                                  <a:latin typeface="Cambria Math" panose="02040503050406030204" pitchFamily="18" charset="0"/>
-                                </a:rPr>
-                                <m:t>𝐶</m:t>
-                              </m:r>
-                            </m:e>
-                            <m:sub>
-                              <m:r>
-                                <a:rPr lang="x-IV_mathan" sz="1800">
-                                  <a:effectLst/>
-                                  <a:latin typeface="Cambria Math" panose="02040503050406030204" pitchFamily="18" charset="0"/>
-                                </a:rPr>
-                                <m:t>0</m:t>
-                              </m:r>
-                            </m:sub>
-                          </m:sSub>
-                        </m:num>
-                        <m:den>
-                          <m:r>
-                            <a:rPr lang="x-IV_mathan" sz="1800">
-                              <a:effectLst/>
-                              <a:latin typeface="Cambria Math" panose="02040503050406030204" pitchFamily="18" charset="0"/>
-                            </a:rPr>
-                            <m:t>𝜕</m:t>
-                          </m:r>
-                          <m:sSup>
-                            <m:sSupPr>
-                              <m:ctrlPr>
-                                <a:rPr lang="x-IV_mathan" sz="1800" i="1">
-                                  <a:effectLst/>
-                                  <a:latin typeface="Cambria Math" panose="02040503050406030204" pitchFamily="18" charset="0"/>
-                                </a:rPr>
-                              </m:ctrlPr>
-                            </m:sSupPr>
-                            <m:e>
-                              <m:r>
-                                <a:rPr lang="x-IV_mathan" sz="1800">
-                                  <a:effectLst/>
-                                  <a:latin typeface="Cambria Math" panose="02040503050406030204" pitchFamily="18" charset="0"/>
-                                </a:rPr>
-                                <m:t>𝑎</m:t>
-                              </m:r>
-                            </m:e>
-                            <m:sup>
-                              <m:r>
-                                <a:rPr lang="x-IV_mathan" sz="1800">
-                                  <a:effectLst/>
-                                  <a:latin typeface="Cambria Math" panose="02040503050406030204" pitchFamily="18" charset="0"/>
-                                </a:rPr>
-                                <m:t>𝐿</m:t>
-                              </m:r>
-                            </m:sup>
-                          </m:sSup>
-                        </m:den>
-                      </m:f>
-                      <m:r>
-                        <a:rPr lang="x-IV_mathan" sz="1800">
-                          <a:effectLst/>
-                          <a:latin typeface="Cambria Math" panose="02040503050406030204" pitchFamily="18" charset="0"/>
-                        </a:rPr>
-                        <m:t>=2</m:t>
-                      </m:r>
-                      <m:d>
-                        <m:dPr>
-                          <m:ctrlPr>
-                            <a:rPr lang="x-IV_mathan" sz="1800" i="1">
-                              <a:effectLst/>
-                              <a:latin typeface="Cambria Math" panose="02040503050406030204" pitchFamily="18" charset="0"/>
-                            </a:rPr>
-                          </m:ctrlPr>
-                        </m:dPr>
-                        <m:e>
-                          <m:sSup>
-                            <m:sSupPr>
-                              <m:ctrlPr>
-                                <a:rPr lang="x-IV_mathan" sz="1800" i="1">
-                                  <a:effectLst/>
-                                  <a:latin typeface="Cambria Math" panose="02040503050406030204" pitchFamily="18" charset="0"/>
-                                </a:rPr>
-                              </m:ctrlPr>
-                            </m:sSupPr>
-                            <m:e>
-                              <m:r>
-                                <a:rPr lang="x-IV_mathan" sz="1800">
-                                  <a:effectLst/>
-                                  <a:latin typeface="Cambria Math" panose="02040503050406030204" pitchFamily="18" charset="0"/>
-                                </a:rPr>
-                                <m:t>𝑎</m:t>
-                              </m:r>
-                            </m:e>
-                            <m:sup>
-                              <m:r>
-                                <a:rPr lang="x-IV_mathan" sz="1800">
-                                  <a:effectLst/>
-                                  <a:latin typeface="Cambria Math" panose="02040503050406030204" pitchFamily="18" charset="0"/>
-                                </a:rPr>
-                                <m:t>𝐿</m:t>
-                              </m:r>
-                            </m:sup>
-                          </m:sSup>
-                          <m:r>
-                            <a:rPr lang="x-IV_mathan" sz="1800">
-                              <a:effectLst/>
-                              <a:latin typeface="Cambria Math" panose="02040503050406030204" pitchFamily="18" charset="0"/>
-                            </a:rPr>
-                            <m:t>−</m:t>
-                          </m:r>
-                          <m:r>
-                            <a:rPr lang="x-IV_mathan" sz="1800">
-                              <a:effectLst/>
-                              <a:latin typeface="Cambria Math" panose="02040503050406030204" pitchFamily="18" charset="0"/>
-                            </a:rPr>
-                            <m:t>𝑦</m:t>
-                          </m:r>
-                        </m:e>
-                      </m:d>
-                    </m:oMath>
-                  </m:oMathPara>
-                </a14:m>
-                <a:endParaRPr lang="x-IV_mathan" sz="1800" dirty="0">
-                  <a:effectLst/>
-                  <a:latin typeface="Cambria Math" panose="02040503050406030204" pitchFamily="18" charset="0"/>
-                </a:endParaRPr>
-              </a:p>
-              <a:p>
-                <a:pPr marL="0" marR="0" indent="0">
-                  <a:spcBef>
-                    <a:spcPts val="0"/>
-                  </a:spcBef>
-                  <a:spcAft>
-                    <a:spcPts val="0"/>
-                  </a:spcAft>
-                  <a:buNone/>
-                </a:pPr>
-                <a:r>
-                  <a:rPr lang="en-US" sz="1800" dirty="0">
-                    <a:effectLst/>
-                    <a:latin typeface="Cambria Math" panose="02040503050406030204" pitchFamily="18" charset="0"/>
-                  </a:rPr>
-                  <a:t> </a:t>
-                </a:r>
-              </a:p>
-              <a:p>
-                <a:pPr marL="0" marR="0" indent="0">
-                  <a:spcBef>
-                    <a:spcPts val="0"/>
-                  </a:spcBef>
-                  <a:spcAft>
-                    <a:spcPts val="0"/>
-                  </a:spcAft>
-                  <a:buNone/>
-                </a:pPr>
-                <a14:m>
-                  <m:oMathPara xmlns:m="http://schemas.openxmlformats.org/officeDocument/2006/math">
-                    <m:oMathParaPr>
-                      <m:jc m:val="centerGroup"/>
-                    </m:oMathParaPr>
-                    <m:oMath xmlns:m="http://schemas.openxmlformats.org/officeDocument/2006/math">
-                      <m:f>
-                        <m:fPr>
-                          <m:ctrlPr>
-                            <a:rPr lang="x-IV_mathan" sz="1800" i="1">
-                              <a:effectLst/>
-                              <a:latin typeface="Cambria Math" panose="02040503050406030204" pitchFamily="18" charset="0"/>
-                            </a:rPr>
-                          </m:ctrlPr>
-                        </m:fPr>
-                        <m:num>
-                          <m:r>
-                            <a:rPr lang="x-IV_mathan" sz="1800">
-                              <a:effectLst/>
-                              <a:latin typeface="Cambria Math" panose="02040503050406030204" pitchFamily="18" charset="0"/>
-                            </a:rPr>
-                            <m:t>𝜕</m:t>
-                          </m:r>
-                          <m:sSup>
-                            <m:sSupPr>
-                              <m:ctrlPr>
-                                <a:rPr lang="x-IV_mathan" sz="1800" i="1">
-                                  <a:effectLst/>
-                                  <a:latin typeface="Cambria Math" panose="02040503050406030204" pitchFamily="18" charset="0"/>
-                                </a:rPr>
-                              </m:ctrlPr>
-                            </m:sSupPr>
-                            <m:e>
-                              <m:r>
-                                <a:rPr lang="x-IV_mathan" sz="1800">
-                                  <a:effectLst/>
-                                  <a:latin typeface="Cambria Math" panose="02040503050406030204" pitchFamily="18" charset="0"/>
-                                </a:rPr>
-                                <m:t>𝑎</m:t>
-                              </m:r>
-                            </m:e>
-                            <m:sup>
-                              <m:r>
-                                <a:rPr lang="x-IV_mathan" sz="1800">
-                                  <a:effectLst/>
-                                  <a:latin typeface="Cambria Math" panose="02040503050406030204" pitchFamily="18" charset="0"/>
-                                </a:rPr>
-                                <m:t>𝐿</m:t>
-                              </m:r>
-                            </m:sup>
-                          </m:sSup>
-                        </m:num>
-                        <m:den>
-                          <m:r>
-                            <a:rPr lang="x-IV_mathan" sz="1800">
-                              <a:effectLst/>
-                              <a:latin typeface="Cambria Math" panose="02040503050406030204" pitchFamily="18" charset="0"/>
-                            </a:rPr>
-                            <m:t>𝜕</m:t>
-                          </m:r>
-                          <m:sSup>
-                            <m:sSupPr>
-                              <m:ctrlPr>
-                                <a:rPr lang="x-IV_mathan" sz="1800" i="1">
-                                  <a:effectLst/>
-                                  <a:latin typeface="Cambria Math" panose="02040503050406030204" pitchFamily="18" charset="0"/>
-                                </a:rPr>
-                              </m:ctrlPr>
-                            </m:sSupPr>
-                            <m:e>
-                              <m:r>
-                                <a:rPr lang="x-IV_mathan" sz="1800">
-                                  <a:effectLst/>
-                                  <a:latin typeface="Cambria Math" panose="02040503050406030204" pitchFamily="18" charset="0"/>
-                                </a:rPr>
-                                <m:t>𝑧</m:t>
-                              </m:r>
-                            </m:e>
-                            <m:sup>
-                              <m:r>
-                                <a:rPr lang="x-IV_mathan" sz="1800">
-                                  <a:effectLst/>
-                                  <a:latin typeface="Cambria Math" panose="02040503050406030204" pitchFamily="18" charset="0"/>
-                                </a:rPr>
-                                <m:t>𝐿</m:t>
-                              </m:r>
-                            </m:sup>
-                          </m:sSup>
-                        </m:den>
-                      </m:f>
-                      <m:r>
-                        <a:rPr lang="x-IV_mathan" sz="1800">
-                          <a:effectLst/>
-                          <a:latin typeface="Cambria Math" panose="02040503050406030204" pitchFamily="18" charset="0"/>
-                        </a:rPr>
-                        <m:t>=</m:t>
-                      </m:r>
-                      <m:r>
-                        <a:rPr lang="x-IV_mathan" sz="1800">
-                          <a:effectLst/>
-                          <a:latin typeface="Cambria Math" panose="02040503050406030204" pitchFamily="18" charset="0"/>
-                        </a:rPr>
-                        <m:t>𝜎</m:t>
-                      </m:r>
-                      <m:r>
-                        <a:rPr lang="x-IV_mathan" sz="1800">
-                          <a:effectLst/>
-                          <a:latin typeface="Cambria Math" panose="02040503050406030204" pitchFamily="18" charset="0"/>
-                        </a:rPr>
-                        <m:t>′(</m:t>
-                      </m:r>
-                      <m:sSup>
-                        <m:sSupPr>
-                          <m:ctrlPr>
-                            <a:rPr lang="x-IV_mathan" sz="1800" i="1">
-                              <a:effectLst/>
-                              <a:latin typeface="Cambria Math" panose="02040503050406030204" pitchFamily="18" charset="0"/>
-                            </a:rPr>
-                          </m:ctrlPr>
-                        </m:sSupPr>
-                        <m:e>
-                          <m:r>
-                            <a:rPr lang="x-IV_mathan" sz="1800">
-                              <a:effectLst/>
-                              <a:latin typeface="Cambria Math" panose="02040503050406030204" pitchFamily="18" charset="0"/>
-                            </a:rPr>
-                            <m:t>𝑧</m:t>
-                          </m:r>
-                        </m:e>
-                        <m:sup>
-                          <m:r>
-                            <a:rPr lang="x-IV_mathan" sz="1800">
-                              <a:effectLst/>
-                              <a:latin typeface="Cambria Math" panose="02040503050406030204" pitchFamily="18" charset="0"/>
-                            </a:rPr>
-                            <m:t>𝐿</m:t>
-                          </m:r>
-                        </m:sup>
-                      </m:sSup>
-                      <m:r>
-                        <a:rPr lang="x-IV_mathan" sz="1800">
-                          <a:effectLst/>
-                          <a:latin typeface="Cambria Math" panose="02040503050406030204" pitchFamily="18" charset="0"/>
-                        </a:rPr>
-                        <m:t>)</m:t>
-                      </m:r>
-                    </m:oMath>
-                  </m:oMathPara>
-                </a14:m>
-                <a:endParaRPr lang="x-IV_mathan" sz="1800" dirty="0">
-                  <a:effectLst/>
-                  <a:latin typeface="Cambria Math" panose="02040503050406030204" pitchFamily="18" charset="0"/>
-                </a:endParaRPr>
-              </a:p>
-              <a:p>
-                <a:pPr marL="0" marR="0" indent="0">
-                  <a:spcBef>
-                    <a:spcPts val="0"/>
-                  </a:spcBef>
-                  <a:spcAft>
-                    <a:spcPts val="0"/>
-                  </a:spcAft>
-                  <a:buNone/>
-                </a:pPr>
-                <a:r>
-                  <a:rPr lang="en-US" sz="1800" dirty="0">
-                    <a:effectLst/>
-                    <a:latin typeface="Cambria Math" panose="02040503050406030204" pitchFamily="18" charset="0"/>
-                  </a:rPr>
-                  <a:t> </a:t>
-                </a:r>
-              </a:p>
-              <a:p>
-                <a:pPr marL="0" marR="0" indent="0">
-                  <a:spcBef>
-                    <a:spcPts val="0"/>
-                  </a:spcBef>
-                  <a:spcAft>
-                    <a:spcPts val="0"/>
-                  </a:spcAft>
-                  <a:buNone/>
-                </a:pPr>
-                <a14:m>
-                  <m:oMathPara xmlns:m="http://schemas.openxmlformats.org/officeDocument/2006/math">
-                    <m:oMathParaPr>
-                      <m:jc m:val="centerGroup"/>
-                    </m:oMathParaPr>
-                    <m:oMath xmlns:m="http://schemas.openxmlformats.org/officeDocument/2006/math">
-                      <m:f>
-                        <m:fPr>
-                          <m:ctrlPr>
-                            <a:rPr lang="x-IV_mathan" sz="1800" i="1">
-                              <a:effectLst/>
-                              <a:latin typeface="Cambria Math" panose="02040503050406030204" pitchFamily="18" charset="0"/>
-                            </a:rPr>
-                          </m:ctrlPr>
-                        </m:fPr>
-                        <m:num>
-                          <m:r>
-                            <a:rPr lang="x-IV_mathan" sz="1800">
-                              <a:effectLst/>
-                              <a:latin typeface="Cambria Math" panose="02040503050406030204" pitchFamily="18" charset="0"/>
-                            </a:rPr>
-                            <m:t>𝜕</m:t>
-                          </m:r>
-                          <m:sSup>
-                            <m:sSupPr>
-                              <m:ctrlPr>
-                                <a:rPr lang="x-IV_mathan" sz="1800" i="1">
-                                  <a:effectLst/>
-                                  <a:latin typeface="Cambria Math" panose="02040503050406030204" pitchFamily="18" charset="0"/>
-                                </a:rPr>
-                              </m:ctrlPr>
-                            </m:sSupPr>
-                            <m:e>
-                              <m:r>
-                                <a:rPr lang="x-IV_mathan" sz="1800">
-                                  <a:effectLst/>
-                                  <a:latin typeface="Cambria Math" panose="02040503050406030204" pitchFamily="18" charset="0"/>
-                                </a:rPr>
-                                <m:t>𝑧</m:t>
-                              </m:r>
-                            </m:e>
-                            <m:sup>
-                              <m:r>
-                                <a:rPr lang="x-IV_mathan" sz="1800">
-                                  <a:effectLst/>
-                                  <a:latin typeface="Cambria Math" panose="02040503050406030204" pitchFamily="18" charset="0"/>
-                                </a:rPr>
-                                <m:t>𝐿</m:t>
-                              </m:r>
-                            </m:sup>
-                          </m:sSup>
-                        </m:num>
-                        <m:den>
-                          <m:r>
-                            <a:rPr lang="x-IV_mathan" sz="1800">
-                              <a:effectLst/>
-                              <a:latin typeface="Cambria Math" panose="02040503050406030204" pitchFamily="18" charset="0"/>
-                            </a:rPr>
-                            <m:t>𝜕</m:t>
-                          </m:r>
-                          <m:sSup>
-                            <m:sSupPr>
-                              <m:ctrlPr>
-                                <a:rPr lang="x-IV_mathan" sz="1800" i="1">
-                                  <a:effectLst/>
-                                  <a:latin typeface="Cambria Math" panose="02040503050406030204" pitchFamily="18" charset="0"/>
-                                </a:rPr>
-                              </m:ctrlPr>
-                            </m:sSupPr>
-                            <m:e>
-                              <m:r>
-                                <a:rPr lang="x-IV_mathan" sz="1800">
-                                  <a:effectLst/>
-                                  <a:latin typeface="Cambria Math" panose="02040503050406030204" pitchFamily="18" charset="0"/>
-                                </a:rPr>
-                                <m:t>𝑤</m:t>
-                              </m:r>
-                            </m:e>
-                            <m:sup>
-                              <m:r>
-                                <a:rPr lang="x-IV_mathan" sz="1800">
-                                  <a:effectLst/>
-                                  <a:latin typeface="Cambria Math" panose="02040503050406030204" pitchFamily="18" charset="0"/>
-                                </a:rPr>
-                                <m:t>𝐿</m:t>
-                              </m:r>
-                            </m:sup>
-                          </m:sSup>
-                        </m:den>
-                      </m:f>
-                      <m:r>
-                        <a:rPr lang="x-IV_mathan" sz="1800">
-                          <a:effectLst/>
-                          <a:latin typeface="Cambria Math" panose="02040503050406030204" pitchFamily="18" charset="0"/>
-                        </a:rPr>
-                        <m:t>=</m:t>
-                      </m:r>
-                      <m:sSup>
-                        <m:sSupPr>
-                          <m:ctrlPr>
-                            <a:rPr lang="x-IV_mathan" sz="1800" i="1">
-                              <a:effectLst/>
-                              <a:latin typeface="Cambria Math" panose="02040503050406030204" pitchFamily="18" charset="0"/>
-                            </a:rPr>
-                          </m:ctrlPr>
-                        </m:sSupPr>
-                        <m:e>
-                          <m:r>
-                            <a:rPr lang="x-IV_mathan" sz="1800">
-                              <a:effectLst/>
-                              <a:latin typeface="Cambria Math" panose="02040503050406030204" pitchFamily="18" charset="0"/>
-                            </a:rPr>
-                            <m:t>𝑎</m:t>
-                          </m:r>
-                        </m:e>
-                        <m:sup>
-                          <m:r>
-                            <a:rPr lang="x-IV_mathan" sz="1800">
-                              <a:effectLst/>
-                              <a:latin typeface="Cambria Math" panose="02040503050406030204" pitchFamily="18" charset="0"/>
-                            </a:rPr>
-                            <m:t>𝐿</m:t>
-                          </m:r>
-                          <m:r>
-                            <a:rPr lang="x-IV_mathan" sz="1800">
-                              <a:effectLst/>
-                              <a:latin typeface="Cambria Math" panose="02040503050406030204" pitchFamily="18" charset="0"/>
-                            </a:rPr>
-                            <m:t>−1</m:t>
-                          </m:r>
-                        </m:sup>
-                      </m:sSup>
-                    </m:oMath>
-                  </m:oMathPara>
-                </a14:m>
-                <a:endParaRPr lang="x-IV_mathan" sz="1800" dirty="0">
-                  <a:effectLst/>
-                  <a:latin typeface="Cambria Math" panose="02040503050406030204" pitchFamily="18" charset="0"/>
-                </a:endParaRPr>
-              </a:p>
-              <a:p>
-                <a:endParaRPr lang="hu-HU" dirty="0"/>
-              </a:p>
-            </p:txBody>
-          </p:sp>
-        </mc:Choice>
-        <mc:Fallback xmlns="">
-          <p:sp>
-            <p:nvSpPr>
-              <p:cNvPr id="3" name="Tartalom helye 2">
-                <a:extLst>
-                  <a:ext uri="{FF2B5EF4-FFF2-40B4-BE49-F238E27FC236}">
-                    <a16:creationId xmlns:a16="http://schemas.microsoft.com/office/drawing/2014/main" id="{5C39126D-3354-69EF-421E-59A1B88542D9}"/>
-                  </a:ext>
-                </a:extLst>
-              </p:cNvPr>
-              <p:cNvSpPr>
-                <a:spLocks noGrp="1" noRot="1" noChangeAspect="1" noMove="1" noResize="1" noEditPoints="1" noAdjustHandles="1" noChangeArrowheads="1" noChangeShapeType="1" noTextEdit="1"/>
-              </p:cNvSpPr>
-              <p:nvPr>
-                <p:ph idx="1"/>
-              </p:nvPr>
-            </p:nvSpPr>
-            <p:spPr>
-              <a:blipFill>
-                <a:blip r:embed="rId2"/>
-                <a:stretch>
-                  <a:fillRect/>
-                </a:stretch>
-              </a:blipFill>
-            </p:spPr>
-            <p:txBody>
-              <a:bodyPr/>
-              <a:lstStyle/>
-              <a:p>
-                <a:r>
-                  <a:rPr lang="hu-HU">
-                    <a:noFill/>
-                  </a:rPr>
-                  <a:t> </a:t>
-                </a:r>
-              </a:p>
-            </p:txBody>
-          </p:sp>
-        </mc:Fallback>
-      </mc:AlternateContent>
-    </p:spTree>
-    <p:extLst>
-      <p:ext uri="{BB962C8B-B14F-4D97-AF65-F5344CB8AC3E}">
-        <p14:creationId xmlns:p14="http://schemas.microsoft.com/office/powerpoint/2010/main" val="484320978"/>
-      </p:ext>
-    </p:extLst>
-  </p:cSld>
-  <p:clrMapOvr>
-    <a:masterClrMapping/>
-  </p:clrMapOvr>
-</p:sld>
-</file>
-
-<file path=ppt/slides/slide11.xml><?xml version="1.0" encoding="utf-8"?>
-<p:sld xmlns:a="http://schemas.openxmlformats.org/drawingml/2006/main" xmlns:r="http://schemas.openxmlformats.org/officeDocument/2006/relationships" xmlns:p="http://schemas.openxmlformats.org/presentationml/2006/main">
-  <p:cSld>
-    <p:spTree>
-      <p:nvGrpSpPr>
-        <p:cNvPr id="1" name=""/>
-        <p:cNvGrpSpPr/>
-        <p:nvPr/>
-      </p:nvGrpSpPr>
-      <p:grpSpPr>
-        <a:xfrm>
-          <a:off x="0" y="0"/>
-          <a:ext cx="0" cy="0"/>
-          <a:chOff x="0" y="0"/>
-          <a:chExt cx="0" cy="0"/>
-        </a:xfrm>
-      </p:grpSpPr>
-      <p:sp>
-        <p:nvSpPr>
-          <p:cNvPr id="2" name="Cím 1">
-            <a:extLst>
-              <a:ext uri="{FF2B5EF4-FFF2-40B4-BE49-F238E27FC236}">
-                <a16:creationId xmlns:a16="http://schemas.microsoft.com/office/drawing/2014/main" id="{ABC2D960-A842-C0CE-2A28-608FC323F45B}"/>
-              </a:ext>
-            </a:extLst>
-          </p:cNvPr>
-          <p:cNvSpPr>
-            <a:spLocks noGrp="1"/>
-          </p:cNvSpPr>
-          <p:nvPr>
-            <p:ph type="title"/>
-          </p:nvPr>
-        </p:nvSpPr>
-        <p:spPr/>
-        <p:txBody>
-          <a:bodyPr/>
-          <a:lstStyle/>
-          <a:p>
-            <a:r>
-              <a:rPr lang="en-US" dirty="0"/>
-              <a:t>The values referred to error</a:t>
-            </a:r>
-            <a:endParaRPr lang="hu-HU" dirty="0"/>
-          </a:p>
-        </p:txBody>
-      </p:sp>
-      <mc:AlternateContent xmlns:mc="http://schemas.openxmlformats.org/markup-compatibility/2006" xmlns:a14="http://schemas.microsoft.com/office/drawing/2010/main">
-        <mc:Choice Requires="a14">
-          <p:sp>
-            <p:nvSpPr>
-              <p:cNvPr id="3" name="Tartalom helye 2">
-                <a:extLst>
-                  <a:ext uri="{FF2B5EF4-FFF2-40B4-BE49-F238E27FC236}">
-                    <a16:creationId xmlns:a16="http://schemas.microsoft.com/office/drawing/2014/main" id="{67FC3984-968B-63E4-468A-E54D0AAB9C5D}"/>
-                  </a:ext>
-                </a:extLst>
-              </p:cNvPr>
-              <p:cNvSpPr>
-                <a:spLocks noGrp="1"/>
-              </p:cNvSpPr>
-              <p:nvPr>
-                <p:ph idx="1"/>
-              </p:nvPr>
-            </p:nvSpPr>
-            <p:spPr/>
-            <p:txBody>
-              <a:bodyPr/>
-              <a:lstStyle/>
-              <a:p>
-                <a:pPr marL="0" marR="0" indent="0">
-                  <a:spcBef>
-                    <a:spcPts val="0"/>
-                  </a:spcBef>
-                  <a:spcAft>
-                    <a:spcPts val="0"/>
-                  </a:spcAft>
-                  <a:buNone/>
-                </a:pPr>
-                <a:br>
-                  <a:rPr lang="en-US" sz="1800" dirty="0">
-                    <a:effectLst/>
-                    <a:latin typeface="Calibri" panose="020F0502020204030204" pitchFamily="34" charset="0"/>
-                  </a:rPr>
-                </a:br>
-                <a14:m>
-                  <m:oMathPara xmlns:m="http://schemas.openxmlformats.org/officeDocument/2006/math">
-                    <m:oMathParaPr>
-                      <m:jc m:val="centerGroup"/>
-                    </m:oMathParaPr>
-                    <m:oMath xmlns:m="http://schemas.openxmlformats.org/officeDocument/2006/math">
-                      <m:f>
-                        <m:fPr>
-                          <m:ctrlPr>
-                            <a:rPr lang="hu-HU" sz="1800" i="1">
-                              <a:effectLst/>
-                              <a:latin typeface="Cambria Math" panose="02040503050406030204" pitchFamily="18" charset="0"/>
-                            </a:rPr>
-                          </m:ctrlPr>
-                        </m:fPr>
-                        <m:num>
-                          <m:r>
-                            <a:rPr lang="hu-HU" sz="1800" i="1">
-                              <a:effectLst/>
-                              <a:latin typeface="Cambria Math" panose="02040503050406030204" pitchFamily="18" charset="0"/>
-                            </a:rPr>
-                            <m:t>𝜕</m:t>
-                          </m:r>
-                          <m:sSub>
-                            <m:sSubPr>
-                              <m:ctrlPr>
-                                <a:rPr lang="hu-HU" sz="1800" i="1">
-                                  <a:effectLst/>
-                                  <a:latin typeface="Cambria Math" panose="02040503050406030204" pitchFamily="18" charset="0"/>
-                                </a:rPr>
-                              </m:ctrlPr>
-                            </m:sSubPr>
-                            <m:e>
-                              <m:r>
-                                <a:rPr lang="hu-HU" sz="1800">
-                                  <a:effectLst/>
-                                  <a:latin typeface="Cambria Math" panose="02040503050406030204" pitchFamily="18" charset="0"/>
-                                </a:rPr>
-                                <m:t>𝐶</m:t>
-                              </m:r>
-                            </m:e>
-                            <m:sub>
-                              <m:r>
-                                <a:rPr lang="hu-HU" sz="1800">
-                                  <a:effectLst/>
-                                  <a:latin typeface="Cambria Math" panose="02040503050406030204" pitchFamily="18" charset="0"/>
-                                </a:rPr>
-                                <m:t>0</m:t>
-                              </m:r>
-                            </m:sub>
-                          </m:sSub>
-                        </m:num>
-                        <m:den>
-                          <m:r>
-                            <a:rPr lang="hu-HU" sz="1800">
-                              <a:effectLst/>
-                              <a:latin typeface="Cambria Math" panose="02040503050406030204" pitchFamily="18" charset="0"/>
-                            </a:rPr>
-                            <m:t>𝜕</m:t>
-                          </m:r>
-                          <m:sSup>
-                            <m:sSupPr>
-                              <m:ctrlPr>
-                                <a:rPr lang="hu-HU" sz="1800" i="1">
-                                  <a:effectLst/>
-                                  <a:latin typeface="Cambria Math" panose="02040503050406030204" pitchFamily="18" charset="0"/>
-                                </a:rPr>
-                              </m:ctrlPr>
-                            </m:sSupPr>
-                            <m:e>
-                              <m:r>
-                                <a:rPr lang="hu-HU" sz="1800">
-                                  <a:effectLst/>
-                                  <a:latin typeface="Cambria Math" panose="02040503050406030204" pitchFamily="18" charset="0"/>
-                                </a:rPr>
-                                <m:t>𝑤</m:t>
-                              </m:r>
-                            </m:e>
-                            <m:sup>
-                              <m:r>
-                                <a:rPr lang="hu-HU" sz="1800">
-                                  <a:effectLst/>
-                                  <a:latin typeface="Cambria Math" panose="02040503050406030204" pitchFamily="18" charset="0"/>
-                                </a:rPr>
-                                <m:t>𝐿</m:t>
-                              </m:r>
-                            </m:sup>
-                          </m:sSup>
-                        </m:den>
-                      </m:f>
-                      <m:r>
-                        <a:rPr lang="hu-HU" sz="1800">
-                          <a:effectLst/>
-                          <a:latin typeface="Cambria Math" panose="02040503050406030204" pitchFamily="18" charset="0"/>
-                        </a:rPr>
-                        <m:t>=</m:t>
-                      </m:r>
-                      <m:r>
-                        <a:rPr lang="hu-HU" sz="1800" i="1">
-                          <a:effectLst/>
-                          <a:latin typeface="Cambria Math" panose="02040503050406030204" pitchFamily="18" charset="0"/>
-                        </a:rPr>
-                        <m:t> </m:t>
-                      </m:r>
-                      <m:f>
-                        <m:fPr>
-                          <m:ctrlPr>
-                            <a:rPr lang="hu-HU" sz="1800" i="1">
-                              <a:effectLst/>
-                              <a:latin typeface="Cambria Math" panose="02040503050406030204" pitchFamily="18" charset="0"/>
-                            </a:rPr>
-                          </m:ctrlPr>
-                        </m:fPr>
-                        <m:num>
-                          <m:r>
-                            <a:rPr lang="hu-HU" sz="1800">
-                              <a:effectLst/>
-                              <a:latin typeface="Cambria Math" panose="02040503050406030204" pitchFamily="18" charset="0"/>
-                            </a:rPr>
-                            <m:t>𝜕</m:t>
-                          </m:r>
-                          <m:sSup>
-                            <m:sSupPr>
-                              <m:ctrlPr>
-                                <a:rPr lang="hu-HU" sz="1800" i="1">
-                                  <a:effectLst/>
-                                  <a:latin typeface="Cambria Math" panose="02040503050406030204" pitchFamily="18" charset="0"/>
-                                </a:rPr>
-                              </m:ctrlPr>
-                            </m:sSupPr>
-                            <m:e>
-                              <m:r>
-                                <a:rPr lang="hu-HU" sz="1800">
-                                  <a:effectLst/>
-                                  <a:latin typeface="Cambria Math" panose="02040503050406030204" pitchFamily="18" charset="0"/>
-                                </a:rPr>
-                                <m:t>𝑧</m:t>
-                              </m:r>
-                            </m:e>
-                            <m:sup>
-                              <m:r>
-                                <a:rPr lang="hu-HU" sz="1800">
-                                  <a:effectLst/>
-                                  <a:latin typeface="Cambria Math" panose="02040503050406030204" pitchFamily="18" charset="0"/>
-                                </a:rPr>
-                                <m:t>𝐿</m:t>
-                              </m:r>
-                            </m:sup>
-                          </m:sSup>
-                        </m:num>
-                        <m:den>
-                          <m:r>
-                            <a:rPr lang="hu-HU" sz="1800">
-                              <a:effectLst/>
-                              <a:latin typeface="Cambria Math" panose="02040503050406030204" pitchFamily="18" charset="0"/>
-                            </a:rPr>
-                            <m:t>𝜕</m:t>
-                          </m:r>
-                          <m:sSup>
-                            <m:sSupPr>
-                              <m:ctrlPr>
-                                <a:rPr lang="hu-HU" sz="1800" i="1">
-                                  <a:effectLst/>
-                                  <a:latin typeface="Cambria Math" panose="02040503050406030204" pitchFamily="18" charset="0"/>
-                                </a:rPr>
-                              </m:ctrlPr>
-                            </m:sSupPr>
-                            <m:e>
-                              <m:r>
-                                <a:rPr lang="hu-HU" sz="1800">
-                                  <a:effectLst/>
-                                  <a:latin typeface="Cambria Math" panose="02040503050406030204" pitchFamily="18" charset="0"/>
-                                </a:rPr>
-                                <m:t>𝑤</m:t>
-                              </m:r>
-                            </m:e>
-                            <m:sup>
-                              <m:r>
-                                <a:rPr lang="hu-HU" sz="1800">
-                                  <a:effectLst/>
-                                  <a:latin typeface="Cambria Math" panose="02040503050406030204" pitchFamily="18" charset="0"/>
-                                </a:rPr>
-                                <m:t>𝐿</m:t>
-                              </m:r>
-                            </m:sup>
-                          </m:sSup>
-                        </m:den>
-                      </m:f>
-                      <m:r>
-                        <a:rPr lang="hu-HU" sz="1800" i="1">
-                          <a:effectLst/>
-                          <a:latin typeface="Cambria Math" panose="02040503050406030204" pitchFamily="18" charset="0"/>
-                        </a:rPr>
-                        <m:t> </m:t>
-                      </m:r>
-                      <m:f>
-                        <m:fPr>
-                          <m:ctrlPr>
-                            <a:rPr lang="hu-HU" sz="1800" i="1">
-                              <a:effectLst/>
-                              <a:latin typeface="Cambria Math" panose="02040503050406030204" pitchFamily="18" charset="0"/>
-                            </a:rPr>
-                          </m:ctrlPr>
-                        </m:fPr>
-                        <m:num>
-                          <m:r>
-                            <a:rPr lang="hu-HU" sz="1800">
-                              <a:effectLst/>
-                              <a:latin typeface="Cambria Math" panose="02040503050406030204" pitchFamily="18" charset="0"/>
-                            </a:rPr>
-                            <m:t>𝜕</m:t>
-                          </m:r>
-                          <m:sSup>
-                            <m:sSupPr>
-                              <m:ctrlPr>
-                                <a:rPr lang="hu-HU" sz="1800" i="1">
-                                  <a:effectLst/>
-                                  <a:latin typeface="Cambria Math" panose="02040503050406030204" pitchFamily="18" charset="0"/>
-                                </a:rPr>
-                              </m:ctrlPr>
-                            </m:sSupPr>
-                            <m:e>
-                              <m:r>
-                                <a:rPr lang="hu-HU" sz="1800">
-                                  <a:effectLst/>
-                                  <a:latin typeface="Cambria Math" panose="02040503050406030204" pitchFamily="18" charset="0"/>
-                                </a:rPr>
-                                <m:t>𝑎</m:t>
-                              </m:r>
-                            </m:e>
-                            <m:sup>
-                              <m:r>
-                                <a:rPr lang="hu-HU" sz="1800">
-                                  <a:effectLst/>
-                                  <a:latin typeface="Cambria Math" panose="02040503050406030204" pitchFamily="18" charset="0"/>
-                                </a:rPr>
-                                <m:t>𝐿</m:t>
-                              </m:r>
-                            </m:sup>
-                          </m:sSup>
-                        </m:num>
-                        <m:den>
-                          <m:r>
-                            <a:rPr lang="hu-HU" sz="1800">
-                              <a:effectLst/>
-                              <a:latin typeface="Cambria Math" panose="02040503050406030204" pitchFamily="18" charset="0"/>
-                            </a:rPr>
-                            <m:t>𝜕</m:t>
-                          </m:r>
-                          <m:sSup>
-                            <m:sSupPr>
-                              <m:ctrlPr>
-                                <a:rPr lang="hu-HU" sz="1800" i="1">
-                                  <a:effectLst/>
-                                  <a:latin typeface="Cambria Math" panose="02040503050406030204" pitchFamily="18" charset="0"/>
-                                </a:rPr>
-                              </m:ctrlPr>
-                            </m:sSupPr>
-                            <m:e>
-                              <m:r>
-                                <a:rPr lang="hu-HU" sz="1800">
-                                  <a:effectLst/>
-                                  <a:latin typeface="Cambria Math" panose="02040503050406030204" pitchFamily="18" charset="0"/>
-                                </a:rPr>
-                                <m:t>𝑧</m:t>
-                              </m:r>
-                            </m:e>
-                            <m:sup>
-                              <m:r>
-                                <a:rPr lang="hu-HU" sz="1800">
-                                  <a:effectLst/>
-                                  <a:latin typeface="Cambria Math" panose="02040503050406030204" pitchFamily="18" charset="0"/>
-                                </a:rPr>
-                                <m:t>𝐿</m:t>
-                              </m:r>
-                            </m:sup>
-                          </m:sSup>
-                        </m:den>
-                      </m:f>
-                      <m:r>
-                        <a:rPr lang="hu-HU" sz="1800" i="1">
-                          <a:effectLst/>
-                          <a:latin typeface="Cambria Math" panose="02040503050406030204" pitchFamily="18" charset="0"/>
-                        </a:rPr>
-                        <m:t> </m:t>
-                      </m:r>
-                      <m:f>
-                        <m:fPr>
-                          <m:ctrlPr>
-                            <a:rPr lang="hu-HU" sz="1800" i="1">
-                              <a:effectLst/>
-                              <a:latin typeface="Cambria Math" panose="02040503050406030204" pitchFamily="18" charset="0"/>
-                            </a:rPr>
-                          </m:ctrlPr>
-                        </m:fPr>
-                        <m:num>
-                          <m:r>
-                            <a:rPr lang="hu-HU" sz="1800">
-                              <a:effectLst/>
-                              <a:latin typeface="Cambria Math" panose="02040503050406030204" pitchFamily="18" charset="0"/>
-                            </a:rPr>
-                            <m:t>𝜕</m:t>
-                          </m:r>
-                          <m:sSub>
-                            <m:sSubPr>
-                              <m:ctrlPr>
-                                <a:rPr lang="hu-HU" sz="1800" i="1">
-                                  <a:effectLst/>
-                                  <a:latin typeface="Cambria Math" panose="02040503050406030204" pitchFamily="18" charset="0"/>
-                                </a:rPr>
-                              </m:ctrlPr>
-                            </m:sSubPr>
-                            <m:e>
-                              <m:r>
-                                <a:rPr lang="hu-HU" sz="1800">
-                                  <a:effectLst/>
-                                  <a:latin typeface="Cambria Math" panose="02040503050406030204" pitchFamily="18" charset="0"/>
-                                </a:rPr>
-                                <m:t>𝐶</m:t>
-                              </m:r>
-                            </m:e>
-                            <m:sub>
-                              <m:r>
-                                <a:rPr lang="hu-HU" sz="1800">
-                                  <a:effectLst/>
-                                  <a:latin typeface="Cambria Math" panose="02040503050406030204" pitchFamily="18" charset="0"/>
-                                </a:rPr>
-                                <m:t>0</m:t>
-                              </m:r>
-                            </m:sub>
-                          </m:sSub>
-                        </m:num>
-                        <m:den>
-                          <m:r>
-                            <a:rPr lang="hu-HU" sz="1800">
-                              <a:effectLst/>
-                              <a:latin typeface="Cambria Math" panose="02040503050406030204" pitchFamily="18" charset="0"/>
-                            </a:rPr>
-                            <m:t>𝜕</m:t>
-                          </m:r>
-                          <m:sSup>
-                            <m:sSupPr>
-                              <m:ctrlPr>
-                                <a:rPr lang="hu-HU" sz="1800" i="1">
-                                  <a:effectLst/>
-                                  <a:latin typeface="Cambria Math" panose="02040503050406030204" pitchFamily="18" charset="0"/>
-                                </a:rPr>
-                              </m:ctrlPr>
-                            </m:sSupPr>
-                            <m:e>
-                              <m:r>
-                                <a:rPr lang="hu-HU" sz="1800">
-                                  <a:effectLst/>
-                                  <a:latin typeface="Cambria Math" panose="02040503050406030204" pitchFamily="18" charset="0"/>
-                                </a:rPr>
-                                <m:t>𝑎</m:t>
-                              </m:r>
-                            </m:e>
-                            <m:sup>
-                              <m:r>
-                                <a:rPr lang="hu-HU" sz="1800">
-                                  <a:effectLst/>
-                                  <a:latin typeface="Cambria Math" panose="02040503050406030204" pitchFamily="18" charset="0"/>
-                                </a:rPr>
-                                <m:t>𝐿</m:t>
-                              </m:r>
-                            </m:sup>
-                          </m:sSup>
-                        </m:den>
-                      </m:f>
-                      <m:r>
-                        <a:rPr lang="hu-HU" sz="1800" i="1">
-                          <a:effectLst/>
-                          <a:latin typeface="Cambria Math" panose="02040503050406030204" pitchFamily="18" charset="0"/>
-                        </a:rPr>
-                        <m:t>  </m:t>
-                      </m:r>
-                    </m:oMath>
-                  </m:oMathPara>
-                </a14:m>
-                <a:endParaRPr lang="hu-HU" sz="1800" dirty="0">
-                  <a:effectLst/>
-                  <a:latin typeface="Calibri" panose="020F0502020204030204" pitchFamily="34" charset="0"/>
-                </a:endParaRPr>
-              </a:p>
-              <a:p>
-                <a:pPr marL="0" marR="0" indent="0">
-                  <a:spcBef>
-                    <a:spcPts val="0"/>
-                  </a:spcBef>
-                  <a:spcAft>
-                    <a:spcPts val="0"/>
-                  </a:spcAft>
-                  <a:buNone/>
-                </a:pPr>
-                <a:r>
-                  <a:rPr lang="en-US" sz="1800" dirty="0">
-                    <a:effectLst/>
-                    <a:latin typeface="Cambria Math" panose="02040503050406030204" pitchFamily="18" charset="0"/>
-                  </a:rPr>
-                  <a:t> </a:t>
-                </a:r>
-              </a:p>
-              <a:p>
-                <a:pPr marL="0" marR="0" indent="0">
-                  <a:spcBef>
-                    <a:spcPts val="0"/>
-                  </a:spcBef>
-                  <a:spcAft>
-                    <a:spcPts val="0"/>
-                  </a:spcAft>
-                  <a:buNone/>
-                </a:pPr>
-                <a14:m>
-                  <m:oMathPara xmlns:m="http://schemas.openxmlformats.org/officeDocument/2006/math">
-                    <m:oMathParaPr>
-                      <m:jc m:val="centerGroup"/>
-                    </m:oMathParaPr>
-                    <m:oMath xmlns:m="http://schemas.openxmlformats.org/officeDocument/2006/math">
-                      <m:f>
-                        <m:fPr>
-                          <m:ctrlPr>
-                            <a:rPr lang="x-IV_mathan" sz="1800" i="1">
-                              <a:effectLst/>
-                              <a:latin typeface="Cambria Math" panose="02040503050406030204" pitchFamily="18" charset="0"/>
-                            </a:rPr>
-                          </m:ctrlPr>
-                        </m:fPr>
-                        <m:num>
-                          <m:r>
-                            <a:rPr lang="x-IV_mathan" sz="1800">
-                              <a:effectLst/>
-                              <a:latin typeface="Cambria Math" panose="02040503050406030204" pitchFamily="18" charset="0"/>
-                            </a:rPr>
-                            <m:t>𝜕</m:t>
-                          </m:r>
-                          <m:sSub>
-                            <m:sSubPr>
-                              <m:ctrlPr>
-                                <a:rPr lang="x-IV_mathan" sz="1800" i="1">
-                                  <a:effectLst/>
-                                  <a:latin typeface="Cambria Math" panose="02040503050406030204" pitchFamily="18" charset="0"/>
-                                </a:rPr>
-                              </m:ctrlPr>
-                            </m:sSubPr>
-                            <m:e>
-                              <m:r>
-                                <a:rPr lang="x-IV_mathan" sz="1800">
-                                  <a:effectLst/>
-                                  <a:latin typeface="Cambria Math" panose="02040503050406030204" pitchFamily="18" charset="0"/>
-                                </a:rPr>
-                                <m:t>𝐶</m:t>
-                              </m:r>
-                            </m:e>
-                            <m:sub>
-                              <m:r>
-                                <a:rPr lang="x-IV_mathan" sz="1800">
-                                  <a:effectLst/>
-                                  <a:latin typeface="Cambria Math" panose="02040503050406030204" pitchFamily="18" charset="0"/>
-                                </a:rPr>
-                                <m:t>0</m:t>
-                              </m:r>
-                            </m:sub>
-                          </m:sSub>
-                        </m:num>
-                        <m:den>
-                          <m:r>
-                            <a:rPr lang="x-IV_mathan" sz="1800">
-                              <a:effectLst/>
-                              <a:latin typeface="Cambria Math" panose="02040503050406030204" pitchFamily="18" charset="0"/>
-                            </a:rPr>
-                            <m:t>𝜕</m:t>
-                          </m:r>
-                          <m:sSup>
-                            <m:sSupPr>
-                              <m:ctrlPr>
-                                <a:rPr lang="x-IV_mathan" sz="1800" i="1">
-                                  <a:effectLst/>
-                                  <a:latin typeface="Cambria Math" panose="02040503050406030204" pitchFamily="18" charset="0"/>
-                                </a:rPr>
-                              </m:ctrlPr>
-                            </m:sSupPr>
-                            <m:e>
-                              <m:r>
-                                <a:rPr lang="x-IV_mathan" sz="1800">
-                                  <a:effectLst/>
-                                  <a:latin typeface="Cambria Math" panose="02040503050406030204" pitchFamily="18" charset="0"/>
-                                </a:rPr>
-                                <m:t>𝑎</m:t>
-                              </m:r>
-                            </m:e>
-                            <m:sup>
-                              <m:r>
-                                <a:rPr lang="x-IV_mathan" sz="1800">
-                                  <a:effectLst/>
-                                  <a:latin typeface="Cambria Math" panose="02040503050406030204" pitchFamily="18" charset="0"/>
-                                </a:rPr>
-                                <m:t>𝐿</m:t>
-                              </m:r>
-                            </m:sup>
-                          </m:sSup>
-                        </m:den>
-                      </m:f>
-                      <m:r>
-                        <a:rPr lang="x-IV_mathan" sz="1800">
-                          <a:effectLst/>
-                          <a:latin typeface="Cambria Math" panose="02040503050406030204" pitchFamily="18" charset="0"/>
-                        </a:rPr>
-                        <m:t>=2</m:t>
-                      </m:r>
-                      <m:d>
-                        <m:dPr>
-                          <m:ctrlPr>
-                            <a:rPr lang="x-IV_mathan" sz="1800" i="1">
-                              <a:effectLst/>
-                              <a:latin typeface="Cambria Math" panose="02040503050406030204" pitchFamily="18" charset="0"/>
-                            </a:rPr>
-                          </m:ctrlPr>
-                        </m:dPr>
-                        <m:e>
-                          <m:sSup>
-                            <m:sSupPr>
-                              <m:ctrlPr>
-                                <a:rPr lang="x-IV_mathan" sz="1800" i="1">
-                                  <a:effectLst/>
-                                  <a:latin typeface="Cambria Math" panose="02040503050406030204" pitchFamily="18" charset="0"/>
-                                </a:rPr>
-                              </m:ctrlPr>
-                            </m:sSupPr>
-                            <m:e>
-                              <m:r>
-                                <a:rPr lang="x-IV_mathan" sz="1800">
-                                  <a:effectLst/>
-                                  <a:latin typeface="Cambria Math" panose="02040503050406030204" pitchFamily="18" charset="0"/>
-                                </a:rPr>
-                                <m:t>𝑎</m:t>
-                              </m:r>
-                            </m:e>
-                            <m:sup>
-                              <m:r>
-                                <a:rPr lang="x-IV_mathan" sz="1800">
-                                  <a:effectLst/>
-                                  <a:latin typeface="Cambria Math" panose="02040503050406030204" pitchFamily="18" charset="0"/>
-                                </a:rPr>
-                                <m:t>𝐿</m:t>
-                              </m:r>
-                            </m:sup>
-                          </m:sSup>
-                          <m:r>
-                            <a:rPr lang="x-IV_mathan" sz="1800">
-                              <a:effectLst/>
-                              <a:latin typeface="Cambria Math" panose="02040503050406030204" pitchFamily="18" charset="0"/>
-                            </a:rPr>
-                            <m:t>−</m:t>
-                          </m:r>
-                          <m:r>
-                            <a:rPr lang="x-IV_mathan" sz="1800">
-                              <a:effectLst/>
-                              <a:latin typeface="Cambria Math" panose="02040503050406030204" pitchFamily="18" charset="0"/>
-                            </a:rPr>
-                            <m:t>𝑦</m:t>
-                          </m:r>
-                        </m:e>
-                      </m:d>
-                    </m:oMath>
-                  </m:oMathPara>
-                </a14:m>
-                <a:endParaRPr lang="x-IV_mathan" sz="1800" dirty="0">
-                  <a:effectLst/>
-                  <a:latin typeface="Cambria Math" panose="02040503050406030204" pitchFamily="18" charset="0"/>
-                </a:endParaRPr>
-              </a:p>
-              <a:p>
-                <a:pPr marL="0" marR="0" indent="0">
-                  <a:spcBef>
-                    <a:spcPts val="0"/>
-                  </a:spcBef>
-                  <a:spcAft>
-                    <a:spcPts val="0"/>
-                  </a:spcAft>
-                  <a:buNone/>
-                </a:pPr>
-                <a:r>
-                  <a:rPr lang="en-US" sz="1800" dirty="0">
-                    <a:effectLst/>
-                    <a:latin typeface="Cambria Math" panose="02040503050406030204" pitchFamily="18" charset="0"/>
-                  </a:rPr>
-                  <a:t> </a:t>
-                </a:r>
-              </a:p>
-              <a:p>
-                <a:pPr marL="0" marR="0" indent="0">
-                  <a:spcBef>
-                    <a:spcPts val="0"/>
-                  </a:spcBef>
-                  <a:spcAft>
-                    <a:spcPts val="0"/>
-                  </a:spcAft>
-                  <a:buNone/>
-                </a:pPr>
-                <a14:m>
-                  <m:oMathPara xmlns:m="http://schemas.openxmlformats.org/officeDocument/2006/math">
-                    <m:oMathParaPr>
-                      <m:jc m:val="centerGroup"/>
-                    </m:oMathParaPr>
-                    <m:oMath xmlns:m="http://schemas.openxmlformats.org/officeDocument/2006/math">
-                      <m:f>
-                        <m:fPr>
-                          <m:ctrlPr>
-                            <a:rPr lang="x-IV_mathan" sz="1800" i="1">
-                              <a:effectLst/>
-                              <a:latin typeface="Cambria Math" panose="02040503050406030204" pitchFamily="18" charset="0"/>
-                            </a:rPr>
-                          </m:ctrlPr>
-                        </m:fPr>
-                        <m:num>
-                          <m:r>
-                            <a:rPr lang="x-IV_mathan" sz="1800">
-                              <a:effectLst/>
-                              <a:latin typeface="Cambria Math" panose="02040503050406030204" pitchFamily="18" charset="0"/>
-                            </a:rPr>
-                            <m:t>𝜕</m:t>
-                          </m:r>
-                          <m:sSup>
-                            <m:sSupPr>
-                              <m:ctrlPr>
-                                <a:rPr lang="x-IV_mathan" sz="1800" i="1">
-                                  <a:effectLst/>
-                                  <a:latin typeface="Cambria Math" panose="02040503050406030204" pitchFamily="18" charset="0"/>
-                                </a:rPr>
-                              </m:ctrlPr>
-                            </m:sSupPr>
-                            <m:e>
-                              <m:r>
-                                <a:rPr lang="x-IV_mathan" sz="1800">
-                                  <a:effectLst/>
-                                  <a:latin typeface="Cambria Math" panose="02040503050406030204" pitchFamily="18" charset="0"/>
-                                </a:rPr>
-                                <m:t>𝑎</m:t>
-                              </m:r>
-                            </m:e>
-                            <m:sup>
-                              <m:r>
-                                <a:rPr lang="x-IV_mathan" sz="1800">
-                                  <a:effectLst/>
-                                  <a:latin typeface="Cambria Math" panose="02040503050406030204" pitchFamily="18" charset="0"/>
-                                </a:rPr>
-                                <m:t>𝐿</m:t>
-                              </m:r>
-                            </m:sup>
-                          </m:sSup>
-                        </m:num>
-                        <m:den>
-                          <m:r>
-                            <a:rPr lang="x-IV_mathan" sz="1800">
-                              <a:effectLst/>
-                              <a:latin typeface="Cambria Math" panose="02040503050406030204" pitchFamily="18" charset="0"/>
-                            </a:rPr>
-                            <m:t>𝜕</m:t>
-                          </m:r>
-                          <m:sSup>
-                            <m:sSupPr>
-                              <m:ctrlPr>
-                                <a:rPr lang="x-IV_mathan" sz="1800" i="1">
-                                  <a:effectLst/>
-                                  <a:latin typeface="Cambria Math" panose="02040503050406030204" pitchFamily="18" charset="0"/>
-                                </a:rPr>
-                              </m:ctrlPr>
-                            </m:sSupPr>
-                            <m:e>
-                              <m:r>
-                                <a:rPr lang="x-IV_mathan" sz="1800">
-                                  <a:effectLst/>
-                                  <a:latin typeface="Cambria Math" panose="02040503050406030204" pitchFamily="18" charset="0"/>
-                                </a:rPr>
-                                <m:t>𝑧</m:t>
-                              </m:r>
-                            </m:e>
-                            <m:sup>
-                              <m:r>
-                                <a:rPr lang="x-IV_mathan" sz="1800">
-                                  <a:effectLst/>
-                                  <a:latin typeface="Cambria Math" panose="02040503050406030204" pitchFamily="18" charset="0"/>
-                                </a:rPr>
-                                <m:t>𝐿</m:t>
-                              </m:r>
-                            </m:sup>
-                          </m:sSup>
-                        </m:den>
-                      </m:f>
-                      <m:r>
-                        <a:rPr lang="x-IV_mathan" sz="1800">
-                          <a:effectLst/>
-                          <a:latin typeface="Cambria Math" panose="02040503050406030204" pitchFamily="18" charset="0"/>
-                        </a:rPr>
-                        <m:t>=</m:t>
-                      </m:r>
-                      <m:r>
-                        <a:rPr lang="x-IV_mathan" sz="1800">
-                          <a:effectLst/>
-                          <a:latin typeface="Cambria Math" panose="02040503050406030204" pitchFamily="18" charset="0"/>
-                        </a:rPr>
-                        <m:t>𝜎</m:t>
-                      </m:r>
-                      <m:r>
-                        <a:rPr lang="x-IV_mathan" sz="1800">
-                          <a:effectLst/>
-                          <a:latin typeface="Cambria Math" panose="02040503050406030204" pitchFamily="18" charset="0"/>
-                        </a:rPr>
-                        <m:t>′(</m:t>
-                      </m:r>
-                      <m:sSup>
-                        <m:sSupPr>
-                          <m:ctrlPr>
-                            <a:rPr lang="x-IV_mathan" sz="1800" i="1">
-                              <a:effectLst/>
-                              <a:latin typeface="Cambria Math" panose="02040503050406030204" pitchFamily="18" charset="0"/>
-                            </a:rPr>
-                          </m:ctrlPr>
-                        </m:sSupPr>
-                        <m:e>
-                          <m:r>
-                            <a:rPr lang="x-IV_mathan" sz="1800">
-                              <a:effectLst/>
-                              <a:latin typeface="Cambria Math" panose="02040503050406030204" pitchFamily="18" charset="0"/>
-                            </a:rPr>
-                            <m:t>𝑧</m:t>
-                          </m:r>
-                        </m:e>
-                        <m:sup>
-                          <m:r>
-                            <a:rPr lang="x-IV_mathan" sz="1800">
-                              <a:effectLst/>
-                              <a:latin typeface="Cambria Math" panose="02040503050406030204" pitchFamily="18" charset="0"/>
-                            </a:rPr>
-                            <m:t>𝐿</m:t>
-                          </m:r>
-                        </m:sup>
-                      </m:sSup>
-                      <m:r>
-                        <a:rPr lang="x-IV_mathan" sz="1800">
-                          <a:effectLst/>
-                          <a:latin typeface="Cambria Math" panose="02040503050406030204" pitchFamily="18" charset="0"/>
-                        </a:rPr>
-                        <m:t>)</m:t>
-                      </m:r>
-                    </m:oMath>
-                  </m:oMathPara>
-                </a14:m>
-                <a:endParaRPr lang="x-IV_mathan" sz="1800" dirty="0">
-                  <a:effectLst/>
-                  <a:latin typeface="Cambria Math" panose="02040503050406030204" pitchFamily="18" charset="0"/>
-                </a:endParaRPr>
-              </a:p>
-              <a:p>
-                <a:pPr marL="0" marR="0" indent="0">
-                  <a:spcBef>
-                    <a:spcPts val="0"/>
-                  </a:spcBef>
-                  <a:spcAft>
-                    <a:spcPts val="0"/>
-                  </a:spcAft>
-                  <a:buNone/>
-                </a:pPr>
-                <a:r>
-                  <a:rPr lang="en-US" sz="1800" dirty="0">
-                    <a:effectLst/>
-                    <a:latin typeface="Cambria Math" panose="02040503050406030204" pitchFamily="18" charset="0"/>
-                  </a:rPr>
-                  <a:t> </a:t>
-                </a:r>
-              </a:p>
-              <a:p>
-                <a:pPr marL="0" marR="0" indent="0">
-                  <a:spcBef>
-                    <a:spcPts val="0"/>
-                  </a:spcBef>
-                  <a:spcAft>
-                    <a:spcPts val="0"/>
-                  </a:spcAft>
-                  <a:buNone/>
-                </a:pPr>
-                <a14:m>
-                  <m:oMathPara xmlns:m="http://schemas.openxmlformats.org/officeDocument/2006/math">
-                    <m:oMathParaPr>
-                      <m:jc m:val="centerGroup"/>
-                    </m:oMathParaPr>
-                    <m:oMath xmlns:m="http://schemas.openxmlformats.org/officeDocument/2006/math">
-                      <m:f>
-                        <m:fPr>
-                          <m:ctrlPr>
-                            <a:rPr lang="x-IV_mathan" sz="1800" i="1">
-                              <a:effectLst/>
-                              <a:latin typeface="Cambria Math" panose="02040503050406030204" pitchFamily="18" charset="0"/>
-                            </a:rPr>
-                          </m:ctrlPr>
-                        </m:fPr>
-                        <m:num>
-                          <m:r>
-                            <a:rPr lang="x-IV_mathan" sz="1800">
-                              <a:effectLst/>
-                              <a:latin typeface="Cambria Math" panose="02040503050406030204" pitchFamily="18" charset="0"/>
-                            </a:rPr>
-                            <m:t>𝜕</m:t>
-                          </m:r>
-                          <m:sSup>
-                            <m:sSupPr>
-                              <m:ctrlPr>
-                                <a:rPr lang="x-IV_mathan" sz="1800" i="1">
-                                  <a:effectLst/>
-                                  <a:latin typeface="Cambria Math" panose="02040503050406030204" pitchFamily="18" charset="0"/>
-                                </a:rPr>
-                              </m:ctrlPr>
-                            </m:sSupPr>
-                            <m:e>
-                              <m:r>
-                                <a:rPr lang="x-IV_mathan" sz="1800">
-                                  <a:effectLst/>
-                                  <a:latin typeface="Cambria Math" panose="02040503050406030204" pitchFamily="18" charset="0"/>
-                                </a:rPr>
-                                <m:t>𝑧</m:t>
-                              </m:r>
-                            </m:e>
-                            <m:sup>
-                              <m:r>
-                                <a:rPr lang="x-IV_mathan" sz="1800">
-                                  <a:effectLst/>
-                                  <a:latin typeface="Cambria Math" panose="02040503050406030204" pitchFamily="18" charset="0"/>
-                                </a:rPr>
-                                <m:t>𝐿</m:t>
-                              </m:r>
-                            </m:sup>
-                          </m:sSup>
-                        </m:num>
-                        <m:den>
-                          <m:r>
-                            <a:rPr lang="x-IV_mathan" sz="1800">
-                              <a:effectLst/>
-                              <a:latin typeface="Cambria Math" panose="02040503050406030204" pitchFamily="18" charset="0"/>
-                            </a:rPr>
-                            <m:t>𝜕</m:t>
-                          </m:r>
-                          <m:sSup>
-                            <m:sSupPr>
-                              <m:ctrlPr>
-                                <a:rPr lang="x-IV_mathan" sz="1800" i="1">
-                                  <a:effectLst/>
-                                  <a:latin typeface="Cambria Math" panose="02040503050406030204" pitchFamily="18" charset="0"/>
-                                </a:rPr>
-                              </m:ctrlPr>
-                            </m:sSupPr>
-                            <m:e>
-                              <m:r>
-                                <a:rPr lang="x-IV_mathan" sz="1800">
-                                  <a:effectLst/>
-                                  <a:latin typeface="Cambria Math" panose="02040503050406030204" pitchFamily="18" charset="0"/>
-                                </a:rPr>
-                                <m:t>𝑤</m:t>
-                              </m:r>
-                            </m:e>
-                            <m:sup>
-                              <m:r>
-                                <a:rPr lang="x-IV_mathan" sz="1800">
-                                  <a:effectLst/>
-                                  <a:latin typeface="Cambria Math" panose="02040503050406030204" pitchFamily="18" charset="0"/>
-                                </a:rPr>
-                                <m:t>𝐿</m:t>
-                              </m:r>
-                            </m:sup>
-                          </m:sSup>
-                        </m:den>
-                      </m:f>
-                      <m:r>
-                        <a:rPr lang="x-IV_mathan" sz="1800">
-                          <a:effectLst/>
-                          <a:latin typeface="Cambria Math" panose="02040503050406030204" pitchFamily="18" charset="0"/>
-                        </a:rPr>
-                        <m:t>=</m:t>
-                      </m:r>
-                      <m:sSup>
-                        <m:sSupPr>
-                          <m:ctrlPr>
-                            <a:rPr lang="x-IV_mathan" sz="1800" i="1">
-                              <a:effectLst/>
-                              <a:latin typeface="Cambria Math" panose="02040503050406030204" pitchFamily="18" charset="0"/>
-                            </a:rPr>
-                          </m:ctrlPr>
-                        </m:sSupPr>
-                        <m:e>
-                          <m:r>
-                            <a:rPr lang="x-IV_mathan" sz="1800">
-                              <a:effectLst/>
-                              <a:latin typeface="Cambria Math" panose="02040503050406030204" pitchFamily="18" charset="0"/>
-                            </a:rPr>
-                            <m:t>𝑎</m:t>
-                          </m:r>
-                        </m:e>
-                        <m:sup>
-                          <m:r>
-                            <a:rPr lang="x-IV_mathan" sz="1800">
-                              <a:effectLst/>
-                              <a:latin typeface="Cambria Math" panose="02040503050406030204" pitchFamily="18" charset="0"/>
-                            </a:rPr>
-                            <m:t>𝐿</m:t>
-                          </m:r>
-                          <m:r>
-                            <a:rPr lang="x-IV_mathan" sz="1800">
-                              <a:effectLst/>
-                              <a:latin typeface="Cambria Math" panose="02040503050406030204" pitchFamily="18" charset="0"/>
-                            </a:rPr>
-                            <m:t>−1</m:t>
-                          </m:r>
-                        </m:sup>
-                      </m:sSup>
-                    </m:oMath>
-                  </m:oMathPara>
-                </a14:m>
-                <a:endParaRPr lang="x-IV_mathan" sz="1800" dirty="0">
-                  <a:effectLst/>
-                  <a:latin typeface="Cambria Math" panose="02040503050406030204" pitchFamily="18" charset="0"/>
-                </a:endParaRPr>
-              </a:p>
-              <a:p>
-                <a:pPr marL="0" indent="0">
-                  <a:buNone/>
-                </a:pPr>
-                <a:endParaRPr lang="hu-HU" dirty="0"/>
-              </a:p>
-            </p:txBody>
-          </p:sp>
-        </mc:Choice>
-        <mc:Fallback xmlns="">
-          <p:sp>
-            <p:nvSpPr>
-              <p:cNvPr id="3" name="Tartalom helye 2">
-                <a:extLst>
-                  <a:ext uri="{FF2B5EF4-FFF2-40B4-BE49-F238E27FC236}">
-                    <a16:creationId xmlns:a16="http://schemas.microsoft.com/office/drawing/2014/main" id="{67FC3984-968B-63E4-468A-E54D0AAB9C5D}"/>
-                  </a:ext>
-                </a:extLst>
-              </p:cNvPr>
-              <p:cNvSpPr>
-                <a:spLocks noGrp="1" noRot="1" noChangeAspect="1" noMove="1" noResize="1" noEditPoints="1" noAdjustHandles="1" noChangeArrowheads="1" noChangeShapeType="1" noTextEdit="1"/>
-              </p:cNvSpPr>
-              <p:nvPr>
-                <p:ph idx="1"/>
-              </p:nvPr>
-            </p:nvSpPr>
-            <p:spPr>
-              <a:blipFill>
-                <a:blip r:embed="rId2"/>
-                <a:stretch>
-                  <a:fillRect/>
-                </a:stretch>
-              </a:blipFill>
-            </p:spPr>
-            <p:txBody>
-              <a:bodyPr/>
-              <a:lstStyle/>
-              <a:p>
-                <a:r>
-                  <a:rPr lang="hu-HU">
-                    <a:noFill/>
-                  </a:rPr>
-                  <a:t> </a:t>
-                </a:r>
-              </a:p>
-            </p:txBody>
-          </p:sp>
-        </mc:Fallback>
-      </mc:AlternateContent>
-    </p:spTree>
-    <p:extLst>
-      <p:ext uri="{BB962C8B-B14F-4D97-AF65-F5344CB8AC3E}">
-        <p14:creationId xmlns:p14="http://schemas.microsoft.com/office/powerpoint/2010/main" val="2082900976"/>
-      </p:ext>
-    </p:extLst>
-  </p:cSld>
-  <p:clrMapOvr>
-    <a:masterClrMapping/>
-  </p:clrMapOvr>
-</p:sld>
-</file>
-
-<file path=ppt/slides/slide12.xml><?xml version="1.0" encoding="utf-8"?>
-<p:sld xmlns:a="http://schemas.openxmlformats.org/drawingml/2006/main" xmlns:r="http://schemas.openxmlformats.org/officeDocument/2006/relationships" xmlns:p="http://schemas.openxmlformats.org/presentationml/2006/main">
-  <p:cSld>
-    <p:spTree>
-      <p:nvGrpSpPr>
-        <p:cNvPr id="1" name=""/>
-        <p:cNvGrpSpPr/>
-        <p:nvPr/>
-      </p:nvGrpSpPr>
-      <p:grpSpPr>
-        <a:xfrm>
-          <a:off x="0" y="0"/>
-          <a:ext cx="0" cy="0"/>
-          <a:chOff x="0" y="0"/>
-          <a:chExt cx="0" cy="0"/>
-        </a:xfrm>
-      </p:grpSpPr>
-      <p:sp>
-        <p:nvSpPr>
-          <p:cNvPr id="2" name="Cím 1">
-            <a:extLst>
-              <a:ext uri="{FF2B5EF4-FFF2-40B4-BE49-F238E27FC236}">
-                <a16:creationId xmlns:a16="http://schemas.microsoft.com/office/drawing/2014/main" id="{9EA953D6-981F-EA61-0D67-E0419C158506}"/>
-              </a:ext>
-            </a:extLst>
-          </p:cNvPr>
-          <p:cNvSpPr>
-            <a:spLocks noGrp="1"/>
-          </p:cNvSpPr>
-          <p:nvPr>
-            <p:ph type="title"/>
-          </p:nvPr>
-        </p:nvSpPr>
-        <p:spPr/>
-        <p:txBody>
-          <a:bodyPr/>
-          <a:lstStyle/>
-          <a:p>
-            <a:r>
-              <a:rPr lang="en-US" dirty="0"/>
-              <a:t>Next time we will create a perceptron</a:t>
-            </a:r>
-            <a:endParaRPr lang="hu-HU" dirty="0"/>
-          </a:p>
-        </p:txBody>
-      </p:sp>
-      <p:pic>
-        <p:nvPicPr>
-          <p:cNvPr id="4" name="Kép 3">
-            <a:extLst>
-              <a:ext uri="{FF2B5EF4-FFF2-40B4-BE49-F238E27FC236}">
-                <a16:creationId xmlns:a16="http://schemas.microsoft.com/office/drawing/2014/main" id="{B1AEA595-FB91-E417-82F0-EC0D48439D80}"/>
-              </a:ext>
-            </a:extLst>
-          </p:cNvPr>
-          <p:cNvPicPr>
-            <a:picLocks noChangeAspect="1"/>
-          </p:cNvPicPr>
-          <p:nvPr/>
-        </p:nvPicPr>
-        <p:blipFill>
-          <a:blip r:embed="rId2"/>
-          <a:stretch>
-            <a:fillRect/>
-          </a:stretch>
-        </p:blipFill>
-        <p:spPr>
-          <a:xfrm>
-            <a:off x="4274527" y="2154634"/>
-            <a:ext cx="2899996" cy="3018632"/>
-          </a:xfrm>
-          <a:prstGeom prst="rect">
-            <a:avLst/>
-          </a:prstGeom>
-        </p:spPr>
-      </p:pic>
-    </p:spTree>
-    <p:extLst>
-      <p:ext uri="{BB962C8B-B14F-4D97-AF65-F5344CB8AC3E}">
-        <p14:creationId xmlns:p14="http://schemas.microsoft.com/office/powerpoint/2010/main" val="3771837620"/>
-      </p:ext>
-    </p:extLst>
-  </p:cSld>
-  <p:clrMapOvr>
-    <a:masterClrMapping/>
-  </p:clrMapOvr>
-</p:sld>
-</file>
-
-<file path=ppt/slides/slide2.xml><?xml version="1.0" encoding="utf-8"?>
-<p:sld xmlns:a="http://schemas.openxmlformats.org/drawingml/2006/main" xmlns:r="http://schemas.openxmlformats.org/officeDocument/2006/relationships" xmlns:p="http://schemas.openxmlformats.org/presentationml/2006/main">
-  <p:cSld>
-    <p:spTree>
-      <p:nvGrpSpPr>
-        <p:cNvPr id="1" name=""/>
-        <p:cNvGrpSpPr/>
-        <p:nvPr/>
-      </p:nvGrpSpPr>
-      <p:grpSpPr>
-        <a:xfrm>
-          <a:off x="0" y="0"/>
-          <a:ext cx="0" cy="0"/>
-          <a:chOff x="0" y="0"/>
-          <a:chExt cx="0" cy="0"/>
-        </a:xfrm>
-      </p:grpSpPr>
-      <p:sp>
-        <p:nvSpPr>
-          <p:cNvPr id="2" name="Cím 1">
-            <a:extLst>
-              <a:ext uri="{FF2B5EF4-FFF2-40B4-BE49-F238E27FC236}">
-                <a16:creationId xmlns:a16="http://schemas.microsoft.com/office/drawing/2014/main" id="{44FA25E5-C075-91E7-A116-2AF3EDDF860F}"/>
-              </a:ext>
-            </a:extLst>
-          </p:cNvPr>
-          <p:cNvSpPr>
-            <a:spLocks noGrp="1"/>
-          </p:cNvSpPr>
-          <p:nvPr>
-            <p:ph type="title"/>
-          </p:nvPr>
-        </p:nvSpPr>
-        <p:spPr/>
-        <p:txBody>
-          <a:bodyPr/>
-          <a:lstStyle/>
-          <a:p>
-            <a:r>
-              <a:rPr lang="en-US" dirty="0"/>
-              <a:t>Perceptron</a:t>
-            </a:r>
-            <a:endParaRPr lang="hu-HU" dirty="0"/>
-          </a:p>
-        </p:txBody>
-      </p:sp>
-      <p:sp>
-        <p:nvSpPr>
-          <p:cNvPr id="3" name="Tartalom helye 2">
-            <a:extLst>
-              <a:ext uri="{FF2B5EF4-FFF2-40B4-BE49-F238E27FC236}">
-                <a16:creationId xmlns:a16="http://schemas.microsoft.com/office/drawing/2014/main" id="{7DD9140E-9296-77AC-9145-8985A9482D79}"/>
-              </a:ext>
-            </a:extLst>
-          </p:cNvPr>
-          <p:cNvSpPr>
-            <a:spLocks noGrp="1"/>
-          </p:cNvSpPr>
-          <p:nvPr>
-            <p:ph idx="1"/>
-          </p:nvPr>
-        </p:nvSpPr>
-        <p:spPr>
-          <a:xfrm>
-            <a:off x="8344594" y="1825625"/>
-            <a:ext cx="3009206" cy="4351338"/>
-          </a:xfrm>
-        </p:spPr>
-        <p:txBody>
-          <a:bodyPr/>
-          <a:lstStyle/>
-          <a:p>
-            <a:r>
-              <a:rPr lang="en-US" dirty="0"/>
-              <a:t>Input data</a:t>
-            </a:r>
-          </a:p>
-          <a:p>
-            <a:r>
-              <a:rPr lang="en-US" dirty="0"/>
-              <a:t>Weights</a:t>
-            </a:r>
-          </a:p>
-          <a:p>
-            <a:r>
-              <a:rPr lang="en-US" dirty="0"/>
-              <a:t>Sum of the multiplication data and weights</a:t>
-            </a:r>
-          </a:p>
-          <a:p>
-            <a:r>
-              <a:rPr lang="en-US" dirty="0"/>
-              <a:t>Activation function</a:t>
-            </a:r>
-          </a:p>
-          <a:p>
-            <a:r>
-              <a:rPr lang="en-US" dirty="0"/>
-              <a:t>Bias is a value which corrects</a:t>
-            </a:r>
-            <a:endParaRPr lang="hu-HU" dirty="0"/>
-          </a:p>
-        </p:txBody>
-      </p:sp>
-      <p:pic>
-        <p:nvPicPr>
-          <p:cNvPr id="4" name="Kép 3">
-            <a:extLst>
-              <a:ext uri="{FF2B5EF4-FFF2-40B4-BE49-F238E27FC236}">
-                <a16:creationId xmlns:a16="http://schemas.microsoft.com/office/drawing/2014/main" id="{06E5036D-1CB4-9C05-BC77-9B4D263446BB}"/>
-              </a:ext>
-            </a:extLst>
-          </p:cNvPr>
-          <p:cNvPicPr>
-            <a:picLocks noChangeAspect="1"/>
-          </p:cNvPicPr>
-          <p:nvPr/>
-        </p:nvPicPr>
-        <p:blipFill>
-          <a:blip r:embed="rId2"/>
-          <a:stretch>
-            <a:fillRect/>
-          </a:stretch>
-        </p:blipFill>
-        <p:spPr>
-          <a:xfrm>
-            <a:off x="727191" y="1339303"/>
-            <a:ext cx="7296150" cy="4895850"/>
-          </a:xfrm>
-          <a:prstGeom prst="rect">
-            <a:avLst/>
-          </a:prstGeom>
-        </p:spPr>
-      </p:pic>
-    </p:spTree>
-    <p:extLst>
-      <p:ext uri="{BB962C8B-B14F-4D97-AF65-F5344CB8AC3E}">
-        <p14:creationId xmlns:p14="http://schemas.microsoft.com/office/powerpoint/2010/main" val="4287525759"/>
-      </p:ext>
-    </p:extLst>
-  </p:cSld>
-  <p:clrMapOvr>
-    <a:masterClrMapping/>
-  </p:clrMapOvr>
-</p:sld>
-</file>
-
-<file path=ppt/slides/slide3.xml><?xml version="1.0" encoding="utf-8"?>
-<p:sld xmlns:a="http://schemas.openxmlformats.org/drawingml/2006/main" xmlns:r="http://schemas.openxmlformats.org/officeDocument/2006/relationships" xmlns:p="http://schemas.openxmlformats.org/presentationml/2006/main">
-  <p:cSld>
-    <p:spTree>
-      <p:nvGrpSpPr>
-        <p:cNvPr id="1" name=""/>
-        <p:cNvGrpSpPr/>
-        <p:nvPr/>
-      </p:nvGrpSpPr>
-      <p:grpSpPr>
-        <a:xfrm>
-          <a:off x="0" y="0"/>
-          <a:ext cx="0" cy="0"/>
-          <a:chOff x="0" y="0"/>
-          <a:chExt cx="0" cy="0"/>
-        </a:xfrm>
-      </p:grpSpPr>
-      <p:sp>
-        <p:nvSpPr>
-          <p:cNvPr id="2" name="Cím 1">
-            <a:extLst>
-              <a:ext uri="{FF2B5EF4-FFF2-40B4-BE49-F238E27FC236}">
-                <a16:creationId xmlns:a16="http://schemas.microsoft.com/office/drawing/2014/main" id="{3AEE9FC5-A128-9E04-45DD-EDBE3FACC798}"/>
-              </a:ext>
-            </a:extLst>
-          </p:cNvPr>
-          <p:cNvSpPr>
-            <a:spLocks noGrp="1"/>
-          </p:cNvSpPr>
-          <p:nvPr>
-            <p:ph type="title"/>
-          </p:nvPr>
-        </p:nvSpPr>
-        <p:spPr/>
-        <p:txBody>
-          <a:bodyPr/>
-          <a:lstStyle/>
-          <a:p>
-            <a:r>
-              <a:rPr lang="en-US" dirty="0"/>
-              <a:t>How does it work</a:t>
-            </a:r>
-            <a:endParaRPr lang="hu-HU" dirty="0"/>
-          </a:p>
-        </p:txBody>
-      </p:sp>
-      <p:sp>
-        <p:nvSpPr>
-          <p:cNvPr id="3" name="Tartalom helye 2">
-            <a:extLst>
-              <a:ext uri="{FF2B5EF4-FFF2-40B4-BE49-F238E27FC236}">
-                <a16:creationId xmlns:a16="http://schemas.microsoft.com/office/drawing/2014/main" id="{6F6D0A44-F6ED-6C43-8DE2-83D6F3BA50CA}"/>
-              </a:ext>
-            </a:extLst>
-          </p:cNvPr>
-          <p:cNvSpPr>
-            <a:spLocks noGrp="1"/>
-          </p:cNvSpPr>
-          <p:nvPr>
-            <p:ph idx="1"/>
-          </p:nvPr>
-        </p:nvSpPr>
-        <p:spPr/>
-        <p:txBody>
-          <a:bodyPr/>
-          <a:lstStyle/>
-          <a:p>
-            <a:r>
-              <a:rPr lang="en-US" dirty="0"/>
-              <a:t>We need dataset (huge amount of data)</a:t>
-            </a:r>
-          </a:p>
-          <a:p>
-            <a:r>
-              <a:rPr lang="en-US" dirty="0"/>
-              <a:t>Separate into 3 parts (learning, testing, using)</a:t>
-            </a:r>
-          </a:p>
-          <a:p>
-            <a:r>
-              <a:rPr lang="en-US" dirty="0"/>
-              <a:t>How do I solve when there is no numerical data?</a:t>
-            </a:r>
-          </a:p>
-          <a:p>
-            <a:r>
-              <a:rPr lang="en-US" dirty="0"/>
-              <a:t>Make a loop where give a data row to the network</a:t>
-            </a:r>
-          </a:p>
-          <a:p>
-            <a:r>
-              <a:rPr lang="en-US" dirty="0"/>
-              <a:t>The network will give a guess</a:t>
-            </a:r>
-          </a:p>
-          <a:p>
-            <a:r>
-              <a:rPr lang="en-US" dirty="0"/>
-              <a:t>Calculate the error rate</a:t>
-            </a:r>
-          </a:p>
-          <a:p>
-            <a:r>
-              <a:rPr lang="en-US" dirty="0"/>
-              <a:t>Calculate weights</a:t>
-            </a:r>
-          </a:p>
-          <a:p>
-            <a:r>
-              <a:rPr lang="en-US" dirty="0"/>
-              <a:t>Try again</a:t>
-            </a:r>
-            <a:endParaRPr lang="hu-HU" dirty="0"/>
-          </a:p>
-        </p:txBody>
-      </p:sp>
-    </p:spTree>
-    <p:extLst>
-      <p:ext uri="{BB962C8B-B14F-4D97-AF65-F5344CB8AC3E}">
-        <p14:creationId xmlns:p14="http://schemas.microsoft.com/office/powerpoint/2010/main" val="3373524098"/>
-      </p:ext>
-    </p:extLst>
-  </p:cSld>
-  <p:clrMapOvr>
-    <a:masterClrMapping/>
-  </p:clrMapOvr>
-</p:sld>
-</file>
-
-<file path=ppt/slides/slide4.xml><?xml version="1.0" encoding="utf-8"?>
-<p:sld xmlns:a="http://schemas.openxmlformats.org/drawingml/2006/main" xmlns:r="http://schemas.openxmlformats.org/officeDocument/2006/relationships" xmlns:p="http://schemas.openxmlformats.org/presentationml/2006/main">
-  <p:cSld>
-    <p:spTree>
-      <p:nvGrpSpPr>
-        <p:cNvPr id="1" name=""/>
-        <p:cNvGrpSpPr/>
-        <p:nvPr/>
-      </p:nvGrpSpPr>
-      <p:grpSpPr>
-        <a:xfrm>
-          <a:off x="0" y="0"/>
-          <a:ext cx="0" cy="0"/>
-          <a:chOff x="0" y="0"/>
-          <a:chExt cx="0" cy="0"/>
-        </a:xfrm>
-      </p:grpSpPr>
-      <p:sp>
-        <p:nvSpPr>
-          <p:cNvPr id="2" name="Cím 1">
-            <a:extLst>
-              <a:ext uri="{FF2B5EF4-FFF2-40B4-BE49-F238E27FC236}">
-                <a16:creationId xmlns:a16="http://schemas.microsoft.com/office/drawing/2014/main" id="{A01CF356-D386-FC05-E8BA-068CE16C3248}"/>
-              </a:ext>
-            </a:extLst>
-          </p:cNvPr>
-          <p:cNvSpPr>
-            <a:spLocks noGrp="1"/>
-          </p:cNvSpPr>
-          <p:nvPr>
-            <p:ph type="title"/>
-          </p:nvPr>
-        </p:nvSpPr>
-        <p:spPr/>
-        <p:txBody>
-          <a:bodyPr/>
-          <a:lstStyle/>
-          <a:p>
-            <a:r>
-              <a:rPr lang="en-US" dirty="0"/>
-              <a:t>What is the neural network</a:t>
-            </a:r>
-            <a:endParaRPr lang="hu-HU" dirty="0"/>
-          </a:p>
-        </p:txBody>
-      </p:sp>
-      <p:sp>
-        <p:nvSpPr>
-          <p:cNvPr id="3" name="Tartalom helye 2">
-            <a:extLst>
-              <a:ext uri="{FF2B5EF4-FFF2-40B4-BE49-F238E27FC236}">
-                <a16:creationId xmlns:a16="http://schemas.microsoft.com/office/drawing/2014/main" id="{487E61BE-AC67-166C-9A6C-117CAF1D243A}"/>
-              </a:ext>
-            </a:extLst>
-          </p:cNvPr>
-          <p:cNvSpPr>
-            <a:spLocks noGrp="1"/>
-          </p:cNvSpPr>
-          <p:nvPr>
-            <p:ph idx="1"/>
-          </p:nvPr>
-        </p:nvSpPr>
-        <p:spPr>
-          <a:xfrm>
-            <a:off x="4206240" y="1690688"/>
-            <a:ext cx="7240385" cy="4351338"/>
-          </a:xfrm>
-        </p:spPr>
-        <p:txBody>
-          <a:bodyPr/>
-          <a:lstStyle/>
-          <a:p>
-            <a:r>
-              <a:rPr lang="en-US" dirty="0" err="1"/>
-              <a:t>Perceptrons</a:t>
-            </a:r>
-            <a:r>
-              <a:rPr lang="en-US" dirty="0"/>
-              <a:t> which connected to each other</a:t>
-            </a:r>
-          </a:p>
-          <a:p>
-            <a:r>
-              <a:rPr lang="en-US" dirty="0"/>
-              <a:t>Columns are the layers</a:t>
-            </a:r>
-          </a:p>
-          <a:p>
-            <a:r>
-              <a:rPr lang="en-US" dirty="0"/>
-              <a:t>Hidden layer can called as deep layer (deep learning)</a:t>
-            </a:r>
-          </a:p>
-          <a:p>
-            <a:r>
-              <a:rPr lang="en-US" dirty="0"/>
-              <a:t>Hidden layer can have more than one</a:t>
-            </a:r>
-            <a:endParaRPr lang="hu-HU" dirty="0"/>
-          </a:p>
-        </p:txBody>
-      </p:sp>
-      <p:pic>
-        <p:nvPicPr>
-          <p:cNvPr id="5" name="Kép 4">
-            <a:extLst>
-              <a:ext uri="{FF2B5EF4-FFF2-40B4-BE49-F238E27FC236}">
-                <a16:creationId xmlns:a16="http://schemas.microsoft.com/office/drawing/2014/main" id="{04FDAFE6-E579-0AAA-3E41-FB5317239388}"/>
-              </a:ext>
-            </a:extLst>
-          </p:cNvPr>
-          <p:cNvPicPr>
-            <a:picLocks noChangeAspect="1"/>
-          </p:cNvPicPr>
-          <p:nvPr/>
-        </p:nvPicPr>
-        <p:blipFill>
-          <a:blip r:embed="rId2"/>
-          <a:stretch>
-            <a:fillRect/>
-          </a:stretch>
-        </p:blipFill>
-        <p:spPr>
-          <a:xfrm>
-            <a:off x="956830" y="1995487"/>
-            <a:ext cx="2381250" cy="2867025"/>
-          </a:xfrm>
-          <a:prstGeom prst="rect">
-            <a:avLst/>
-          </a:prstGeom>
-        </p:spPr>
-      </p:pic>
-    </p:spTree>
-    <p:extLst>
-      <p:ext uri="{BB962C8B-B14F-4D97-AF65-F5344CB8AC3E}">
-        <p14:creationId xmlns:p14="http://schemas.microsoft.com/office/powerpoint/2010/main" val="4011250093"/>
-      </p:ext>
-    </p:extLst>
-  </p:cSld>
-  <p:clrMapOvr>
-    <a:masterClrMapping/>
-  </p:clrMapOvr>
-</p:sld>
-</file>
-
-<file path=ppt/slides/slide5.xml><?xml version="1.0" encoding="utf-8"?>
-<p:sld xmlns:a="http://schemas.openxmlformats.org/drawingml/2006/main" xmlns:r="http://schemas.openxmlformats.org/officeDocument/2006/relationships" xmlns:p="http://schemas.openxmlformats.org/presentationml/2006/main">
-  <p:cSld>
-    <p:spTree>
-      <p:nvGrpSpPr>
-        <p:cNvPr id="1" name=""/>
-        <p:cNvGrpSpPr/>
-        <p:nvPr/>
-      </p:nvGrpSpPr>
-      <p:grpSpPr>
-        <a:xfrm>
-          <a:off x="0" y="0"/>
-          <a:ext cx="0" cy="0"/>
-          <a:chOff x="0" y="0"/>
-          <a:chExt cx="0" cy="0"/>
-        </a:xfrm>
-      </p:grpSpPr>
-      <p:sp>
-        <p:nvSpPr>
-          <p:cNvPr id="2" name="Cím 1">
-            <a:extLst>
-              <a:ext uri="{FF2B5EF4-FFF2-40B4-BE49-F238E27FC236}">
-                <a16:creationId xmlns:a16="http://schemas.microsoft.com/office/drawing/2014/main" id="{FF52594E-7D0A-B35B-9F7A-84EDCB4063BA}"/>
-              </a:ext>
-            </a:extLst>
-          </p:cNvPr>
-          <p:cNvSpPr>
-            <a:spLocks noGrp="1"/>
-          </p:cNvSpPr>
-          <p:nvPr>
-            <p:ph type="title"/>
-          </p:nvPr>
-        </p:nvSpPr>
-        <p:spPr/>
-        <p:txBody>
-          <a:bodyPr/>
-          <a:lstStyle/>
-          <a:p>
-            <a:r>
-              <a:rPr lang="en-US" dirty="0"/>
-              <a:t>Back propagation method</a:t>
-            </a:r>
-            <a:endParaRPr lang="hu-HU" dirty="0"/>
-          </a:p>
-        </p:txBody>
-      </p:sp>
-      <p:sp>
-        <p:nvSpPr>
-          <p:cNvPr id="3" name="Tartalom helye 2">
-            <a:extLst>
-              <a:ext uri="{FF2B5EF4-FFF2-40B4-BE49-F238E27FC236}">
-                <a16:creationId xmlns:a16="http://schemas.microsoft.com/office/drawing/2014/main" id="{68EB3216-90EB-6688-7FB4-C3CD3AB120DC}"/>
-              </a:ext>
-            </a:extLst>
-          </p:cNvPr>
-          <p:cNvSpPr>
-            <a:spLocks noGrp="1"/>
-          </p:cNvSpPr>
-          <p:nvPr>
-            <p:ph idx="1"/>
-          </p:nvPr>
-        </p:nvSpPr>
-        <p:spPr/>
-        <p:txBody>
-          <a:bodyPr/>
-          <a:lstStyle/>
-          <a:p>
-            <a:pPr marL="0" indent="0" algn="ctr">
-              <a:buNone/>
-            </a:pPr>
-            <a:endParaRPr lang="en-US" dirty="0"/>
-          </a:p>
-          <a:p>
-            <a:pPr marL="0" indent="0" algn="ctr">
-              <a:buNone/>
-            </a:pPr>
-            <a:endParaRPr lang="en-US" dirty="0"/>
-          </a:p>
-          <a:p>
-            <a:pPr marL="0" indent="0" algn="ctr">
-              <a:buNone/>
-            </a:pPr>
-            <a:endParaRPr lang="en-US" dirty="0"/>
-          </a:p>
-          <a:p>
-            <a:pPr marL="0" indent="0" algn="ctr">
-              <a:buNone/>
-            </a:pPr>
-            <a:r>
-              <a:rPr lang="en-US" dirty="0"/>
-              <a:t>Don't panic, take a deep breath, relax. </a:t>
-            </a:r>
-          </a:p>
-          <a:p>
-            <a:pPr marL="0" indent="0" algn="ctr">
-              <a:buNone/>
-            </a:pPr>
-            <a:r>
-              <a:rPr lang="en-US" dirty="0"/>
-              <a:t>We will derive.</a:t>
-            </a:r>
-            <a:endParaRPr lang="hu-HU" dirty="0"/>
-          </a:p>
-        </p:txBody>
-      </p:sp>
-    </p:spTree>
-    <p:extLst>
-      <p:ext uri="{BB962C8B-B14F-4D97-AF65-F5344CB8AC3E}">
-        <p14:creationId xmlns:p14="http://schemas.microsoft.com/office/powerpoint/2010/main" val="1871769633"/>
-      </p:ext>
-    </p:extLst>
-  </p:cSld>
-  <p:clrMapOvr>
-    <a:masterClrMapping/>
-  </p:clrMapOvr>
-</p:sld>
-</file>
-
-<file path=ppt/slides/slide6.xml><?xml version="1.0" encoding="utf-8"?>
-<p:sld xmlns:a="http://schemas.openxmlformats.org/drawingml/2006/main" xmlns:r="http://schemas.openxmlformats.org/officeDocument/2006/relationships" xmlns:p="http://schemas.openxmlformats.org/presentationml/2006/main">
-  <p:cSld>
-    <p:spTree>
-      <p:nvGrpSpPr>
-        <p:cNvPr id="1" name=""/>
-        <p:cNvGrpSpPr/>
-        <p:nvPr/>
-      </p:nvGrpSpPr>
-      <p:grpSpPr>
-        <a:xfrm>
-          <a:off x="0" y="0"/>
-          <a:ext cx="0" cy="0"/>
-          <a:chOff x="0" y="0"/>
-          <a:chExt cx="0" cy="0"/>
-        </a:xfrm>
-      </p:grpSpPr>
-      <p:sp>
-        <p:nvSpPr>
-          <p:cNvPr id="2" name="Cím 1">
-            <a:extLst>
-              <a:ext uri="{FF2B5EF4-FFF2-40B4-BE49-F238E27FC236}">
-                <a16:creationId xmlns:a16="http://schemas.microsoft.com/office/drawing/2014/main" id="{0E7AE90E-8EDD-89A9-19B1-2F9628D30CF5}"/>
-              </a:ext>
-            </a:extLst>
-          </p:cNvPr>
-          <p:cNvSpPr>
-            <a:spLocks noGrp="1"/>
-          </p:cNvSpPr>
-          <p:nvPr>
-            <p:ph type="title"/>
-          </p:nvPr>
-        </p:nvSpPr>
-        <p:spPr/>
-        <p:txBody>
-          <a:bodyPr/>
-          <a:lstStyle/>
-          <a:p>
-            <a:r>
-              <a:rPr lang="en-US" dirty="0"/>
-              <a:t>Activation function</a:t>
-            </a:r>
-            <a:endParaRPr lang="hu-HU" dirty="0"/>
-          </a:p>
-        </p:txBody>
-      </p:sp>
-      <p:sp>
-        <p:nvSpPr>
-          <p:cNvPr id="3" name="Tartalom helye 2">
-            <a:extLst>
-              <a:ext uri="{FF2B5EF4-FFF2-40B4-BE49-F238E27FC236}">
-                <a16:creationId xmlns:a16="http://schemas.microsoft.com/office/drawing/2014/main" id="{5C2BB5C4-60BB-6E98-7026-971F05801F4A}"/>
-              </a:ext>
-            </a:extLst>
-          </p:cNvPr>
-          <p:cNvSpPr>
-            <a:spLocks noGrp="1"/>
-          </p:cNvSpPr>
-          <p:nvPr>
-            <p:ph idx="1"/>
-          </p:nvPr>
-        </p:nvSpPr>
-        <p:spPr/>
-        <p:txBody>
-          <a:bodyPr/>
-          <a:lstStyle/>
-          <a:p>
-            <a:r>
-              <a:rPr lang="en-US" b="0" i="0" dirty="0">
-                <a:solidFill>
-                  <a:srgbClr val="202122"/>
-                </a:solidFill>
-                <a:effectLst/>
-                <a:latin typeface="Arial" panose="020B0604020202020204" pitchFamily="34" charset="0"/>
-              </a:rPr>
-              <a:t>The </a:t>
-            </a:r>
-            <a:r>
-              <a:rPr lang="en-US" b="1" i="0" dirty="0">
-                <a:solidFill>
-                  <a:srgbClr val="202122"/>
-                </a:solidFill>
-                <a:effectLst/>
-                <a:latin typeface="Arial" panose="020B0604020202020204" pitchFamily="34" charset="0"/>
-              </a:rPr>
-              <a:t>activation function</a:t>
-            </a:r>
-            <a:r>
-              <a:rPr lang="en-US" b="0" i="0" dirty="0">
-                <a:solidFill>
-                  <a:srgbClr val="202122"/>
-                </a:solidFill>
-                <a:effectLst/>
-                <a:latin typeface="Arial" panose="020B0604020202020204" pitchFamily="34" charset="0"/>
-              </a:rPr>
-              <a:t> of a node in an </a:t>
-            </a:r>
-            <a:r>
-              <a:rPr lang="en-US" b="0" i="0" u="none" strike="noStrike" dirty="0">
-                <a:effectLst/>
-                <a:latin typeface="Arial" panose="020B0604020202020204" pitchFamily="34" charset="0"/>
-                <a:hlinkClick r:id="rId2" tooltip="Artificial neural network"/>
-              </a:rPr>
-              <a:t>artificial neural network</a:t>
-            </a:r>
-            <a:r>
-              <a:rPr lang="en-US" b="0" i="0" dirty="0">
-                <a:solidFill>
-                  <a:srgbClr val="202122"/>
-                </a:solidFill>
-                <a:effectLst/>
-                <a:latin typeface="Arial" panose="020B0604020202020204" pitchFamily="34" charset="0"/>
-              </a:rPr>
-              <a:t> is a function that calculates the output of the node based on its individual inputs and their weights</a:t>
-            </a:r>
-          </a:p>
-          <a:p>
-            <a:r>
-              <a:rPr lang="en-US" dirty="0">
-                <a:hlinkClick r:id="rId3"/>
-              </a:rPr>
-              <a:t>https://en.wikipedia.org/wiki/Activation_function</a:t>
-            </a:r>
-            <a:r>
-              <a:rPr lang="en-US" dirty="0"/>
-              <a:t> </a:t>
-            </a:r>
-          </a:p>
-          <a:p>
-            <a:endParaRPr lang="hu-HU" dirty="0"/>
-          </a:p>
-        </p:txBody>
-      </p:sp>
-    </p:spTree>
-    <p:extLst>
-      <p:ext uri="{BB962C8B-B14F-4D97-AF65-F5344CB8AC3E}">
-        <p14:creationId xmlns:p14="http://schemas.microsoft.com/office/powerpoint/2010/main" val="1667678750"/>
-      </p:ext>
-    </p:extLst>
-  </p:cSld>
-  <p:clrMapOvr>
-    <a:masterClrMapping/>
-  </p:clrMapOvr>
-</p:sld>
-</file>
-
-<file path=ppt/slides/slide7.xml><?xml version="1.0" encoding="utf-8"?>
-<p:sld xmlns:a="http://schemas.openxmlformats.org/drawingml/2006/main" xmlns:r="http://schemas.openxmlformats.org/officeDocument/2006/relationships" xmlns:p="http://schemas.openxmlformats.org/presentationml/2006/main">
-  <p:cSld>
-    <p:spTree>
-      <p:nvGrpSpPr>
-        <p:cNvPr id="1" name=""/>
-        <p:cNvGrpSpPr/>
-        <p:nvPr/>
-      </p:nvGrpSpPr>
-      <p:grpSpPr>
-        <a:xfrm>
-          <a:off x="0" y="0"/>
-          <a:ext cx="0" cy="0"/>
-          <a:chOff x="0" y="0"/>
-          <a:chExt cx="0" cy="0"/>
-        </a:xfrm>
-      </p:grpSpPr>
-      <p:sp>
-        <p:nvSpPr>
-          <p:cNvPr id="2" name="Cím 1">
-            <a:extLst>
-              <a:ext uri="{FF2B5EF4-FFF2-40B4-BE49-F238E27FC236}">
-                <a16:creationId xmlns:a16="http://schemas.microsoft.com/office/drawing/2014/main" id="{BEC88914-E79B-309F-7C63-A2EDB1AB62DC}"/>
-              </a:ext>
-            </a:extLst>
-          </p:cNvPr>
-          <p:cNvSpPr>
-            <a:spLocks noGrp="1"/>
-          </p:cNvSpPr>
-          <p:nvPr>
-            <p:ph type="title"/>
-          </p:nvPr>
-        </p:nvSpPr>
-        <p:spPr/>
-        <p:txBody>
-          <a:bodyPr/>
-          <a:lstStyle/>
-          <a:p>
-            <a:r>
-              <a:rPr lang="en-US" dirty="0"/>
-              <a:t>Learning curve</a:t>
-            </a:r>
-            <a:endParaRPr lang="hu-HU" dirty="0"/>
-          </a:p>
-        </p:txBody>
-      </p:sp>
-      <p:pic>
-        <p:nvPicPr>
-          <p:cNvPr id="8" name="Tartalom helye 7">
-            <a:extLst>
-              <a:ext uri="{FF2B5EF4-FFF2-40B4-BE49-F238E27FC236}">
-                <a16:creationId xmlns:a16="http://schemas.microsoft.com/office/drawing/2014/main" id="{26AB025C-695E-77DA-D8F5-0CFC71B66DAA}"/>
-              </a:ext>
-            </a:extLst>
-          </p:cNvPr>
-          <p:cNvPicPr>
-            <a:picLocks noGrp="1" noChangeAspect="1"/>
-          </p:cNvPicPr>
-          <p:nvPr>
-            <p:ph idx="1"/>
-          </p:nvPr>
-        </p:nvPicPr>
-        <p:blipFill>
-          <a:blip r:embed="rId2"/>
-          <a:stretch>
-            <a:fillRect/>
-          </a:stretch>
-        </p:blipFill>
-        <p:spPr>
-          <a:xfrm>
-            <a:off x="1902534" y="1825625"/>
-            <a:ext cx="8386932" cy="4351338"/>
-          </a:xfrm>
-        </p:spPr>
-      </p:pic>
-    </p:spTree>
-    <p:extLst>
-      <p:ext uri="{BB962C8B-B14F-4D97-AF65-F5344CB8AC3E}">
-        <p14:creationId xmlns:p14="http://schemas.microsoft.com/office/powerpoint/2010/main" val="1702255606"/>
-      </p:ext>
-    </p:extLst>
-  </p:cSld>
-  <p:clrMapOvr>
-    <a:masterClrMapping/>
-  </p:clrMapOvr>
-</p:sld>
-</file>
-
-<file path=ppt/slides/slide8.xml><?xml version="1.0" encoding="utf-8"?>
-<p:sld xmlns:a="http://schemas.openxmlformats.org/drawingml/2006/main" xmlns:r="http://schemas.openxmlformats.org/officeDocument/2006/relationships" xmlns:p="http://schemas.openxmlformats.org/presentationml/2006/main">
-  <p:cSld>
-    <p:spTree>
-      <p:nvGrpSpPr>
-        <p:cNvPr id="1" name=""/>
-        <p:cNvGrpSpPr/>
-        <p:nvPr/>
-      </p:nvGrpSpPr>
-      <p:grpSpPr>
-        <a:xfrm>
-          <a:off x="0" y="0"/>
-          <a:ext cx="0" cy="0"/>
-          <a:chOff x="0" y="0"/>
-          <a:chExt cx="0" cy="0"/>
-        </a:xfrm>
-      </p:grpSpPr>
-      <p:sp>
-        <p:nvSpPr>
-          <p:cNvPr id="2" name="Cím 1">
-            <a:extLst>
-              <a:ext uri="{FF2B5EF4-FFF2-40B4-BE49-F238E27FC236}">
                 <a16:creationId xmlns:a16="http://schemas.microsoft.com/office/drawing/2014/main" id="{354F0D28-9BE0-0E17-8C24-EF7B17AA54B9}"/>
               </a:ext>
             </a:extLst>
@@ -7204,7 +4213,421 @@
 </p:sld>
 </file>
 
-<file path=ppt/slides/slide9.xml><?xml version="1.0" encoding="utf-8"?>
+<file path=ppt/slides/slide11.xml><?xml version="1.0" encoding="utf-8"?>
+<p:sld xmlns:a="http://schemas.openxmlformats.org/drawingml/2006/main" xmlns:r="http://schemas.openxmlformats.org/officeDocument/2006/relationships" xmlns:p="http://schemas.openxmlformats.org/presentationml/2006/main">
+  <p:cSld>
+    <p:spTree>
+      <p:nvGrpSpPr>
+        <p:cNvPr id="1" name=""/>
+        <p:cNvGrpSpPr/>
+        <p:nvPr/>
+      </p:nvGrpSpPr>
+      <p:grpSpPr>
+        <a:xfrm>
+          <a:off x="0" y="0"/>
+          <a:ext cx="0" cy="0"/>
+          <a:chOff x="0" y="0"/>
+          <a:chExt cx="0" cy="0"/>
+        </a:xfrm>
+      </p:grpSpPr>
+      <p:sp>
+        <p:nvSpPr>
+          <p:cNvPr id="2" name="Cím 1">
+            <a:extLst>
+              <a:ext uri="{FF2B5EF4-FFF2-40B4-BE49-F238E27FC236}">
+                <a16:creationId xmlns:a16="http://schemas.microsoft.com/office/drawing/2014/main" id="{ED42D5F9-8AC8-FD0C-F57C-DF69CD54C9A1}"/>
+              </a:ext>
+            </a:extLst>
+          </p:cNvPr>
+          <p:cNvSpPr>
+            <a:spLocks noGrp="1"/>
+          </p:cNvSpPr>
+          <p:nvPr>
+            <p:ph type="title"/>
+          </p:nvPr>
+        </p:nvSpPr>
+        <p:spPr/>
+        <p:txBody>
+          <a:bodyPr/>
+          <a:lstStyle/>
+          <a:p>
+            <a:r>
+              <a:rPr lang="en-US" dirty="0"/>
+              <a:t>Multilayer </a:t>
+            </a:r>
+            <a:r>
+              <a:rPr lang="en-US" dirty="0" err="1"/>
+              <a:t>perceptrons</a:t>
+            </a:r>
+            <a:endParaRPr lang="hu-HU" dirty="0"/>
+          </a:p>
+        </p:txBody>
+      </p:sp>
+      <p:sp>
+        <p:nvSpPr>
+          <p:cNvPr id="3" name="Tartalom helye 2">
+            <a:extLst>
+              <a:ext uri="{FF2B5EF4-FFF2-40B4-BE49-F238E27FC236}">
+                <a16:creationId xmlns:a16="http://schemas.microsoft.com/office/drawing/2014/main" id="{853BF13B-DD4B-915A-0112-FDD69F4DD4FF}"/>
+              </a:ext>
+            </a:extLst>
+          </p:cNvPr>
+          <p:cNvSpPr>
+            <a:spLocks noGrp="1"/>
+          </p:cNvSpPr>
+          <p:nvPr>
+            <p:ph idx="1"/>
+          </p:nvPr>
+        </p:nvSpPr>
+        <p:spPr/>
+        <p:txBody>
+          <a:bodyPr/>
+          <a:lstStyle/>
+          <a:p>
+            <a:r>
+              <a:rPr lang="en-US" dirty="0"/>
+              <a:t>Input layer (can be tricky)</a:t>
+            </a:r>
+          </a:p>
+          <a:p>
+            <a:r>
+              <a:rPr lang="en-US" dirty="0"/>
+              <a:t>Hidden layer (deep layer)</a:t>
+            </a:r>
+          </a:p>
+          <a:p>
+            <a:r>
+              <a:rPr lang="en-US" dirty="0"/>
+              <a:t>Output layer</a:t>
+            </a:r>
+            <a:endParaRPr lang="hu-HU" dirty="0"/>
+          </a:p>
+        </p:txBody>
+      </p:sp>
+      <p:pic>
+        <p:nvPicPr>
+          <p:cNvPr id="4" name="Kép 3">
+            <a:extLst>
+              <a:ext uri="{FF2B5EF4-FFF2-40B4-BE49-F238E27FC236}">
+                <a16:creationId xmlns:a16="http://schemas.microsoft.com/office/drawing/2014/main" id="{16B64A9E-98D8-1032-DA94-7E7C8D6F5E24}"/>
+              </a:ext>
+            </a:extLst>
+          </p:cNvPr>
+          <p:cNvPicPr>
+            <a:picLocks noChangeAspect="1"/>
+          </p:cNvPicPr>
+          <p:nvPr/>
+        </p:nvPicPr>
+        <p:blipFill>
+          <a:blip r:embed="rId2"/>
+          <a:stretch>
+            <a:fillRect/>
+          </a:stretch>
+        </p:blipFill>
+        <p:spPr>
+          <a:xfrm>
+            <a:off x="6645536" y="2053243"/>
+            <a:ext cx="4708264" cy="4197927"/>
+          </a:xfrm>
+          <a:prstGeom prst="rect">
+            <a:avLst/>
+          </a:prstGeom>
+        </p:spPr>
+      </p:pic>
+    </p:spTree>
+    <p:extLst>
+      <p:ext uri="{BB962C8B-B14F-4D97-AF65-F5344CB8AC3E}">
+        <p14:creationId xmlns:p14="http://schemas.microsoft.com/office/powerpoint/2010/main" val="3518819022"/>
+      </p:ext>
+    </p:extLst>
+  </p:cSld>
+  <p:clrMapOvr>
+    <a:masterClrMapping/>
+  </p:clrMapOvr>
+</p:sld>
+</file>
+
+<file path=ppt/slides/slide12.xml><?xml version="1.0" encoding="utf-8"?>
+<p:sld xmlns:a="http://schemas.openxmlformats.org/drawingml/2006/main" xmlns:r="http://schemas.openxmlformats.org/officeDocument/2006/relationships" xmlns:p="http://schemas.openxmlformats.org/presentationml/2006/main">
+  <p:cSld>
+    <p:spTree>
+      <p:nvGrpSpPr>
+        <p:cNvPr id="1" name=""/>
+        <p:cNvGrpSpPr/>
+        <p:nvPr/>
+      </p:nvGrpSpPr>
+      <p:grpSpPr>
+        <a:xfrm>
+          <a:off x="0" y="0"/>
+          <a:ext cx="0" cy="0"/>
+          <a:chOff x="0" y="0"/>
+          <a:chExt cx="0" cy="0"/>
+        </a:xfrm>
+      </p:grpSpPr>
+      <p:sp>
+        <p:nvSpPr>
+          <p:cNvPr id="2" name="Cím 1">
+            <a:extLst>
+              <a:ext uri="{FF2B5EF4-FFF2-40B4-BE49-F238E27FC236}">
+                <a16:creationId xmlns:a16="http://schemas.microsoft.com/office/drawing/2014/main" id="{3AEE9FC5-A128-9E04-45DD-EDBE3FACC798}"/>
+              </a:ext>
+            </a:extLst>
+          </p:cNvPr>
+          <p:cNvSpPr>
+            <a:spLocks noGrp="1"/>
+          </p:cNvSpPr>
+          <p:nvPr>
+            <p:ph type="title"/>
+          </p:nvPr>
+        </p:nvSpPr>
+        <p:spPr/>
+        <p:txBody>
+          <a:bodyPr/>
+          <a:lstStyle/>
+          <a:p>
+            <a:r>
+              <a:rPr lang="en-US" dirty="0"/>
+              <a:t>How can we use this</a:t>
+            </a:r>
+            <a:endParaRPr lang="hu-HU" dirty="0"/>
+          </a:p>
+        </p:txBody>
+      </p:sp>
+      <p:sp>
+        <p:nvSpPr>
+          <p:cNvPr id="3" name="Tartalom helye 2">
+            <a:extLst>
+              <a:ext uri="{FF2B5EF4-FFF2-40B4-BE49-F238E27FC236}">
+                <a16:creationId xmlns:a16="http://schemas.microsoft.com/office/drawing/2014/main" id="{6F6D0A44-F6ED-6C43-8DE2-83D6F3BA50CA}"/>
+              </a:ext>
+            </a:extLst>
+          </p:cNvPr>
+          <p:cNvSpPr>
+            <a:spLocks noGrp="1"/>
+          </p:cNvSpPr>
+          <p:nvPr>
+            <p:ph idx="1"/>
+          </p:nvPr>
+        </p:nvSpPr>
+        <p:spPr/>
+        <p:txBody>
+          <a:bodyPr/>
+          <a:lstStyle/>
+          <a:p>
+            <a:r>
+              <a:rPr lang="en-US" dirty="0"/>
+              <a:t>We need dataset (huge amount of data)</a:t>
+            </a:r>
+          </a:p>
+          <a:p>
+            <a:r>
+              <a:rPr lang="en-US" dirty="0"/>
+              <a:t>Separate into 3 parts (learning, testing, using)</a:t>
+            </a:r>
+          </a:p>
+          <a:p>
+            <a:r>
+              <a:rPr lang="en-US" dirty="0"/>
+              <a:t>How do I solve when there is no numerical data?</a:t>
+            </a:r>
+          </a:p>
+          <a:p>
+            <a:r>
+              <a:rPr lang="en-US" dirty="0"/>
+              <a:t>Make a loop where give a data row to the network</a:t>
+            </a:r>
+          </a:p>
+          <a:p>
+            <a:r>
+              <a:rPr lang="en-US" dirty="0"/>
+              <a:t>The network will give a guess</a:t>
+            </a:r>
+          </a:p>
+          <a:p>
+            <a:r>
+              <a:rPr lang="en-US" dirty="0"/>
+              <a:t>Calculate the error rate</a:t>
+            </a:r>
+          </a:p>
+          <a:p>
+            <a:r>
+              <a:rPr lang="en-US" dirty="0"/>
+              <a:t>Calculate weights</a:t>
+            </a:r>
+          </a:p>
+          <a:p>
+            <a:r>
+              <a:rPr lang="en-US" dirty="0"/>
+              <a:t>Try again</a:t>
+            </a:r>
+            <a:endParaRPr lang="hu-HU" dirty="0"/>
+          </a:p>
+        </p:txBody>
+      </p:sp>
+    </p:spTree>
+    <p:extLst>
+      <p:ext uri="{BB962C8B-B14F-4D97-AF65-F5344CB8AC3E}">
+        <p14:creationId xmlns:p14="http://schemas.microsoft.com/office/powerpoint/2010/main" val="3373524098"/>
+      </p:ext>
+    </p:extLst>
+  </p:cSld>
+  <p:clrMapOvr>
+    <a:masterClrMapping/>
+  </p:clrMapOvr>
+</p:sld>
+</file>
+
+<file path=ppt/slides/slide13.xml><?xml version="1.0" encoding="utf-8"?>
+<p:sld xmlns:a="http://schemas.openxmlformats.org/drawingml/2006/main" xmlns:r="http://schemas.openxmlformats.org/officeDocument/2006/relationships" xmlns:p="http://schemas.openxmlformats.org/presentationml/2006/main">
+  <p:cSld>
+    <p:spTree>
+      <p:nvGrpSpPr>
+        <p:cNvPr id="1" name=""/>
+        <p:cNvGrpSpPr/>
+        <p:nvPr/>
+      </p:nvGrpSpPr>
+      <p:grpSpPr>
+        <a:xfrm>
+          <a:off x="0" y="0"/>
+          <a:ext cx="0" cy="0"/>
+          <a:chOff x="0" y="0"/>
+          <a:chExt cx="0" cy="0"/>
+        </a:xfrm>
+      </p:grpSpPr>
+      <p:sp>
+        <p:nvSpPr>
+          <p:cNvPr id="2" name="Cím 1">
+            <a:extLst>
+              <a:ext uri="{FF2B5EF4-FFF2-40B4-BE49-F238E27FC236}">
+                <a16:creationId xmlns:a16="http://schemas.microsoft.com/office/drawing/2014/main" id="{FF52594E-7D0A-B35B-9F7A-84EDCB4063BA}"/>
+              </a:ext>
+            </a:extLst>
+          </p:cNvPr>
+          <p:cNvSpPr>
+            <a:spLocks noGrp="1"/>
+          </p:cNvSpPr>
+          <p:nvPr>
+            <p:ph type="title"/>
+          </p:nvPr>
+        </p:nvSpPr>
+        <p:spPr/>
+        <p:txBody>
+          <a:bodyPr/>
+          <a:lstStyle/>
+          <a:p>
+            <a:r>
+              <a:rPr lang="en-US" dirty="0"/>
+              <a:t>Back propagation method</a:t>
+            </a:r>
+            <a:endParaRPr lang="hu-HU" dirty="0"/>
+          </a:p>
+        </p:txBody>
+      </p:sp>
+      <p:sp>
+        <p:nvSpPr>
+          <p:cNvPr id="3" name="Tartalom helye 2">
+            <a:extLst>
+              <a:ext uri="{FF2B5EF4-FFF2-40B4-BE49-F238E27FC236}">
+                <a16:creationId xmlns:a16="http://schemas.microsoft.com/office/drawing/2014/main" id="{68EB3216-90EB-6688-7FB4-C3CD3AB120DC}"/>
+              </a:ext>
+            </a:extLst>
+          </p:cNvPr>
+          <p:cNvSpPr>
+            <a:spLocks noGrp="1"/>
+          </p:cNvSpPr>
+          <p:nvPr>
+            <p:ph idx="1"/>
+          </p:nvPr>
+        </p:nvSpPr>
+        <p:spPr/>
+        <p:txBody>
+          <a:bodyPr/>
+          <a:lstStyle/>
+          <a:p>
+            <a:pPr marL="0" indent="0" algn="ctr">
+              <a:buNone/>
+            </a:pPr>
+            <a:endParaRPr lang="en-US" dirty="0"/>
+          </a:p>
+          <a:p>
+            <a:pPr marL="0" indent="0" algn="ctr">
+              <a:buNone/>
+            </a:pPr>
+            <a:endParaRPr lang="en-US" dirty="0"/>
+          </a:p>
+          <a:p>
+            <a:pPr marL="0" indent="0" algn="ctr">
+              <a:buNone/>
+            </a:pPr>
+            <a:r>
+              <a:rPr lang="en-US" dirty="0"/>
+              <a:t>Don't panic, take a deep breath, relax. </a:t>
+            </a:r>
+          </a:p>
+          <a:p>
+            <a:pPr marL="0" indent="0" algn="ctr">
+              <a:buNone/>
+            </a:pPr>
+            <a:r>
+              <a:rPr lang="en-US" dirty="0"/>
+              <a:t>We will derive.</a:t>
+            </a:r>
+          </a:p>
+          <a:p>
+            <a:pPr marL="0" indent="0" algn="ctr">
+              <a:buNone/>
+            </a:pPr>
+            <a:endParaRPr lang="en-US" dirty="0"/>
+          </a:p>
+          <a:p>
+            <a:pPr marL="0" indent="0" algn="ctr">
+              <a:buNone/>
+            </a:pPr>
+            <a:r>
+              <a:rPr lang="en-US" dirty="0">
+                <a:hlinkClick r:id="rId2"/>
+              </a:rPr>
+              <a:t>https://www.mateking.hu/</a:t>
+            </a:r>
+            <a:endParaRPr lang="en-US" dirty="0"/>
+          </a:p>
+          <a:p>
+            <a:pPr marL="0" indent="0" algn="ctr">
+              <a:buNone/>
+            </a:pPr>
+            <a:r>
+              <a:rPr lang="en-US" dirty="0">
+                <a:hlinkClick r:id="rId3"/>
+              </a:rPr>
+              <a:t>https://www.wolframalpha.com/calculators/derivative-calculator/</a:t>
+            </a:r>
+            <a:r>
+              <a:rPr lang="en-US" dirty="0"/>
+              <a:t> </a:t>
+            </a:r>
+          </a:p>
+          <a:p>
+            <a:pPr marL="0" indent="0" algn="ctr">
+              <a:buNone/>
+            </a:pPr>
+            <a:endParaRPr lang="en-US" dirty="0"/>
+          </a:p>
+        </p:txBody>
+      </p:sp>
+    </p:spTree>
+    <p:extLst>
+      <p:ext uri="{BB962C8B-B14F-4D97-AF65-F5344CB8AC3E}">
+        <p14:creationId xmlns:p14="http://schemas.microsoft.com/office/powerpoint/2010/main" val="1871769633"/>
+      </p:ext>
+    </p:extLst>
+  </p:cSld>
+  <p:clrMapOvr>
+    <a:masterClrMapping/>
+  </p:clrMapOvr>
+</p:sld>
+</file>
+
+<file path=ppt/slides/slide14.xml><?xml version="1.0" encoding="utf-8"?>
 <p:sld xmlns:a="http://schemas.openxmlformats.org/drawingml/2006/main" xmlns:r="http://schemas.openxmlformats.org/officeDocument/2006/relationships" xmlns:p="http://schemas.openxmlformats.org/presentationml/2006/main">
   <p:cSld>
     <p:spTree>
@@ -7778,6 +5201,3725 @@
 </p:sld>
 </file>
 
+<file path=ppt/slides/slide15.xml><?xml version="1.0" encoding="utf-8"?>
+<p:sld xmlns:a="http://schemas.openxmlformats.org/drawingml/2006/main" xmlns:r="http://schemas.openxmlformats.org/officeDocument/2006/relationships" xmlns:p="http://schemas.openxmlformats.org/presentationml/2006/main">
+  <p:cSld>
+    <p:spTree>
+      <p:nvGrpSpPr>
+        <p:cNvPr id="1" name=""/>
+        <p:cNvGrpSpPr/>
+        <p:nvPr/>
+      </p:nvGrpSpPr>
+      <p:grpSpPr>
+        <a:xfrm>
+          <a:off x="0" y="0"/>
+          <a:ext cx="0" cy="0"/>
+          <a:chOff x="0" y="0"/>
+          <a:chExt cx="0" cy="0"/>
+        </a:xfrm>
+      </p:grpSpPr>
+      <p:sp>
+        <p:nvSpPr>
+          <p:cNvPr id="2" name="Cím 1">
+            <a:extLst>
+              <a:ext uri="{FF2B5EF4-FFF2-40B4-BE49-F238E27FC236}">
+                <a16:creationId xmlns:a16="http://schemas.microsoft.com/office/drawing/2014/main" id="{CCC44F7F-0D38-4239-D6A6-1EA7C48593E5}"/>
+              </a:ext>
+            </a:extLst>
+          </p:cNvPr>
+          <p:cNvSpPr>
+            <a:spLocks noGrp="1"/>
+          </p:cNvSpPr>
+          <p:nvPr>
+            <p:ph type="title"/>
+          </p:nvPr>
+        </p:nvSpPr>
+        <p:spPr/>
+        <p:txBody>
+          <a:bodyPr/>
+          <a:lstStyle/>
+          <a:p>
+            <a:r>
+              <a:rPr lang="en-US" dirty="0"/>
+              <a:t>The weights calculation partial derivates</a:t>
+            </a:r>
+            <a:endParaRPr lang="hu-HU" dirty="0"/>
+          </a:p>
+        </p:txBody>
+      </p:sp>
+      <mc:AlternateContent xmlns:mc="http://schemas.openxmlformats.org/markup-compatibility/2006" xmlns:a14="http://schemas.microsoft.com/office/drawing/2010/main">
+        <mc:Choice Requires="a14">
+          <p:sp>
+            <p:nvSpPr>
+              <p:cNvPr id="3" name="Tartalom helye 2">
+                <a:extLst>
+                  <a:ext uri="{FF2B5EF4-FFF2-40B4-BE49-F238E27FC236}">
+                    <a16:creationId xmlns:a16="http://schemas.microsoft.com/office/drawing/2014/main" id="{5C39126D-3354-69EF-421E-59A1B88542D9}"/>
+                  </a:ext>
+                </a:extLst>
+              </p:cNvPr>
+              <p:cNvSpPr>
+                <a:spLocks noGrp="1"/>
+              </p:cNvSpPr>
+              <p:nvPr>
+                <p:ph idx="1"/>
+              </p:nvPr>
+            </p:nvSpPr>
+            <p:spPr/>
+            <p:txBody>
+              <a:bodyPr/>
+              <a:lstStyle/>
+              <a:p>
+                <a:pPr marL="0" marR="0" indent="0">
+                  <a:spcBef>
+                    <a:spcPts val="0"/>
+                  </a:spcBef>
+                  <a:spcAft>
+                    <a:spcPts val="0"/>
+                  </a:spcAft>
+                  <a:buNone/>
+                </a:pPr>
+                <a:br>
+                  <a:rPr lang="en-US" sz="1800" dirty="0">
+                    <a:effectLst/>
+                    <a:latin typeface="Calibri" panose="020F0502020204030204" pitchFamily="34" charset="0"/>
+                  </a:rPr>
+                </a:br>
+                <a14:m>
+                  <m:oMathPara xmlns:m="http://schemas.openxmlformats.org/officeDocument/2006/math">
+                    <m:oMathParaPr>
+                      <m:jc m:val="centerGroup"/>
+                    </m:oMathParaPr>
+                    <m:oMath xmlns:m="http://schemas.openxmlformats.org/officeDocument/2006/math">
+                      <m:f>
+                        <m:fPr>
+                          <m:ctrlPr>
+                            <a:rPr lang="hu-HU" sz="1800" i="1">
+                              <a:effectLst/>
+                              <a:latin typeface="Cambria Math" panose="02040503050406030204" pitchFamily="18" charset="0"/>
+                            </a:rPr>
+                          </m:ctrlPr>
+                        </m:fPr>
+                        <m:num>
+                          <m:r>
+                            <a:rPr lang="hu-HU" sz="1800" i="1">
+                              <a:effectLst/>
+                              <a:latin typeface="Cambria Math" panose="02040503050406030204" pitchFamily="18" charset="0"/>
+                            </a:rPr>
+                            <m:t>𝜕</m:t>
+                          </m:r>
+                          <m:sSub>
+                            <m:sSubPr>
+                              <m:ctrlPr>
+                                <a:rPr lang="hu-HU" sz="1800" i="1">
+                                  <a:effectLst/>
+                                  <a:latin typeface="Cambria Math" panose="02040503050406030204" pitchFamily="18" charset="0"/>
+                                </a:rPr>
+                              </m:ctrlPr>
+                            </m:sSubPr>
+                            <m:e>
+                              <m:r>
+                                <a:rPr lang="hu-HU" sz="1800">
+                                  <a:effectLst/>
+                                  <a:latin typeface="Cambria Math" panose="02040503050406030204" pitchFamily="18" charset="0"/>
+                                </a:rPr>
+                                <m:t>𝐶</m:t>
+                              </m:r>
+                            </m:e>
+                            <m:sub>
+                              <m:r>
+                                <a:rPr lang="hu-HU" sz="1800">
+                                  <a:effectLst/>
+                                  <a:latin typeface="Cambria Math" panose="02040503050406030204" pitchFamily="18" charset="0"/>
+                                </a:rPr>
+                                <m:t>0</m:t>
+                              </m:r>
+                            </m:sub>
+                          </m:sSub>
+                        </m:num>
+                        <m:den>
+                          <m:r>
+                            <a:rPr lang="hu-HU" sz="1800">
+                              <a:effectLst/>
+                              <a:latin typeface="Cambria Math" panose="02040503050406030204" pitchFamily="18" charset="0"/>
+                            </a:rPr>
+                            <m:t>𝜕</m:t>
+                          </m:r>
+                          <m:sSup>
+                            <m:sSupPr>
+                              <m:ctrlPr>
+                                <a:rPr lang="hu-HU" sz="1800" i="1">
+                                  <a:effectLst/>
+                                  <a:latin typeface="Cambria Math" panose="02040503050406030204" pitchFamily="18" charset="0"/>
+                                </a:rPr>
+                              </m:ctrlPr>
+                            </m:sSupPr>
+                            <m:e>
+                              <m:r>
+                                <a:rPr lang="hu-HU" sz="1800">
+                                  <a:effectLst/>
+                                  <a:latin typeface="Cambria Math" panose="02040503050406030204" pitchFamily="18" charset="0"/>
+                                </a:rPr>
+                                <m:t>𝑤</m:t>
+                              </m:r>
+                            </m:e>
+                            <m:sup>
+                              <m:r>
+                                <a:rPr lang="hu-HU" sz="1800">
+                                  <a:effectLst/>
+                                  <a:latin typeface="Cambria Math" panose="02040503050406030204" pitchFamily="18" charset="0"/>
+                                </a:rPr>
+                                <m:t>𝐿</m:t>
+                              </m:r>
+                            </m:sup>
+                          </m:sSup>
+                        </m:den>
+                      </m:f>
+                      <m:r>
+                        <a:rPr lang="hu-HU" sz="1800">
+                          <a:effectLst/>
+                          <a:latin typeface="Cambria Math" panose="02040503050406030204" pitchFamily="18" charset="0"/>
+                        </a:rPr>
+                        <m:t>=</m:t>
+                      </m:r>
+                      <m:r>
+                        <a:rPr lang="hu-HU" sz="1800" i="1">
+                          <a:effectLst/>
+                          <a:latin typeface="Cambria Math" panose="02040503050406030204" pitchFamily="18" charset="0"/>
+                        </a:rPr>
+                        <m:t> </m:t>
+                      </m:r>
+                      <m:f>
+                        <m:fPr>
+                          <m:ctrlPr>
+                            <a:rPr lang="hu-HU" sz="1800" i="1">
+                              <a:effectLst/>
+                              <a:latin typeface="Cambria Math" panose="02040503050406030204" pitchFamily="18" charset="0"/>
+                            </a:rPr>
+                          </m:ctrlPr>
+                        </m:fPr>
+                        <m:num>
+                          <m:r>
+                            <a:rPr lang="hu-HU" sz="1800">
+                              <a:effectLst/>
+                              <a:latin typeface="Cambria Math" panose="02040503050406030204" pitchFamily="18" charset="0"/>
+                            </a:rPr>
+                            <m:t>𝜕</m:t>
+                          </m:r>
+                          <m:sSup>
+                            <m:sSupPr>
+                              <m:ctrlPr>
+                                <a:rPr lang="hu-HU" sz="1800" i="1">
+                                  <a:effectLst/>
+                                  <a:latin typeface="Cambria Math" panose="02040503050406030204" pitchFamily="18" charset="0"/>
+                                </a:rPr>
+                              </m:ctrlPr>
+                            </m:sSupPr>
+                            <m:e>
+                              <m:r>
+                                <a:rPr lang="hu-HU" sz="1800">
+                                  <a:effectLst/>
+                                  <a:latin typeface="Cambria Math" panose="02040503050406030204" pitchFamily="18" charset="0"/>
+                                </a:rPr>
+                                <m:t>𝑧</m:t>
+                              </m:r>
+                            </m:e>
+                            <m:sup>
+                              <m:r>
+                                <a:rPr lang="hu-HU" sz="1800">
+                                  <a:effectLst/>
+                                  <a:latin typeface="Cambria Math" panose="02040503050406030204" pitchFamily="18" charset="0"/>
+                                </a:rPr>
+                                <m:t>𝐿</m:t>
+                              </m:r>
+                            </m:sup>
+                          </m:sSup>
+                        </m:num>
+                        <m:den>
+                          <m:r>
+                            <a:rPr lang="hu-HU" sz="1800">
+                              <a:effectLst/>
+                              <a:latin typeface="Cambria Math" panose="02040503050406030204" pitchFamily="18" charset="0"/>
+                            </a:rPr>
+                            <m:t>𝜕</m:t>
+                          </m:r>
+                          <m:sSup>
+                            <m:sSupPr>
+                              <m:ctrlPr>
+                                <a:rPr lang="hu-HU" sz="1800" i="1">
+                                  <a:effectLst/>
+                                  <a:latin typeface="Cambria Math" panose="02040503050406030204" pitchFamily="18" charset="0"/>
+                                </a:rPr>
+                              </m:ctrlPr>
+                            </m:sSupPr>
+                            <m:e>
+                              <m:r>
+                                <a:rPr lang="hu-HU" sz="1800">
+                                  <a:effectLst/>
+                                  <a:latin typeface="Cambria Math" panose="02040503050406030204" pitchFamily="18" charset="0"/>
+                                </a:rPr>
+                                <m:t>𝑤</m:t>
+                              </m:r>
+                            </m:e>
+                            <m:sup>
+                              <m:r>
+                                <a:rPr lang="hu-HU" sz="1800">
+                                  <a:effectLst/>
+                                  <a:latin typeface="Cambria Math" panose="02040503050406030204" pitchFamily="18" charset="0"/>
+                                </a:rPr>
+                                <m:t>𝐿</m:t>
+                              </m:r>
+                            </m:sup>
+                          </m:sSup>
+                        </m:den>
+                      </m:f>
+                      <m:r>
+                        <a:rPr lang="hu-HU" sz="1800" i="1">
+                          <a:effectLst/>
+                          <a:latin typeface="Cambria Math" panose="02040503050406030204" pitchFamily="18" charset="0"/>
+                        </a:rPr>
+                        <m:t> </m:t>
+                      </m:r>
+                      <m:f>
+                        <m:fPr>
+                          <m:ctrlPr>
+                            <a:rPr lang="hu-HU" sz="1800" i="1">
+                              <a:effectLst/>
+                              <a:latin typeface="Cambria Math" panose="02040503050406030204" pitchFamily="18" charset="0"/>
+                            </a:rPr>
+                          </m:ctrlPr>
+                        </m:fPr>
+                        <m:num>
+                          <m:r>
+                            <a:rPr lang="hu-HU" sz="1800">
+                              <a:effectLst/>
+                              <a:latin typeface="Cambria Math" panose="02040503050406030204" pitchFamily="18" charset="0"/>
+                            </a:rPr>
+                            <m:t>𝜕</m:t>
+                          </m:r>
+                          <m:sSup>
+                            <m:sSupPr>
+                              <m:ctrlPr>
+                                <a:rPr lang="hu-HU" sz="1800" i="1">
+                                  <a:effectLst/>
+                                  <a:latin typeface="Cambria Math" panose="02040503050406030204" pitchFamily="18" charset="0"/>
+                                </a:rPr>
+                              </m:ctrlPr>
+                            </m:sSupPr>
+                            <m:e>
+                              <m:r>
+                                <a:rPr lang="hu-HU" sz="1800">
+                                  <a:effectLst/>
+                                  <a:latin typeface="Cambria Math" panose="02040503050406030204" pitchFamily="18" charset="0"/>
+                                </a:rPr>
+                                <m:t>𝑎</m:t>
+                              </m:r>
+                            </m:e>
+                            <m:sup>
+                              <m:r>
+                                <a:rPr lang="hu-HU" sz="1800">
+                                  <a:effectLst/>
+                                  <a:latin typeface="Cambria Math" panose="02040503050406030204" pitchFamily="18" charset="0"/>
+                                </a:rPr>
+                                <m:t>𝐿</m:t>
+                              </m:r>
+                            </m:sup>
+                          </m:sSup>
+                        </m:num>
+                        <m:den>
+                          <m:r>
+                            <a:rPr lang="hu-HU" sz="1800">
+                              <a:effectLst/>
+                              <a:latin typeface="Cambria Math" panose="02040503050406030204" pitchFamily="18" charset="0"/>
+                            </a:rPr>
+                            <m:t>𝜕</m:t>
+                          </m:r>
+                          <m:sSup>
+                            <m:sSupPr>
+                              <m:ctrlPr>
+                                <a:rPr lang="hu-HU" sz="1800" i="1">
+                                  <a:effectLst/>
+                                  <a:latin typeface="Cambria Math" panose="02040503050406030204" pitchFamily="18" charset="0"/>
+                                </a:rPr>
+                              </m:ctrlPr>
+                            </m:sSupPr>
+                            <m:e>
+                              <m:r>
+                                <a:rPr lang="hu-HU" sz="1800">
+                                  <a:effectLst/>
+                                  <a:latin typeface="Cambria Math" panose="02040503050406030204" pitchFamily="18" charset="0"/>
+                                </a:rPr>
+                                <m:t>𝑧</m:t>
+                              </m:r>
+                            </m:e>
+                            <m:sup>
+                              <m:r>
+                                <a:rPr lang="hu-HU" sz="1800">
+                                  <a:effectLst/>
+                                  <a:latin typeface="Cambria Math" panose="02040503050406030204" pitchFamily="18" charset="0"/>
+                                </a:rPr>
+                                <m:t>𝐿</m:t>
+                              </m:r>
+                            </m:sup>
+                          </m:sSup>
+                        </m:den>
+                      </m:f>
+                      <m:r>
+                        <a:rPr lang="hu-HU" sz="1800" i="1">
+                          <a:effectLst/>
+                          <a:latin typeface="Cambria Math" panose="02040503050406030204" pitchFamily="18" charset="0"/>
+                        </a:rPr>
+                        <m:t> </m:t>
+                      </m:r>
+                      <m:f>
+                        <m:fPr>
+                          <m:ctrlPr>
+                            <a:rPr lang="hu-HU" sz="1800" i="1">
+                              <a:effectLst/>
+                              <a:latin typeface="Cambria Math" panose="02040503050406030204" pitchFamily="18" charset="0"/>
+                            </a:rPr>
+                          </m:ctrlPr>
+                        </m:fPr>
+                        <m:num>
+                          <m:r>
+                            <a:rPr lang="hu-HU" sz="1800">
+                              <a:effectLst/>
+                              <a:latin typeface="Cambria Math" panose="02040503050406030204" pitchFamily="18" charset="0"/>
+                            </a:rPr>
+                            <m:t>𝜕</m:t>
+                          </m:r>
+                          <m:sSub>
+                            <m:sSubPr>
+                              <m:ctrlPr>
+                                <a:rPr lang="hu-HU" sz="1800" i="1">
+                                  <a:effectLst/>
+                                  <a:latin typeface="Cambria Math" panose="02040503050406030204" pitchFamily="18" charset="0"/>
+                                </a:rPr>
+                              </m:ctrlPr>
+                            </m:sSubPr>
+                            <m:e>
+                              <m:r>
+                                <a:rPr lang="hu-HU" sz="1800">
+                                  <a:effectLst/>
+                                  <a:latin typeface="Cambria Math" panose="02040503050406030204" pitchFamily="18" charset="0"/>
+                                </a:rPr>
+                                <m:t>𝐶</m:t>
+                              </m:r>
+                            </m:e>
+                            <m:sub>
+                              <m:r>
+                                <a:rPr lang="hu-HU" sz="1800">
+                                  <a:effectLst/>
+                                  <a:latin typeface="Cambria Math" panose="02040503050406030204" pitchFamily="18" charset="0"/>
+                                </a:rPr>
+                                <m:t>0</m:t>
+                              </m:r>
+                            </m:sub>
+                          </m:sSub>
+                        </m:num>
+                        <m:den>
+                          <m:r>
+                            <a:rPr lang="hu-HU" sz="1800">
+                              <a:effectLst/>
+                              <a:latin typeface="Cambria Math" panose="02040503050406030204" pitchFamily="18" charset="0"/>
+                            </a:rPr>
+                            <m:t>𝜕</m:t>
+                          </m:r>
+                          <m:sSup>
+                            <m:sSupPr>
+                              <m:ctrlPr>
+                                <a:rPr lang="hu-HU" sz="1800" i="1">
+                                  <a:effectLst/>
+                                  <a:latin typeface="Cambria Math" panose="02040503050406030204" pitchFamily="18" charset="0"/>
+                                </a:rPr>
+                              </m:ctrlPr>
+                            </m:sSupPr>
+                            <m:e>
+                              <m:r>
+                                <a:rPr lang="hu-HU" sz="1800">
+                                  <a:effectLst/>
+                                  <a:latin typeface="Cambria Math" panose="02040503050406030204" pitchFamily="18" charset="0"/>
+                                </a:rPr>
+                                <m:t>𝑎</m:t>
+                              </m:r>
+                            </m:e>
+                            <m:sup>
+                              <m:r>
+                                <a:rPr lang="hu-HU" sz="1800">
+                                  <a:effectLst/>
+                                  <a:latin typeface="Cambria Math" panose="02040503050406030204" pitchFamily="18" charset="0"/>
+                                </a:rPr>
+                                <m:t>𝐿</m:t>
+                              </m:r>
+                            </m:sup>
+                          </m:sSup>
+                        </m:den>
+                      </m:f>
+                      <m:r>
+                        <a:rPr lang="hu-HU" sz="1800" i="1">
+                          <a:effectLst/>
+                          <a:latin typeface="Cambria Math" panose="02040503050406030204" pitchFamily="18" charset="0"/>
+                        </a:rPr>
+                        <m:t>  </m:t>
+                      </m:r>
+                    </m:oMath>
+                  </m:oMathPara>
+                </a14:m>
+                <a:endParaRPr lang="hu-HU" sz="1800" dirty="0">
+                  <a:effectLst/>
+                  <a:latin typeface="Calibri" panose="020F0502020204030204" pitchFamily="34" charset="0"/>
+                </a:endParaRPr>
+              </a:p>
+              <a:p>
+                <a:pPr marL="0" marR="0" indent="0">
+                  <a:spcBef>
+                    <a:spcPts val="0"/>
+                  </a:spcBef>
+                  <a:spcAft>
+                    <a:spcPts val="0"/>
+                  </a:spcAft>
+                  <a:buNone/>
+                </a:pPr>
+                <a:r>
+                  <a:rPr lang="en-US" sz="1800" dirty="0">
+                    <a:effectLst/>
+                    <a:latin typeface="Cambria Math" panose="02040503050406030204" pitchFamily="18" charset="0"/>
+                  </a:rPr>
+                  <a:t> </a:t>
+                </a:r>
+              </a:p>
+              <a:p>
+                <a:pPr marL="0" marR="0" indent="0">
+                  <a:spcBef>
+                    <a:spcPts val="0"/>
+                  </a:spcBef>
+                  <a:spcAft>
+                    <a:spcPts val="0"/>
+                  </a:spcAft>
+                  <a:buNone/>
+                </a:pPr>
+                <a14:m>
+                  <m:oMathPara xmlns:m="http://schemas.openxmlformats.org/officeDocument/2006/math">
+                    <m:oMathParaPr>
+                      <m:jc m:val="centerGroup"/>
+                    </m:oMathParaPr>
+                    <m:oMath xmlns:m="http://schemas.openxmlformats.org/officeDocument/2006/math">
+                      <m:f>
+                        <m:fPr>
+                          <m:ctrlPr>
+                            <a:rPr lang="x-IV_mathan" sz="1800" i="1">
+                              <a:effectLst/>
+                              <a:latin typeface="Cambria Math" panose="02040503050406030204" pitchFamily="18" charset="0"/>
+                            </a:rPr>
+                          </m:ctrlPr>
+                        </m:fPr>
+                        <m:num>
+                          <m:r>
+                            <a:rPr lang="x-IV_mathan" sz="1800">
+                              <a:effectLst/>
+                              <a:latin typeface="Cambria Math" panose="02040503050406030204" pitchFamily="18" charset="0"/>
+                            </a:rPr>
+                            <m:t>𝜕</m:t>
+                          </m:r>
+                          <m:sSub>
+                            <m:sSubPr>
+                              <m:ctrlPr>
+                                <a:rPr lang="x-IV_mathan" sz="1800" i="1">
+                                  <a:effectLst/>
+                                  <a:latin typeface="Cambria Math" panose="02040503050406030204" pitchFamily="18" charset="0"/>
+                                </a:rPr>
+                              </m:ctrlPr>
+                            </m:sSubPr>
+                            <m:e>
+                              <m:r>
+                                <a:rPr lang="x-IV_mathan" sz="1800">
+                                  <a:effectLst/>
+                                  <a:latin typeface="Cambria Math" panose="02040503050406030204" pitchFamily="18" charset="0"/>
+                                </a:rPr>
+                                <m:t>𝐶</m:t>
+                              </m:r>
+                            </m:e>
+                            <m:sub>
+                              <m:r>
+                                <a:rPr lang="x-IV_mathan" sz="1800">
+                                  <a:effectLst/>
+                                  <a:latin typeface="Cambria Math" panose="02040503050406030204" pitchFamily="18" charset="0"/>
+                                </a:rPr>
+                                <m:t>0</m:t>
+                              </m:r>
+                            </m:sub>
+                          </m:sSub>
+                        </m:num>
+                        <m:den>
+                          <m:r>
+                            <a:rPr lang="x-IV_mathan" sz="1800">
+                              <a:effectLst/>
+                              <a:latin typeface="Cambria Math" panose="02040503050406030204" pitchFamily="18" charset="0"/>
+                            </a:rPr>
+                            <m:t>𝜕</m:t>
+                          </m:r>
+                          <m:sSup>
+                            <m:sSupPr>
+                              <m:ctrlPr>
+                                <a:rPr lang="x-IV_mathan" sz="1800" i="1">
+                                  <a:effectLst/>
+                                  <a:latin typeface="Cambria Math" panose="02040503050406030204" pitchFamily="18" charset="0"/>
+                                </a:rPr>
+                              </m:ctrlPr>
+                            </m:sSupPr>
+                            <m:e>
+                              <m:r>
+                                <a:rPr lang="x-IV_mathan" sz="1800">
+                                  <a:effectLst/>
+                                  <a:latin typeface="Cambria Math" panose="02040503050406030204" pitchFamily="18" charset="0"/>
+                                </a:rPr>
+                                <m:t>𝑎</m:t>
+                              </m:r>
+                            </m:e>
+                            <m:sup>
+                              <m:r>
+                                <a:rPr lang="x-IV_mathan" sz="1800">
+                                  <a:effectLst/>
+                                  <a:latin typeface="Cambria Math" panose="02040503050406030204" pitchFamily="18" charset="0"/>
+                                </a:rPr>
+                                <m:t>𝐿</m:t>
+                              </m:r>
+                            </m:sup>
+                          </m:sSup>
+                        </m:den>
+                      </m:f>
+                      <m:r>
+                        <a:rPr lang="x-IV_mathan" sz="1800">
+                          <a:effectLst/>
+                          <a:latin typeface="Cambria Math" panose="02040503050406030204" pitchFamily="18" charset="0"/>
+                        </a:rPr>
+                        <m:t>=2</m:t>
+                      </m:r>
+                      <m:d>
+                        <m:dPr>
+                          <m:ctrlPr>
+                            <a:rPr lang="x-IV_mathan" sz="1800" i="1">
+                              <a:effectLst/>
+                              <a:latin typeface="Cambria Math" panose="02040503050406030204" pitchFamily="18" charset="0"/>
+                            </a:rPr>
+                          </m:ctrlPr>
+                        </m:dPr>
+                        <m:e>
+                          <m:sSup>
+                            <m:sSupPr>
+                              <m:ctrlPr>
+                                <a:rPr lang="x-IV_mathan" sz="1800" i="1">
+                                  <a:effectLst/>
+                                  <a:latin typeface="Cambria Math" panose="02040503050406030204" pitchFamily="18" charset="0"/>
+                                </a:rPr>
+                              </m:ctrlPr>
+                            </m:sSupPr>
+                            <m:e>
+                              <m:r>
+                                <a:rPr lang="x-IV_mathan" sz="1800">
+                                  <a:effectLst/>
+                                  <a:latin typeface="Cambria Math" panose="02040503050406030204" pitchFamily="18" charset="0"/>
+                                </a:rPr>
+                                <m:t>𝑎</m:t>
+                              </m:r>
+                            </m:e>
+                            <m:sup>
+                              <m:r>
+                                <a:rPr lang="x-IV_mathan" sz="1800">
+                                  <a:effectLst/>
+                                  <a:latin typeface="Cambria Math" panose="02040503050406030204" pitchFamily="18" charset="0"/>
+                                </a:rPr>
+                                <m:t>𝐿</m:t>
+                              </m:r>
+                            </m:sup>
+                          </m:sSup>
+                          <m:r>
+                            <a:rPr lang="x-IV_mathan" sz="1800">
+                              <a:effectLst/>
+                              <a:latin typeface="Cambria Math" panose="02040503050406030204" pitchFamily="18" charset="0"/>
+                            </a:rPr>
+                            <m:t>−</m:t>
+                          </m:r>
+                          <m:r>
+                            <a:rPr lang="x-IV_mathan" sz="1800">
+                              <a:effectLst/>
+                              <a:latin typeface="Cambria Math" panose="02040503050406030204" pitchFamily="18" charset="0"/>
+                            </a:rPr>
+                            <m:t>𝑦</m:t>
+                          </m:r>
+                        </m:e>
+                      </m:d>
+                    </m:oMath>
+                  </m:oMathPara>
+                </a14:m>
+                <a:endParaRPr lang="x-IV_mathan" sz="1800" dirty="0">
+                  <a:effectLst/>
+                  <a:latin typeface="Cambria Math" panose="02040503050406030204" pitchFamily="18" charset="0"/>
+                </a:endParaRPr>
+              </a:p>
+              <a:p>
+                <a:pPr marL="0" marR="0" indent="0">
+                  <a:spcBef>
+                    <a:spcPts val="0"/>
+                  </a:spcBef>
+                  <a:spcAft>
+                    <a:spcPts val="0"/>
+                  </a:spcAft>
+                  <a:buNone/>
+                </a:pPr>
+                <a:r>
+                  <a:rPr lang="en-US" sz="1800" dirty="0">
+                    <a:effectLst/>
+                    <a:latin typeface="Cambria Math" panose="02040503050406030204" pitchFamily="18" charset="0"/>
+                  </a:rPr>
+                  <a:t> </a:t>
+                </a:r>
+              </a:p>
+              <a:p>
+                <a:pPr marL="0" marR="0" indent="0">
+                  <a:spcBef>
+                    <a:spcPts val="0"/>
+                  </a:spcBef>
+                  <a:spcAft>
+                    <a:spcPts val="0"/>
+                  </a:spcAft>
+                  <a:buNone/>
+                </a:pPr>
+                <a14:m>
+                  <m:oMathPara xmlns:m="http://schemas.openxmlformats.org/officeDocument/2006/math">
+                    <m:oMathParaPr>
+                      <m:jc m:val="centerGroup"/>
+                    </m:oMathParaPr>
+                    <m:oMath xmlns:m="http://schemas.openxmlformats.org/officeDocument/2006/math">
+                      <m:f>
+                        <m:fPr>
+                          <m:ctrlPr>
+                            <a:rPr lang="x-IV_mathan" sz="1800" i="1">
+                              <a:effectLst/>
+                              <a:latin typeface="Cambria Math" panose="02040503050406030204" pitchFamily="18" charset="0"/>
+                            </a:rPr>
+                          </m:ctrlPr>
+                        </m:fPr>
+                        <m:num>
+                          <m:r>
+                            <a:rPr lang="x-IV_mathan" sz="1800">
+                              <a:effectLst/>
+                              <a:latin typeface="Cambria Math" panose="02040503050406030204" pitchFamily="18" charset="0"/>
+                            </a:rPr>
+                            <m:t>𝜕</m:t>
+                          </m:r>
+                          <m:sSup>
+                            <m:sSupPr>
+                              <m:ctrlPr>
+                                <a:rPr lang="x-IV_mathan" sz="1800" i="1">
+                                  <a:effectLst/>
+                                  <a:latin typeface="Cambria Math" panose="02040503050406030204" pitchFamily="18" charset="0"/>
+                                </a:rPr>
+                              </m:ctrlPr>
+                            </m:sSupPr>
+                            <m:e>
+                              <m:r>
+                                <a:rPr lang="x-IV_mathan" sz="1800">
+                                  <a:effectLst/>
+                                  <a:latin typeface="Cambria Math" panose="02040503050406030204" pitchFamily="18" charset="0"/>
+                                </a:rPr>
+                                <m:t>𝑎</m:t>
+                              </m:r>
+                            </m:e>
+                            <m:sup>
+                              <m:r>
+                                <a:rPr lang="x-IV_mathan" sz="1800">
+                                  <a:effectLst/>
+                                  <a:latin typeface="Cambria Math" panose="02040503050406030204" pitchFamily="18" charset="0"/>
+                                </a:rPr>
+                                <m:t>𝐿</m:t>
+                              </m:r>
+                            </m:sup>
+                          </m:sSup>
+                        </m:num>
+                        <m:den>
+                          <m:r>
+                            <a:rPr lang="x-IV_mathan" sz="1800">
+                              <a:effectLst/>
+                              <a:latin typeface="Cambria Math" panose="02040503050406030204" pitchFamily="18" charset="0"/>
+                            </a:rPr>
+                            <m:t>𝜕</m:t>
+                          </m:r>
+                          <m:sSup>
+                            <m:sSupPr>
+                              <m:ctrlPr>
+                                <a:rPr lang="x-IV_mathan" sz="1800" i="1">
+                                  <a:effectLst/>
+                                  <a:latin typeface="Cambria Math" panose="02040503050406030204" pitchFamily="18" charset="0"/>
+                                </a:rPr>
+                              </m:ctrlPr>
+                            </m:sSupPr>
+                            <m:e>
+                              <m:r>
+                                <a:rPr lang="x-IV_mathan" sz="1800">
+                                  <a:effectLst/>
+                                  <a:latin typeface="Cambria Math" panose="02040503050406030204" pitchFamily="18" charset="0"/>
+                                </a:rPr>
+                                <m:t>𝑧</m:t>
+                              </m:r>
+                            </m:e>
+                            <m:sup>
+                              <m:r>
+                                <a:rPr lang="x-IV_mathan" sz="1800">
+                                  <a:effectLst/>
+                                  <a:latin typeface="Cambria Math" panose="02040503050406030204" pitchFamily="18" charset="0"/>
+                                </a:rPr>
+                                <m:t>𝐿</m:t>
+                              </m:r>
+                            </m:sup>
+                          </m:sSup>
+                        </m:den>
+                      </m:f>
+                      <m:r>
+                        <a:rPr lang="x-IV_mathan" sz="1800">
+                          <a:effectLst/>
+                          <a:latin typeface="Cambria Math" panose="02040503050406030204" pitchFamily="18" charset="0"/>
+                        </a:rPr>
+                        <m:t>=</m:t>
+                      </m:r>
+                      <m:r>
+                        <a:rPr lang="x-IV_mathan" sz="1800">
+                          <a:effectLst/>
+                          <a:latin typeface="Cambria Math" panose="02040503050406030204" pitchFamily="18" charset="0"/>
+                        </a:rPr>
+                        <m:t>𝜎</m:t>
+                      </m:r>
+                      <m:r>
+                        <a:rPr lang="x-IV_mathan" sz="1800">
+                          <a:effectLst/>
+                          <a:latin typeface="Cambria Math" panose="02040503050406030204" pitchFamily="18" charset="0"/>
+                        </a:rPr>
+                        <m:t>′(</m:t>
+                      </m:r>
+                      <m:sSup>
+                        <m:sSupPr>
+                          <m:ctrlPr>
+                            <a:rPr lang="x-IV_mathan" sz="1800" i="1">
+                              <a:effectLst/>
+                              <a:latin typeface="Cambria Math" panose="02040503050406030204" pitchFamily="18" charset="0"/>
+                            </a:rPr>
+                          </m:ctrlPr>
+                        </m:sSupPr>
+                        <m:e>
+                          <m:r>
+                            <a:rPr lang="x-IV_mathan" sz="1800">
+                              <a:effectLst/>
+                              <a:latin typeface="Cambria Math" panose="02040503050406030204" pitchFamily="18" charset="0"/>
+                            </a:rPr>
+                            <m:t>𝑧</m:t>
+                          </m:r>
+                        </m:e>
+                        <m:sup>
+                          <m:r>
+                            <a:rPr lang="x-IV_mathan" sz="1800">
+                              <a:effectLst/>
+                              <a:latin typeface="Cambria Math" panose="02040503050406030204" pitchFamily="18" charset="0"/>
+                            </a:rPr>
+                            <m:t>𝐿</m:t>
+                          </m:r>
+                        </m:sup>
+                      </m:sSup>
+                      <m:r>
+                        <a:rPr lang="x-IV_mathan" sz="1800">
+                          <a:effectLst/>
+                          <a:latin typeface="Cambria Math" panose="02040503050406030204" pitchFamily="18" charset="0"/>
+                        </a:rPr>
+                        <m:t>)</m:t>
+                      </m:r>
+                    </m:oMath>
+                  </m:oMathPara>
+                </a14:m>
+                <a:endParaRPr lang="x-IV_mathan" sz="1800" dirty="0">
+                  <a:effectLst/>
+                  <a:latin typeface="Cambria Math" panose="02040503050406030204" pitchFamily="18" charset="0"/>
+                </a:endParaRPr>
+              </a:p>
+              <a:p>
+                <a:pPr marL="0" marR="0" indent="0">
+                  <a:spcBef>
+                    <a:spcPts val="0"/>
+                  </a:spcBef>
+                  <a:spcAft>
+                    <a:spcPts val="0"/>
+                  </a:spcAft>
+                  <a:buNone/>
+                </a:pPr>
+                <a:r>
+                  <a:rPr lang="en-US" sz="1800" dirty="0">
+                    <a:effectLst/>
+                    <a:latin typeface="Cambria Math" panose="02040503050406030204" pitchFamily="18" charset="0"/>
+                  </a:rPr>
+                  <a:t> </a:t>
+                </a:r>
+              </a:p>
+              <a:p>
+                <a:pPr marL="0" marR="0" indent="0">
+                  <a:spcBef>
+                    <a:spcPts val="0"/>
+                  </a:spcBef>
+                  <a:spcAft>
+                    <a:spcPts val="0"/>
+                  </a:spcAft>
+                  <a:buNone/>
+                </a:pPr>
+                <a14:m>
+                  <m:oMathPara xmlns:m="http://schemas.openxmlformats.org/officeDocument/2006/math">
+                    <m:oMathParaPr>
+                      <m:jc m:val="centerGroup"/>
+                    </m:oMathParaPr>
+                    <m:oMath xmlns:m="http://schemas.openxmlformats.org/officeDocument/2006/math">
+                      <m:f>
+                        <m:fPr>
+                          <m:ctrlPr>
+                            <a:rPr lang="x-IV_mathan" sz="1800" i="1">
+                              <a:effectLst/>
+                              <a:latin typeface="Cambria Math" panose="02040503050406030204" pitchFamily="18" charset="0"/>
+                            </a:rPr>
+                          </m:ctrlPr>
+                        </m:fPr>
+                        <m:num>
+                          <m:r>
+                            <a:rPr lang="x-IV_mathan" sz="1800">
+                              <a:effectLst/>
+                              <a:latin typeface="Cambria Math" panose="02040503050406030204" pitchFamily="18" charset="0"/>
+                            </a:rPr>
+                            <m:t>𝜕</m:t>
+                          </m:r>
+                          <m:sSup>
+                            <m:sSupPr>
+                              <m:ctrlPr>
+                                <a:rPr lang="x-IV_mathan" sz="1800" i="1">
+                                  <a:effectLst/>
+                                  <a:latin typeface="Cambria Math" panose="02040503050406030204" pitchFamily="18" charset="0"/>
+                                </a:rPr>
+                              </m:ctrlPr>
+                            </m:sSupPr>
+                            <m:e>
+                              <m:r>
+                                <a:rPr lang="x-IV_mathan" sz="1800">
+                                  <a:effectLst/>
+                                  <a:latin typeface="Cambria Math" panose="02040503050406030204" pitchFamily="18" charset="0"/>
+                                </a:rPr>
+                                <m:t>𝑧</m:t>
+                              </m:r>
+                            </m:e>
+                            <m:sup>
+                              <m:r>
+                                <a:rPr lang="x-IV_mathan" sz="1800">
+                                  <a:effectLst/>
+                                  <a:latin typeface="Cambria Math" panose="02040503050406030204" pitchFamily="18" charset="0"/>
+                                </a:rPr>
+                                <m:t>𝐿</m:t>
+                              </m:r>
+                            </m:sup>
+                          </m:sSup>
+                        </m:num>
+                        <m:den>
+                          <m:r>
+                            <a:rPr lang="x-IV_mathan" sz="1800">
+                              <a:effectLst/>
+                              <a:latin typeface="Cambria Math" panose="02040503050406030204" pitchFamily="18" charset="0"/>
+                            </a:rPr>
+                            <m:t>𝜕</m:t>
+                          </m:r>
+                          <m:sSup>
+                            <m:sSupPr>
+                              <m:ctrlPr>
+                                <a:rPr lang="x-IV_mathan" sz="1800" i="1">
+                                  <a:effectLst/>
+                                  <a:latin typeface="Cambria Math" panose="02040503050406030204" pitchFamily="18" charset="0"/>
+                                </a:rPr>
+                              </m:ctrlPr>
+                            </m:sSupPr>
+                            <m:e>
+                              <m:r>
+                                <a:rPr lang="x-IV_mathan" sz="1800">
+                                  <a:effectLst/>
+                                  <a:latin typeface="Cambria Math" panose="02040503050406030204" pitchFamily="18" charset="0"/>
+                                </a:rPr>
+                                <m:t>𝑤</m:t>
+                              </m:r>
+                            </m:e>
+                            <m:sup>
+                              <m:r>
+                                <a:rPr lang="x-IV_mathan" sz="1800">
+                                  <a:effectLst/>
+                                  <a:latin typeface="Cambria Math" panose="02040503050406030204" pitchFamily="18" charset="0"/>
+                                </a:rPr>
+                                <m:t>𝐿</m:t>
+                              </m:r>
+                            </m:sup>
+                          </m:sSup>
+                        </m:den>
+                      </m:f>
+                      <m:r>
+                        <a:rPr lang="x-IV_mathan" sz="1800">
+                          <a:effectLst/>
+                          <a:latin typeface="Cambria Math" panose="02040503050406030204" pitchFamily="18" charset="0"/>
+                        </a:rPr>
+                        <m:t>=</m:t>
+                      </m:r>
+                      <m:sSup>
+                        <m:sSupPr>
+                          <m:ctrlPr>
+                            <a:rPr lang="x-IV_mathan" sz="1800" i="1">
+                              <a:effectLst/>
+                              <a:latin typeface="Cambria Math" panose="02040503050406030204" pitchFamily="18" charset="0"/>
+                            </a:rPr>
+                          </m:ctrlPr>
+                        </m:sSupPr>
+                        <m:e>
+                          <m:r>
+                            <a:rPr lang="x-IV_mathan" sz="1800">
+                              <a:effectLst/>
+                              <a:latin typeface="Cambria Math" panose="02040503050406030204" pitchFamily="18" charset="0"/>
+                            </a:rPr>
+                            <m:t>𝑎</m:t>
+                          </m:r>
+                        </m:e>
+                        <m:sup>
+                          <m:r>
+                            <a:rPr lang="x-IV_mathan" sz="1800">
+                              <a:effectLst/>
+                              <a:latin typeface="Cambria Math" panose="02040503050406030204" pitchFamily="18" charset="0"/>
+                            </a:rPr>
+                            <m:t>𝐿</m:t>
+                          </m:r>
+                          <m:r>
+                            <a:rPr lang="x-IV_mathan" sz="1800">
+                              <a:effectLst/>
+                              <a:latin typeface="Cambria Math" panose="02040503050406030204" pitchFamily="18" charset="0"/>
+                            </a:rPr>
+                            <m:t>−1</m:t>
+                          </m:r>
+                        </m:sup>
+                      </m:sSup>
+                    </m:oMath>
+                  </m:oMathPara>
+                </a14:m>
+                <a:endParaRPr lang="x-IV_mathan" sz="1800" dirty="0">
+                  <a:effectLst/>
+                  <a:latin typeface="Cambria Math" panose="02040503050406030204" pitchFamily="18" charset="0"/>
+                </a:endParaRPr>
+              </a:p>
+              <a:p>
+                <a:endParaRPr lang="hu-HU" dirty="0"/>
+              </a:p>
+            </p:txBody>
+          </p:sp>
+        </mc:Choice>
+        <mc:Fallback xmlns="">
+          <p:sp>
+            <p:nvSpPr>
+              <p:cNvPr id="3" name="Tartalom helye 2">
+                <a:extLst>
+                  <a:ext uri="{FF2B5EF4-FFF2-40B4-BE49-F238E27FC236}">
+                    <a16:creationId xmlns:a16="http://schemas.microsoft.com/office/drawing/2014/main" id="{5C39126D-3354-69EF-421E-59A1B88542D9}"/>
+                  </a:ext>
+                </a:extLst>
+              </p:cNvPr>
+              <p:cNvSpPr>
+                <a:spLocks noGrp="1" noRot="1" noChangeAspect="1" noMove="1" noResize="1" noEditPoints="1" noAdjustHandles="1" noChangeArrowheads="1" noChangeShapeType="1" noTextEdit="1"/>
+              </p:cNvSpPr>
+              <p:nvPr>
+                <p:ph idx="1"/>
+              </p:nvPr>
+            </p:nvSpPr>
+            <p:spPr>
+              <a:blipFill>
+                <a:blip r:embed="rId2"/>
+                <a:stretch>
+                  <a:fillRect/>
+                </a:stretch>
+              </a:blipFill>
+            </p:spPr>
+            <p:txBody>
+              <a:bodyPr/>
+              <a:lstStyle/>
+              <a:p>
+                <a:r>
+                  <a:rPr lang="hu-HU">
+                    <a:noFill/>
+                  </a:rPr>
+                  <a:t> </a:t>
+                </a:r>
+              </a:p>
+            </p:txBody>
+          </p:sp>
+        </mc:Fallback>
+      </mc:AlternateContent>
+    </p:spTree>
+    <p:extLst>
+      <p:ext uri="{BB962C8B-B14F-4D97-AF65-F5344CB8AC3E}">
+        <p14:creationId xmlns:p14="http://schemas.microsoft.com/office/powerpoint/2010/main" val="484320978"/>
+      </p:ext>
+    </p:extLst>
+  </p:cSld>
+  <p:clrMapOvr>
+    <a:masterClrMapping/>
+  </p:clrMapOvr>
+</p:sld>
+</file>
+
+<file path=ppt/slides/slide16.xml><?xml version="1.0" encoding="utf-8"?>
+<p:sld xmlns:a="http://schemas.openxmlformats.org/drawingml/2006/main" xmlns:r="http://schemas.openxmlformats.org/officeDocument/2006/relationships" xmlns:p="http://schemas.openxmlformats.org/presentationml/2006/main">
+  <p:cSld>
+    <p:spTree>
+      <p:nvGrpSpPr>
+        <p:cNvPr id="1" name=""/>
+        <p:cNvGrpSpPr/>
+        <p:nvPr/>
+      </p:nvGrpSpPr>
+      <p:grpSpPr>
+        <a:xfrm>
+          <a:off x="0" y="0"/>
+          <a:ext cx="0" cy="0"/>
+          <a:chOff x="0" y="0"/>
+          <a:chExt cx="0" cy="0"/>
+        </a:xfrm>
+      </p:grpSpPr>
+      <p:sp>
+        <p:nvSpPr>
+          <p:cNvPr id="2" name="Cím 1">
+            <a:extLst>
+              <a:ext uri="{FF2B5EF4-FFF2-40B4-BE49-F238E27FC236}">
+                <a16:creationId xmlns:a16="http://schemas.microsoft.com/office/drawing/2014/main" id="{ABC2D960-A842-C0CE-2A28-608FC323F45B}"/>
+              </a:ext>
+            </a:extLst>
+          </p:cNvPr>
+          <p:cNvSpPr>
+            <a:spLocks noGrp="1"/>
+          </p:cNvSpPr>
+          <p:nvPr>
+            <p:ph type="title"/>
+          </p:nvPr>
+        </p:nvSpPr>
+        <p:spPr/>
+        <p:txBody>
+          <a:bodyPr/>
+          <a:lstStyle/>
+          <a:p>
+            <a:r>
+              <a:rPr lang="en-US" dirty="0"/>
+              <a:t>The values referred to error</a:t>
+            </a:r>
+            <a:endParaRPr lang="hu-HU" dirty="0"/>
+          </a:p>
+        </p:txBody>
+      </p:sp>
+      <mc:AlternateContent xmlns:mc="http://schemas.openxmlformats.org/markup-compatibility/2006" xmlns:a14="http://schemas.microsoft.com/office/drawing/2010/main">
+        <mc:Choice Requires="a14">
+          <p:sp>
+            <p:nvSpPr>
+              <p:cNvPr id="3" name="Tartalom helye 2">
+                <a:extLst>
+                  <a:ext uri="{FF2B5EF4-FFF2-40B4-BE49-F238E27FC236}">
+                    <a16:creationId xmlns:a16="http://schemas.microsoft.com/office/drawing/2014/main" id="{67FC3984-968B-63E4-468A-E54D0AAB9C5D}"/>
+                  </a:ext>
+                </a:extLst>
+              </p:cNvPr>
+              <p:cNvSpPr>
+                <a:spLocks noGrp="1"/>
+              </p:cNvSpPr>
+              <p:nvPr>
+                <p:ph idx="1"/>
+              </p:nvPr>
+            </p:nvSpPr>
+            <p:spPr/>
+            <p:txBody>
+              <a:bodyPr/>
+              <a:lstStyle/>
+              <a:p>
+                <a:pPr marL="0" marR="0" indent="0">
+                  <a:spcBef>
+                    <a:spcPts val="0"/>
+                  </a:spcBef>
+                  <a:spcAft>
+                    <a:spcPts val="0"/>
+                  </a:spcAft>
+                  <a:buNone/>
+                </a:pPr>
+                <a:br>
+                  <a:rPr lang="en-US" sz="1800" dirty="0">
+                    <a:effectLst/>
+                    <a:latin typeface="Calibri" panose="020F0502020204030204" pitchFamily="34" charset="0"/>
+                  </a:rPr>
+                </a:br>
+                <a14:m>
+                  <m:oMathPara xmlns:m="http://schemas.openxmlformats.org/officeDocument/2006/math">
+                    <m:oMathParaPr>
+                      <m:jc m:val="centerGroup"/>
+                    </m:oMathParaPr>
+                    <m:oMath xmlns:m="http://schemas.openxmlformats.org/officeDocument/2006/math">
+                      <m:f>
+                        <m:fPr>
+                          <m:ctrlPr>
+                            <a:rPr lang="x-IV_mathan" sz="1800" i="1" smtClean="0">
+                              <a:effectLst/>
+                              <a:latin typeface="Cambria Math" panose="02040503050406030204" pitchFamily="18" charset="0"/>
+                            </a:rPr>
+                          </m:ctrlPr>
+                        </m:fPr>
+                        <m:num>
+                          <m:r>
+                            <a:rPr lang="x-IV_mathan" sz="1800" i="1">
+                              <a:effectLst/>
+                              <a:latin typeface="Cambria Math" panose="02040503050406030204" pitchFamily="18" charset="0"/>
+                            </a:rPr>
+                            <m:t>𝜕</m:t>
+                          </m:r>
+                          <m:sSub>
+                            <m:sSubPr>
+                              <m:ctrlPr>
+                                <a:rPr lang="x-IV_mathan" sz="1800" i="1">
+                                  <a:effectLst/>
+                                  <a:latin typeface="Cambria Math" panose="02040503050406030204" pitchFamily="18" charset="0"/>
+                                </a:rPr>
+                              </m:ctrlPr>
+                            </m:sSubPr>
+                            <m:e>
+                              <m:r>
+                                <a:rPr lang="x-IV_mathan" sz="1800">
+                                  <a:effectLst/>
+                                  <a:latin typeface="Cambria Math" panose="02040503050406030204" pitchFamily="18" charset="0"/>
+                                </a:rPr>
+                                <m:t>𝐶</m:t>
+                              </m:r>
+                            </m:e>
+                            <m:sub>
+                              <m:r>
+                                <a:rPr lang="x-IV_mathan" sz="1800">
+                                  <a:effectLst/>
+                                  <a:latin typeface="Cambria Math" panose="02040503050406030204" pitchFamily="18" charset="0"/>
+                                </a:rPr>
+                                <m:t>0</m:t>
+                              </m:r>
+                            </m:sub>
+                          </m:sSub>
+                        </m:num>
+                        <m:den>
+                          <m:r>
+                            <a:rPr lang="x-IV_mathan" sz="1800">
+                              <a:effectLst/>
+                              <a:latin typeface="Cambria Math" panose="02040503050406030204" pitchFamily="18" charset="0"/>
+                            </a:rPr>
+                            <m:t>𝜕</m:t>
+                          </m:r>
+                          <m:sSup>
+                            <m:sSupPr>
+                              <m:ctrlPr>
+                                <a:rPr lang="x-IV_mathan" sz="1800" i="1">
+                                  <a:effectLst/>
+                                  <a:latin typeface="Cambria Math" panose="02040503050406030204" pitchFamily="18" charset="0"/>
+                                </a:rPr>
+                              </m:ctrlPr>
+                            </m:sSupPr>
+                            <m:e>
+                              <m:r>
+                                <a:rPr lang="x-IV_mathan" sz="1800">
+                                  <a:effectLst/>
+                                  <a:latin typeface="Cambria Math" panose="02040503050406030204" pitchFamily="18" charset="0"/>
+                                </a:rPr>
+                                <m:t>𝑤</m:t>
+                              </m:r>
+                            </m:e>
+                            <m:sup>
+                              <m:r>
+                                <a:rPr lang="x-IV_mathan" sz="1800">
+                                  <a:effectLst/>
+                                  <a:latin typeface="Cambria Math" panose="02040503050406030204" pitchFamily="18" charset="0"/>
+                                </a:rPr>
+                                <m:t>𝐿</m:t>
+                              </m:r>
+                            </m:sup>
+                          </m:sSup>
+                        </m:den>
+                      </m:f>
+                      <m:r>
+                        <a:rPr lang="x-IV_mathan" sz="1800">
+                          <a:effectLst/>
+                          <a:latin typeface="Cambria Math" panose="02040503050406030204" pitchFamily="18" charset="0"/>
+                        </a:rPr>
+                        <m:t>=</m:t>
+                      </m:r>
+                      <m:r>
+                        <a:rPr lang="x-IV_mathan" sz="1800" i="1">
+                          <a:effectLst/>
+                          <a:latin typeface="Cambria Math" panose="02040503050406030204" pitchFamily="18" charset="0"/>
+                        </a:rPr>
+                        <m:t> </m:t>
+                      </m:r>
+                      <m:f>
+                        <m:fPr>
+                          <m:ctrlPr>
+                            <a:rPr lang="x-IV_mathan" sz="1800" i="1">
+                              <a:effectLst/>
+                              <a:latin typeface="Cambria Math" panose="02040503050406030204" pitchFamily="18" charset="0"/>
+                            </a:rPr>
+                          </m:ctrlPr>
+                        </m:fPr>
+                        <m:num>
+                          <m:r>
+                            <a:rPr lang="x-IV_mathan" sz="1800">
+                              <a:effectLst/>
+                              <a:latin typeface="Cambria Math" panose="02040503050406030204" pitchFamily="18" charset="0"/>
+                            </a:rPr>
+                            <m:t>𝜕</m:t>
+                          </m:r>
+                          <m:sSup>
+                            <m:sSupPr>
+                              <m:ctrlPr>
+                                <a:rPr lang="x-IV_mathan" sz="1800" i="1">
+                                  <a:effectLst/>
+                                  <a:latin typeface="Cambria Math" panose="02040503050406030204" pitchFamily="18" charset="0"/>
+                                </a:rPr>
+                              </m:ctrlPr>
+                            </m:sSupPr>
+                            <m:e>
+                              <m:r>
+                                <a:rPr lang="x-IV_mathan" sz="1800">
+                                  <a:effectLst/>
+                                  <a:latin typeface="Cambria Math" panose="02040503050406030204" pitchFamily="18" charset="0"/>
+                                </a:rPr>
+                                <m:t>𝑧</m:t>
+                              </m:r>
+                            </m:e>
+                            <m:sup>
+                              <m:r>
+                                <a:rPr lang="x-IV_mathan" sz="1800">
+                                  <a:effectLst/>
+                                  <a:latin typeface="Cambria Math" panose="02040503050406030204" pitchFamily="18" charset="0"/>
+                                </a:rPr>
+                                <m:t>𝐿</m:t>
+                              </m:r>
+                            </m:sup>
+                          </m:sSup>
+                        </m:num>
+                        <m:den>
+                          <m:r>
+                            <a:rPr lang="x-IV_mathan" sz="1800">
+                              <a:effectLst/>
+                              <a:latin typeface="Cambria Math" panose="02040503050406030204" pitchFamily="18" charset="0"/>
+                            </a:rPr>
+                            <m:t>𝜕</m:t>
+                          </m:r>
+                          <m:sSup>
+                            <m:sSupPr>
+                              <m:ctrlPr>
+                                <a:rPr lang="x-IV_mathan" sz="1800" i="1">
+                                  <a:effectLst/>
+                                  <a:latin typeface="Cambria Math" panose="02040503050406030204" pitchFamily="18" charset="0"/>
+                                </a:rPr>
+                              </m:ctrlPr>
+                            </m:sSupPr>
+                            <m:e>
+                              <m:r>
+                                <a:rPr lang="x-IV_mathan" sz="1800">
+                                  <a:effectLst/>
+                                  <a:latin typeface="Cambria Math" panose="02040503050406030204" pitchFamily="18" charset="0"/>
+                                </a:rPr>
+                                <m:t>𝑤</m:t>
+                              </m:r>
+                            </m:e>
+                            <m:sup>
+                              <m:r>
+                                <a:rPr lang="x-IV_mathan" sz="1800">
+                                  <a:effectLst/>
+                                  <a:latin typeface="Cambria Math" panose="02040503050406030204" pitchFamily="18" charset="0"/>
+                                </a:rPr>
+                                <m:t>𝐿</m:t>
+                              </m:r>
+                            </m:sup>
+                          </m:sSup>
+                        </m:den>
+                      </m:f>
+                      <m:r>
+                        <a:rPr lang="x-IV_mathan" sz="1800" i="1">
+                          <a:effectLst/>
+                          <a:latin typeface="Cambria Math" panose="02040503050406030204" pitchFamily="18" charset="0"/>
+                        </a:rPr>
+                        <m:t> </m:t>
+                      </m:r>
+                      <m:f>
+                        <m:fPr>
+                          <m:ctrlPr>
+                            <a:rPr lang="x-IV_mathan" sz="1800" i="1">
+                              <a:effectLst/>
+                              <a:latin typeface="Cambria Math" panose="02040503050406030204" pitchFamily="18" charset="0"/>
+                            </a:rPr>
+                          </m:ctrlPr>
+                        </m:fPr>
+                        <m:num>
+                          <m:r>
+                            <a:rPr lang="x-IV_mathan" sz="1800">
+                              <a:effectLst/>
+                              <a:latin typeface="Cambria Math" panose="02040503050406030204" pitchFamily="18" charset="0"/>
+                            </a:rPr>
+                            <m:t>𝜕</m:t>
+                          </m:r>
+                          <m:sSup>
+                            <m:sSupPr>
+                              <m:ctrlPr>
+                                <a:rPr lang="x-IV_mathan" sz="1800" i="1">
+                                  <a:effectLst/>
+                                  <a:latin typeface="Cambria Math" panose="02040503050406030204" pitchFamily="18" charset="0"/>
+                                </a:rPr>
+                              </m:ctrlPr>
+                            </m:sSupPr>
+                            <m:e>
+                              <m:r>
+                                <a:rPr lang="x-IV_mathan" sz="1800">
+                                  <a:effectLst/>
+                                  <a:latin typeface="Cambria Math" panose="02040503050406030204" pitchFamily="18" charset="0"/>
+                                </a:rPr>
+                                <m:t>𝑎</m:t>
+                              </m:r>
+                            </m:e>
+                            <m:sup>
+                              <m:r>
+                                <a:rPr lang="x-IV_mathan" sz="1800">
+                                  <a:effectLst/>
+                                  <a:latin typeface="Cambria Math" panose="02040503050406030204" pitchFamily="18" charset="0"/>
+                                </a:rPr>
+                                <m:t>𝐿</m:t>
+                              </m:r>
+                            </m:sup>
+                          </m:sSup>
+                        </m:num>
+                        <m:den>
+                          <m:r>
+                            <a:rPr lang="x-IV_mathan" sz="1800">
+                              <a:effectLst/>
+                              <a:latin typeface="Cambria Math" panose="02040503050406030204" pitchFamily="18" charset="0"/>
+                            </a:rPr>
+                            <m:t>𝜕</m:t>
+                          </m:r>
+                          <m:sSup>
+                            <m:sSupPr>
+                              <m:ctrlPr>
+                                <a:rPr lang="x-IV_mathan" sz="1800" i="1">
+                                  <a:effectLst/>
+                                  <a:latin typeface="Cambria Math" panose="02040503050406030204" pitchFamily="18" charset="0"/>
+                                </a:rPr>
+                              </m:ctrlPr>
+                            </m:sSupPr>
+                            <m:e>
+                              <m:r>
+                                <a:rPr lang="x-IV_mathan" sz="1800">
+                                  <a:effectLst/>
+                                  <a:latin typeface="Cambria Math" panose="02040503050406030204" pitchFamily="18" charset="0"/>
+                                </a:rPr>
+                                <m:t>𝑧</m:t>
+                              </m:r>
+                            </m:e>
+                            <m:sup>
+                              <m:r>
+                                <a:rPr lang="x-IV_mathan" sz="1800">
+                                  <a:effectLst/>
+                                  <a:latin typeface="Cambria Math" panose="02040503050406030204" pitchFamily="18" charset="0"/>
+                                </a:rPr>
+                                <m:t>𝐿</m:t>
+                              </m:r>
+                            </m:sup>
+                          </m:sSup>
+                        </m:den>
+                      </m:f>
+                      <m:r>
+                        <a:rPr lang="x-IV_mathan" sz="1800" i="1">
+                          <a:effectLst/>
+                          <a:latin typeface="Cambria Math" panose="02040503050406030204" pitchFamily="18" charset="0"/>
+                        </a:rPr>
+                        <m:t> </m:t>
+                      </m:r>
+                      <m:f>
+                        <m:fPr>
+                          <m:ctrlPr>
+                            <a:rPr lang="x-IV_mathan" sz="1800" i="1">
+                              <a:effectLst/>
+                              <a:latin typeface="Cambria Math" panose="02040503050406030204" pitchFamily="18" charset="0"/>
+                            </a:rPr>
+                          </m:ctrlPr>
+                        </m:fPr>
+                        <m:num>
+                          <m:r>
+                            <a:rPr lang="x-IV_mathan" sz="1800">
+                              <a:effectLst/>
+                              <a:latin typeface="Cambria Math" panose="02040503050406030204" pitchFamily="18" charset="0"/>
+                            </a:rPr>
+                            <m:t>𝜕</m:t>
+                          </m:r>
+                          <m:sSub>
+                            <m:sSubPr>
+                              <m:ctrlPr>
+                                <a:rPr lang="x-IV_mathan" sz="1800" i="1">
+                                  <a:effectLst/>
+                                  <a:latin typeface="Cambria Math" panose="02040503050406030204" pitchFamily="18" charset="0"/>
+                                </a:rPr>
+                              </m:ctrlPr>
+                            </m:sSubPr>
+                            <m:e>
+                              <m:r>
+                                <a:rPr lang="x-IV_mathan" sz="1800">
+                                  <a:effectLst/>
+                                  <a:latin typeface="Cambria Math" panose="02040503050406030204" pitchFamily="18" charset="0"/>
+                                </a:rPr>
+                                <m:t>𝐶</m:t>
+                              </m:r>
+                            </m:e>
+                            <m:sub>
+                              <m:r>
+                                <a:rPr lang="x-IV_mathan" sz="1800">
+                                  <a:effectLst/>
+                                  <a:latin typeface="Cambria Math" panose="02040503050406030204" pitchFamily="18" charset="0"/>
+                                </a:rPr>
+                                <m:t>0</m:t>
+                              </m:r>
+                            </m:sub>
+                          </m:sSub>
+                        </m:num>
+                        <m:den>
+                          <m:r>
+                            <a:rPr lang="x-IV_mathan" sz="1800">
+                              <a:effectLst/>
+                              <a:latin typeface="Cambria Math" panose="02040503050406030204" pitchFamily="18" charset="0"/>
+                            </a:rPr>
+                            <m:t>𝜕</m:t>
+                          </m:r>
+                          <m:sSup>
+                            <m:sSupPr>
+                              <m:ctrlPr>
+                                <a:rPr lang="x-IV_mathan" sz="1800" i="1">
+                                  <a:effectLst/>
+                                  <a:latin typeface="Cambria Math" panose="02040503050406030204" pitchFamily="18" charset="0"/>
+                                </a:rPr>
+                              </m:ctrlPr>
+                            </m:sSupPr>
+                            <m:e>
+                              <m:r>
+                                <a:rPr lang="x-IV_mathan" sz="1800">
+                                  <a:effectLst/>
+                                  <a:latin typeface="Cambria Math" panose="02040503050406030204" pitchFamily="18" charset="0"/>
+                                </a:rPr>
+                                <m:t>𝑎</m:t>
+                              </m:r>
+                            </m:e>
+                            <m:sup>
+                              <m:r>
+                                <a:rPr lang="x-IV_mathan" sz="1800">
+                                  <a:effectLst/>
+                                  <a:latin typeface="Cambria Math" panose="02040503050406030204" pitchFamily="18" charset="0"/>
+                                </a:rPr>
+                                <m:t>𝐿</m:t>
+                              </m:r>
+                            </m:sup>
+                          </m:sSup>
+                        </m:den>
+                      </m:f>
+                      <m:r>
+                        <a:rPr lang="x-IV_mathan" sz="1800">
+                          <a:effectLst/>
+                          <a:latin typeface="Cambria Math" panose="02040503050406030204" pitchFamily="18" charset="0"/>
+                        </a:rPr>
+                        <m:t>=</m:t>
+                      </m:r>
+                      <m:r>
+                        <a:rPr lang="x-IV_mathan" sz="1800" i="1">
+                          <a:effectLst/>
+                          <a:latin typeface="Cambria Math" panose="02040503050406030204" pitchFamily="18" charset="0"/>
+                        </a:rPr>
+                        <m:t> </m:t>
+                      </m:r>
+                      <m:sSup>
+                        <m:sSupPr>
+                          <m:ctrlPr>
+                            <a:rPr lang="x-IV_mathan" sz="1800" i="1">
+                              <a:effectLst/>
+                              <a:latin typeface="Cambria Math" panose="02040503050406030204" pitchFamily="18" charset="0"/>
+                            </a:rPr>
+                          </m:ctrlPr>
+                        </m:sSupPr>
+                        <m:e>
+                          <m:r>
+                            <a:rPr lang="x-IV_mathan" sz="1800">
+                              <a:effectLst/>
+                              <a:latin typeface="Cambria Math" panose="02040503050406030204" pitchFamily="18" charset="0"/>
+                            </a:rPr>
+                            <m:t>𝑎</m:t>
+                          </m:r>
+                        </m:e>
+                        <m:sup>
+                          <m:r>
+                            <a:rPr lang="x-IV_mathan" sz="1800">
+                              <a:effectLst/>
+                              <a:latin typeface="Cambria Math" panose="02040503050406030204" pitchFamily="18" charset="0"/>
+                            </a:rPr>
+                            <m:t>𝐿</m:t>
+                          </m:r>
+                          <m:r>
+                            <a:rPr lang="x-IV_mathan" sz="1800">
+                              <a:effectLst/>
+                              <a:latin typeface="Cambria Math" panose="02040503050406030204" pitchFamily="18" charset="0"/>
+                            </a:rPr>
+                            <m:t>−1</m:t>
+                          </m:r>
+                          <m:r>
+                            <a:rPr lang="x-IV_mathan" sz="1800" i="1">
+                              <a:effectLst/>
+                              <a:latin typeface="Cambria Math" panose="02040503050406030204" pitchFamily="18" charset="0"/>
+                            </a:rPr>
+                            <m:t> </m:t>
+                          </m:r>
+                        </m:sup>
+                      </m:sSup>
+                      <m:sSup>
+                        <m:sSupPr>
+                          <m:ctrlPr>
+                            <a:rPr lang="x-IV_mathan" sz="1800" i="1">
+                              <a:effectLst/>
+                              <a:latin typeface="Cambria Math" panose="02040503050406030204" pitchFamily="18" charset="0"/>
+                            </a:rPr>
+                          </m:ctrlPr>
+                        </m:sSupPr>
+                        <m:e>
+                          <m:r>
+                            <a:rPr lang="x-IV_mathan" sz="1800">
+                              <a:effectLst/>
+                              <a:latin typeface="Cambria Math" panose="02040503050406030204" pitchFamily="18" charset="0"/>
+                            </a:rPr>
+                            <m:t>𝜎</m:t>
+                          </m:r>
+                        </m:e>
+                        <m:sup>
+                          <m:r>
+                            <a:rPr lang="x-IV_mathan" sz="1800">
+                              <a:effectLst/>
+                              <a:latin typeface="Cambria Math" panose="02040503050406030204" pitchFamily="18" charset="0"/>
+                            </a:rPr>
+                            <m:t>′</m:t>
+                          </m:r>
+                        </m:sup>
+                      </m:sSup>
+                      <m:d>
+                        <m:dPr>
+                          <m:ctrlPr>
+                            <a:rPr lang="x-IV_mathan" sz="1800" i="1">
+                              <a:effectLst/>
+                              <a:latin typeface="Cambria Math" panose="02040503050406030204" pitchFamily="18" charset="0"/>
+                            </a:rPr>
+                          </m:ctrlPr>
+                        </m:dPr>
+                        <m:e>
+                          <m:sSup>
+                            <m:sSupPr>
+                              <m:ctrlPr>
+                                <a:rPr lang="x-IV_mathan" sz="1800" i="1">
+                                  <a:effectLst/>
+                                  <a:latin typeface="Cambria Math" panose="02040503050406030204" pitchFamily="18" charset="0"/>
+                                </a:rPr>
+                              </m:ctrlPr>
+                            </m:sSupPr>
+                            <m:e>
+                              <m:r>
+                                <a:rPr lang="x-IV_mathan" sz="1800">
+                                  <a:effectLst/>
+                                  <a:latin typeface="Cambria Math" panose="02040503050406030204" pitchFamily="18" charset="0"/>
+                                </a:rPr>
+                                <m:t>𝑧</m:t>
+                              </m:r>
+                            </m:e>
+                            <m:sup>
+                              <m:r>
+                                <a:rPr lang="x-IV_mathan" sz="1800">
+                                  <a:effectLst/>
+                                  <a:latin typeface="Cambria Math" panose="02040503050406030204" pitchFamily="18" charset="0"/>
+                                </a:rPr>
+                                <m:t>𝐿</m:t>
+                              </m:r>
+                            </m:sup>
+                          </m:sSup>
+                        </m:e>
+                      </m:d>
+                      <m:d>
+                        <m:dPr>
+                          <m:ctrlPr>
+                            <a:rPr lang="x-IV_mathan" sz="1800" i="1">
+                              <a:effectLst/>
+                              <a:latin typeface="Cambria Math" panose="02040503050406030204" pitchFamily="18" charset="0"/>
+                            </a:rPr>
+                          </m:ctrlPr>
+                        </m:dPr>
+                        <m:e>
+                          <m:sSup>
+                            <m:sSupPr>
+                              <m:ctrlPr>
+                                <a:rPr lang="x-IV_mathan" sz="1800" i="1">
+                                  <a:effectLst/>
+                                  <a:latin typeface="Cambria Math" panose="02040503050406030204" pitchFamily="18" charset="0"/>
+                                </a:rPr>
+                              </m:ctrlPr>
+                            </m:sSupPr>
+                            <m:e>
+                              <m:r>
+                                <a:rPr lang="x-IV_mathan" sz="1800">
+                                  <a:effectLst/>
+                                  <a:latin typeface="Cambria Math" panose="02040503050406030204" pitchFamily="18" charset="0"/>
+                                </a:rPr>
+                                <m:t>𝑎</m:t>
+                              </m:r>
+                            </m:e>
+                            <m:sup>
+                              <m:r>
+                                <a:rPr lang="x-IV_mathan" sz="1800">
+                                  <a:effectLst/>
+                                  <a:latin typeface="Cambria Math" panose="02040503050406030204" pitchFamily="18" charset="0"/>
+                                </a:rPr>
+                                <m:t>𝐿</m:t>
+                              </m:r>
+                            </m:sup>
+                          </m:sSup>
+                          <m:r>
+                            <a:rPr lang="x-IV_mathan" sz="1800">
+                              <a:effectLst/>
+                              <a:latin typeface="Cambria Math" panose="02040503050406030204" pitchFamily="18" charset="0"/>
+                            </a:rPr>
+                            <m:t>−</m:t>
+                          </m:r>
+                          <m:r>
+                            <a:rPr lang="x-IV_mathan" sz="1800">
+                              <a:effectLst/>
+                              <a:latin typeface="Cambria Math" panose="02040503050406030204" pitchFamily="18" charset="0"/>
+                            </a:rPr>
+                            <m:t>𝑦</m:t>
+                          </m:r>
+                        </m:e>
+                      </m:d>
+                    </m:oMath>
+                  </m:oMathPara>
+                </a14:m>
+                <a:endParaRPr lang="en-US" dirty="0"/>
+              </a:p>
+              <a:p>
+                <a:pPr marL="0" marR="0" indent="0">
+                  <a:spcBef>
+                    <a:spcPts val="0"/>
+                  </a:spcBef>
+                  <a:spcAft>
+                    <a:spcPts val="0"/>
+                  </a:spcAft>
+                  <a:buNone/>
+                </a:pPr>
+                <a:endParaRPr lang="en-US" dirty="0"/>
+              </a:p>
+              <a:p>
+                <a:pPr marL="0" indent="0">
+                  <a:spcBef>
+                    <a:spcPts val="0"/>
+                  </a:spcBef>
+                  <a:buNone/>
+                </a:pPr>
+                <a14:m>
+                  <m:oMathPara xmlns:m="http://schemas.openxmlformats.org/officeDocument/2006/math">
+                    <m:oMathParaPr>
+                      <m:jc m:val="centerGroup"/>
+                    </m:oMathParaPr>
+                    <m:oMath xmlns:m="http://schemas.openxmlformats.org/officeDocument/2006/math">
+                      <m:f>
+                        <m:fPr>
+                          <m:ctrlPr>
+                            <a:rPr lang="x-IV_mathan" sz="1800" i="1" smtClean="0">
+                              <a:effectLst/>
+                              <a:latin typeface="Cambria Math" panose="02040503050406030204" pitchFamily="18" charset="0"/>
+                            </a:rPr>
+                          </m:ctrlPr>
+                        </m:fPr>
+                        <m:num>
+                          <m:r>
+                            <a:rPr lang="x-IV_mathan" sz="1800" i="1">
+                              <a:effectLst/>
+                              <a:latin typeface="Cambria Math" panose="02040503050406030204" pitchFamily="18" charset="0"/>
+                            </a:rPr>
+                            <m:t>𝜕</m:t>
+                          </m:r>
+                          <m:sSub>
+                            <m:sSubPr>
+                              <m:ctrlPr>
+                                <a:rPr lang="x-IV_mathan" sz="1800" i="1">
+                                  <a:effectLst/>
+                                  <a:latin typeface="Cambria Math" panose="02040503050406030204" pitchFamily="18" charset="0"/>
+                                </a:rPr>
+                              </m:ctrlPr>
+                            </m:sSubPr>
+                            <m:e>
+                              <m:r>
+                                <a:rPr lang="x-IV_mathan" sz="1800">
+                                  <a:effectLst/>
+                                  <a:latin typeface="Cambria Math" panose="02040503050406030204" pitchFamily="18" charset="0"/>
+                                </a:rPr>
+                                <m:t>𝐶</m:t>
+                              </m:r>
+                            </m:e>
+                            <m:sub>
+                              <m:r>
+                                <a:rPr lang="x-IV_mathan" sz="1800">
+                                  <a:effectLst/>
+                                  <a:latin typeface="Cambria Math" panose="02040503050406030204" pitchFamily="18" charset="0"/>
+                                </a:rPr>
+                                <m:t>0</m:t>
+                              </m:r>
+                            </m:sub>
+                          </m:sSub>
+                        </m:num>
+                        <m:den>
+                          <m:r>
+                            <a:rPr lang="x-IV_mathan" sz="1800">
+                              <a:effectLst/>
+                              <a:latin typeface="Cambria Math" panose="02040503050406030204" pitchFamily="18" charset="0"/>
+                            </a:rPr>
+                            <m:t>𝜕</m:t>
+                          </m:r>
+                          <m:sSup>
+                            <m:sSupPr>
+                              <m:ctrlPr>
+                                <a:rPr lang="x-IV_mathan" sz="1800" i="1">
+                                  <a:effectLst/>
+                                  <a:latin typeface="Cambria Math" panose="02040503050406030204" pitchFamily="18" charset="0"/>
+                                </a:rPr>
+                              </m:ctrlPr>
+                            </m:sSupPr>
+                            <m:e>
+                              <m:r>
+                                <a:rPr lang="x-IV_mathan" sz="1800">
+                                  <a:effectLst/>
+                                  <a:latin typeface="Cambria Math" panose="02040503050406030204" pitchFamily="18" charset="0"/>
+                                </a:rPr>
+                                <m:t>𝑏</m:t>
+                              </m:r>
+                            </m:e>
+                            <m:sup>
+                              <m:r>
+                                <a:rPr lang="x-IV_mathan" sz="1800">
+                                  <a:effectLst/>
+                                  <a:latin typeface="Cambria Math" panose="02040503050406030204" pitchFamily="18" charset="0"/>
+                                </a:rPr>
+                                <m:t>𝐿</m:t>
+                              </m:r>
+                            </m:sup>
+                          </m:sSup>
+                        </m:den>
+                      </m:f>
+                      <m:r>
+                        <a:rPr lang="x-IV_mathan" sz="1800">
+                          <a:effectLst/>
+                          <a:latin typeface="Cambria Math" panose="02040503050406030204" pitchFamily="18" charset="0"/>
+                        </a:rPr>
+                        <m:t>=</m:t>
+                      </m:r>
+                      <m:r>
+                        <a:rPr lang="x-IV_mathan" sz="1800" i="1">
+                          <a:effectLst/>
+                          <a:latin typeface="Cambria Math" panose="02040503050406030204" pitchFamily="18" charset="0"/>
+                        </a:rPr>
+                        <m:t> </m:t>
+                      </m:r>
+                      <m:f>
+                        <m:fPr>
+                          <m:ctrlPr>
+                            <a:rPr lang="x-IV_mathan" sz="1800" i="1">
+                              <a:effectLst/>
+                              <a:latin typeface="Cambria Math" panose="02040503050406030204" pitchFamily="18" charset="0"/>
+                            </a:rPr>
+                          </m:ctrlPr>
+                        </m:fPr>
+                        <m:num>
+                          <m:r>
+                            <a:rPr lang="x-IV_mathan" sz="1800">
+                              <a:effectLst/>
+                              <a:latin typeface="Cambria Math" panose="02040503050406030204" pitchFamily="18" charset="0"/>
+                            </a:rPr>
+                            <m:t>𝜕</m:t>
+                          </m:r>
+                          <m:sSup>
+                            <m:sSupPr>
+                              <m:ctrlPr>
+                                <a:rPr lang="x-IV_mathan" sz="1800" i="1">
+                                  <a:effectLst/>
+                                  <a:latin typeface="Cambria Math" panose="02040503050406030204" pitchFamily="18" charset="0"/>
+                                </a:rPr>
+                              </m:ctrlPr>
+                            </m:sSupPr>
+                            <m:e>
+                              <m:r>
+                                <a:rPr lang="x-IV_mathan" sz="1800">
+                                  <a:effectLst/>
+                                  <a:latin typeface="Cambria Math" panose="02040503050406030204" pitchFamily="18" charset="0"/>
+                                </a:rPr>
+                                <m:t>𝑧</m:t>
+                              </m:r>
+                            </m:e>
+                            <m:sup>
+                              <m:r>
+                                <a:rPr lang="x-IV_mathan" sz="1800">
+                                  <a:effectLst/>
+                                  <a:latin typeface="Cambria Math" panose="02040503050406030204" pitchFamily="18" charset="0"/>
+                                </a:rPr>
+                                <m:t>𝐿</m:t>
+                              </m:r>
+                            </m:sup>
+                          </m:sSup>
+                        </m:num>
+                        <m:den>
+                          <m:r>
+                            <a:rPr lang="x-IV_mathan" sz="1800">
+                              <a:effectLst/>
+                              <a:latin typeface="Cambria Math" panose="02040503050406030204" pitchFamily="18" charset="0"/>
+                            </a:rPr>
+                            <m:t>𝜕</m:t>
+                          </m:r>
+                          <m:sSup>
+                            <m:sSupPr>
+                              <m:ctrlPr>
+                                <a:rPr lang="x-IV_mathan" sz="1800" i="1">
+                                  <a:effectLst/>
+                                  <a:latin typeface="Cambria Math" panose="02040503050406030204" pitchFamily="18" charset="0"/>
+                                </a:rPr>
+                              </m:ctrlPr>
+                            </m:sSupPr>
+                            <m:e>
+                              <m:r>
+                                <a:rPr lang="x-IV_mathan" sz="1800">
+                                  <a:effectLst/>
+                                  <a:latin typeface="Cambria Math" panose="02040503050406030204" pitchFamily="18" charset="0"/>
+                                </a:rPr>
+                                <m:t>𝑏</m:t>
+                              </m:r>
+                            </m:e>
+                            <m:sup>
+                              <m:r>
+                                <a:rPr lang="x-IV_mathan" sz="1800">
+                                  <a:effectLst/>
+                                  <a:latin typeface="Cambria Math" panose="02040503050406030204" pitchFamily="18" charset="0"/>
+                                </a:rPr>
+                                <m:t>𝐿</m:t>
+                              </m:r>
+                            </m:sup>
+                          </m:sSup>
+                        </m:den>
+                      </m:f>
+                      <m:r>
+                        <a:rPr lang="x-IV_mathan" sz="1800" i="1">
+                          <a:effectLst/>
+                          <a:latin typeface="Cambria Math" panose="02040503050406030204" pitchFamily="18" charset="0"/>
+                        </a:rPr>
+                        <m:t> </m:t>
+                      </m:r>
+                      <m:f>
+                        <m:fPr>
+                          <m:ctrlPr>
+                            <a:rPr lang="x-IV_mathan" sz="1800" i="1">
+                              <a:effectLst/>
+                              <a:latin typeface="Cambria Math" panose="02040503050406030204" pitchFamily="18" charset="0"/>
+                            </a:rPr>
+                          </m:ctrlPr>
+                        </m:fPr>
+                        <m:num>
+                          <m:r>
+                            <a:rPr lang="x-IV_mathan" sz="1800">
+                              <a:effectLst/>
+                              <a:latin typeface="Cambria Math" panose="02040503050406030204" pitchFamily="18" charset="0"/>
+                            </a:rPr>
+                            <m:t>𝜕</m:t>
+                          </m:r>
+                          <m:sSup>
+                            <m:sSupPr>
+                              <m:ctrlPr>
+                                <a:rPr lang="x-IV_mathan" sz="1800" i="1">
+                                  <a:effectLst/>
+                                  <a:latin typeface="Cambria Math" panose="02040503050406030204" pitchFamily="18" charset="0"/>
+                                </a:rPr>
+                              </m:ctrlPr>
+                            </m:sSupPr>
+                            <m:e>
+                              <m:r>
+                                <a:rPr lang="x-IV_mathan" sz="1800">
+                                  <a:effectLst/>
+                                  <a:latin typeface="Cambria Math" panose="02040503050406030204" pitchFamily="18" charset="0"/>
+                                </a:rPr>
+                                <m:t>𝑎</m:t>
+                              </m:r>
+                            </m:e>
+                            <m:sup>
+                              <m:r>
+                                <a:rPr lang="x-IV_mathan" sz="1800">
+                                  <a:effectLst/>
+                                  <a:latin typeface="Cambria Math" panose="02040503050406030204" pitchFamily="18" charset="0"/>
+                                </a:rPr>
+                                <m:t>𝐿</m:t>
+                              </m:r>
+                            </m:sup>
+                          </m:sSup>
+                        </m:num>
+                        <m:den>
+                          <m:r>
+                            <a:rPr lang="x-IV_mathan" sz="1800">
+                              <a:effectLst/>
+                              <a:latin typeface="Cambria Math" panose="02040503050406030204" pitchFamily="18" charset="0"/>
+                            </a:rPr>
+                            <m:t>𝜕</m:t>
+                          </m:r>
+                          <m:sSup>
+                            <m:sSupPr>
+                              <m:ctrlPr>
+                                <a:rPr lang="x-IV_mathan" sz="1800" i="1">
+                                  <a:effectLst/>
+                                  <a:latin typeface="Cambria Math" panose="02040503050406030204" pitchFamily="18" charset="0"/>
+                                </a:rPr>
+                              </m:ctrlPr>
+                            </m:sSupPr>
+                            <m:e>
+                              <m:r>
+                                <a:rPr lang="x-IV_mathan" sz="1800">
+                                  <a:effectLst/>
+                                  <a:latin typeface="Cambria Math" panose="02040503050406030204" pitchFamily="18" charset="0"/>
+                                </a:rPr>
+                                <m:t>𝑧</m:t>
+                              </m:r>
+                            </m:e>
+                            <m:sup>
+                              <m:r>
+                                <a:rPr lang="x-IV_mathan" sz="1800">
+                                  <a:effectLst/>
+                                  <a:latin typeface="Cambria Math" panose="02040503050406030204" pitchFamily="18" charset="0"/>
+                                </a:rPr>
+                                <m:t>𝐿</m:t>
+                              </m:r>
+                            </m:sup>
+                          </m:sSup>
+                        </m:den>
+                      </m:f>
+                      <m:r>
+                        <a:rPr lang="x-IV_mathan" sz="1800" i="1">
+                          <a:effectLst/>
+                          <a:latin typeface="Cambria Math" panose="02040503050406030204" pitchFamily="18" charset="0"/>
+                        </a:rPr>
+                        <m:t> </m:t>
+                      </m:r>
+                      <m:f>
+                        <m:fPr>
+                          <m:ctrlPr>
+                            <a:rPr lang="x-IV_mathan" sz="1800" i="1">
+                              <a:effectLst/>
+                              <a:latin typeface="Cambria Math" panose="02040503050406030204" pitchFamily="18" charset="0"/>
+                            </a:rPr>
+                          </m:ctrlPr>
+                        </m:fPr>
+                        <m:num>
+                          <m:r>
+                            <a:rPr lang="x-IV_mathan" sz="1800">
+                              <a:effectLst/>
+                              <a:latin typeface="Cambria Math" panose="02040503050406030204" pitchFamily="18" charset="0"/>
+                            </a:rPr>
+                            <m:t>𝜕</m:t>
+                          </m:r>
+                          <m:sSub>
+                            <m:sSubPr>
+                              <m:ctrlPr>
+                                <a:rPr lang="x-IV_mathan" sz="1800" i="1">
+                                  <a:effectLst/>
+                                  <a:latin typeface="Cambria Math" panose="02040503050406030204" pitchFamily="18" charset="0"/>
+                                </a:rPr>
+                              </m:ctrlPr>
+                            </m:sSubPr>
+                            <m:e>
+                              <m:r>
+                                <a:rPr lang="x-IV_mathan" sz="1800">
+                                  <a:effectLst/>
+                                  <a:latin typeface="Cambria Math" panose="02040503050406030204" pitchFamily="18" charset="0"/>
+                                </a:rPr>
+                                <m:t>𝐶</m:t>
+                              </m:r>
+                            </m:e>
+                            <m:sub>
+                              <m:r>
+                                <a:rPr lang="x-IV_mathan" sz="1800">
+                                  <a:effectLst/>
+                                  <a:latin typeface="Cambria Math" panose="02040503050406030204" pitchFamily="18" charset="0"/>
+                                </a:rPr>
+                                <m:t>0</m:t>
+                              </m:r>
+                            </m:sub>
+                          </m:sSub>
+                        </m:num>
+                        <m:den>
+                          <m:r>
+                            <a:rPr lang="x-IV_mathan" sz="1800">
+                              <a:effectLst/>
+                              <a:latin typeface="Cambria Math" panose="02040503050406030204" pitchFamily="18" charset="0"/>
+                            </a:rPr>
+                            <m:t>𝜕</m:t>
+                          </m:r>
+                          <m:sSup>
+                            <m:sSupPr>
+                              <m:ctrlPr>
+                                <a:rPr lang="x-IV_mathan" sz="1800" i="1">
+                                  <a:effectLst/>
+                                  <a:latin typeface="Cambria Math" panose="02040503050406030204" pitchFamily="18" charset="0"/>
+                                </a:rPr>
+                              </m:ctrlPr>
+                            </m:sSupPr>
+                            <m:e>
+                              <m:r>
+                                <a:rPr lang="x-IV_mathan" sz="1800">
+                                  <a:effectLst/>
+                                  <a:latin typeface="Cambria Math" panose="02040503050406030204" pitchFamily="18" charset="0"/>
+                                </a:rPr>
+                                <m:t>𝑎</m:t>
+                              </m:r>
+                            </m:e>
+                            <m:sup>
+                              <m:r>
+                                <a:rPr lang="x-IV_mathan" sz="1800">
+                                  <a:effectLst/>
+                                  <a:latin typeface="Cambria Math" panose="02040503050406030204" pitchFamily="18" charset="0"/>
+                                </a:rPr>
+                                <m:t>𝐿</m:t>
+                              </m:r>
+                            </m:sup>
+                          </m:sSup>
+                        </m:den>
+                      </m:f>
+                      <m:r>
+                        <a:rPr lang="x-IV_mathan" sz="1800">
+                          <a:effectLst/>
+                          <a:latin typeface="Cambria Math" panose="02040503050406030204" pitchFamily="18" charset="0"/>
+                        </a:rPr>
+                        <m:t>=1</m:t>
+                      </m:r>
+                      <m:sSup>
+                        <m:sSupPr>
+                          <m:ctrlPr>
+                            <a:rPr lang="x-IV_mathan" sz="1800" i="1">
+                              <a:effectLst/>
+                              <a:latin typeface="Cambria Math" panose="02040503050406030204" pitchFamily="18" charset="0"/>
+                            </a:rPr>
+                          </m:ctrlPr>
+                        </m:sSupPr>
+                        <m:e>
+                          <m:r>
+                            <a:rPr lang="x-IV_mathan" sz="1800">
+                              <a:effectLst/>
+                              <a:latin typeface="Cambria Math" panose="02040503050406030204" pitchFamily="18" charset="0"/>
+                            </a:rPr>
+                            <m:t>𝜎</m:t>
+                          </m:r>
+                        </m:e>
+                        <m:sup>
+                          <m:r>
+                            <a:rPr lang="x-IV_mathan" sz="1800">
+                              <a:effectLst/>
+                              <a:latin typeface="Cambria Math" panose="02040503050406030204" pitchFamily="18" charset="0"/>
+                            </a:rPr>
+                            <m:t>′</m:t>
+                          </m:r>
+                        </m:sup>
+                      </m:sSup>
+                      <m:d>
+                        <m:dPr>
+                          <m:ctrlPr>
+                            <a:rPr lang="x-IV_mathan" sz="1800" i="1">
+                              <a:effectLst/>
+                              <a:latin typeface="Cambria Math" panose="02040503050406030204" pitchFamily="18" charset="0"/>
+                            </a:rPr>
+                          </m:ctrlPr>
+                        </m:dPr>
+                        <m:e>
+                          <m:sSup>
+                            <m:sSupPr>
+                              <m:ctrlPr>
+                                <a:rPr lang="x-IV_mathan" sz="1800" i="1">
+                                  <a:effectLst/>
+                                  <a:latin typeface="Cambria Math" panose="02040503050406030204" pitchFamily="18" charset="0"/>
+                                </a:rPr>
+                              </m:ctrlPr>
+                            </m:sSupPr>
+                            <m:e>
+                              <m:r>
+                                <a:rPr lang="x-IV_mathan" sz="1800">
+                                  <a:effectLst/>
+                                  <a:latin typeface="Cambria Math" panose="02040503050406030204" pitchFamily="18" charset="0"/>
+                                </a:rPr>
+                                <m:t>𝑧</m:t>
+                              </m:r>
+                            </m:e>
+                            <m:sup>
+                              <m:r>
+                                <a:rPr lang="x-IV_mathan" sz="1800">
+                                  <a:effectLst/>
+                                  <a:latin typeface="Cambria Math" panose="02040503050406030204" pitchFamily="18" charset="0"/>
+                                </a:rPr>
+                                <m:t>𝐿</m:t>
+                              </m:r>
+                            </m:sup>
+                          </m:sSup>
+                        </m:e>
+                      </m:d>
+                      <m:d>
+                        <m:dPr>
+                          <m:ctrlPr>
+                            <a:rPr lang="x-IV_mathan" sz="1800" i="1">
+                              <a:effectLst/>
+                              <a:latin typeface="Cambria Math" panose="02040503050406030204" pitchFamily="18" charset="0"/>
+                            </a:rPr>
+                          </m:ctrlPr>
+                        </m:dPr>
+                        <m:e>
+                          <m:sSup>
+                            <m:sSupPr>
+                              <m:ctrlPr>
+                                <a:rPr lang="x-IV_mathan" sz="1800" i="1">
+                                  <a:effectLst/>
+                                  <a:latin typeface="Cambria Math" panose="02040503050406030204" pitchFamily="18" charset="0"/>
+                                </a:rPr>
+                              </m:ctrlPr>
+                            </m:sSupPr>
+                            <m:e>
+                              <m:r>
+                                <a:rPr lang="x-IV_mathan" sz="1800">
+                                  <a:effectLst/>
+                                  <a:latin typeface="Cambria Math" panose="02040503050406030204" pitchFamily="18" charset="0"/>
+                                </a:rPr>
+                                <m:t>𝑎</m:t>
+                              </m:r>
+                            </m:e>
+                            <m:sup>
+                              <m:r>
+                                <a:rPr lang="x-IV_mathan" sz="1800">
+                                  <a:effectLst/>
+                                  <a:latin typeface="Cambria Math" panose="02040503050406030204" pitchFamily="18" charset="0"/>
+                                </a:rPr>
+                                <m:t>𝐿</m:t>
+                              </m:r>
+                            </m:sup>
+                          </m:sSup>
+                          <m:r>
+                            <a:rPr lang="x-IV_mathan" sz="1800">
+                              <a:effectLst/>
+                              <a:latin typeface="Cambria Math" panose="02040503050406030204" pitchFamily="18" charset="0"/>
+                            </a:rPr>
+                            <m:t>−</m:t>
+                          </m:r>
+                          <m:r>
+                            <a:rPr lang="x-IV_mathan" sz="1800">
+                              <a:effectLst/>
+                              <a:latin typeface="Cambria Math" panose="02040503050406030204" pitchFamily="18" charset="0"/>
+                            </a:rPr>
+                            <m:t>𝑦</m:t>
+                          </m:r>
+                        </m:e>
+                      </m:d>
+                    </m:oMath>
+                  </m:oMathPara>
+                </a14:m>
+                <a:endParaRPr lang="x-IV_mathan" sz="1800" dirty="0">
+                  <a:effectLst/>
+                  <a:latin typeface="Cambria Math" panose="02040503050406030204" pitchFamily="18" charset="0"/>
+                </a:endParaRPr>
+              </a:p>
+              <a:p>
+                <a:pPr marL="0" indent="0">
+                  <a:spcBef>
+                    <a:spcPts val="0"/>
+                  </a:spcBef>
+                  <a:buNone/>
+                </a:pPr>
+                <a:endParaRPr lang="" sz="1800" dirty="0">
+                  <a:latin typeface="Cambria Math" panose="02040503050406030204" pitchFamily="18" charset="0"/>
+                </a:endParaRPr>
+              </a:p>
+              <a:p>
+                <a:pPr marL="0" indent="0" algn="ctr">
+                  <a:spcBef>
+                    <a:spcPts val="0"/>
+                  </a:spcBef>
+                  <a:buNone/>
+                </a:pPr>
+                <a14:m>
+                  <m:oMathPara xmlns:m="http://schemas.openxmlformats.org/officeDocument/2006/math">
+                    <m:oMathParaPr>
+                      <m:jc m:val="centerGroup"/>
+                    </m:oMathParaPr>
+                    <m:oMath xmlns:m="http://schemas.openxmlformats.org/officeDocument/2006/math">
+                      <m:sSup>
+                        <m:sSupPr>
+                          <m:ctrlPr>
+                            <a:rPr lang="x-IV_mathan" sz="1800" i="1" smtClean="0">
+                              <a:effectLst/>
+                              <a:latin typeface="Cambria Math" panose="02040503050406030204" pitchFamily="18" charset="0"/>
+                            </a:rPr>
+                          </m:ctrlPr>
+                        </m:sSupPr>
+                        <m:e>
+                          <m:r>
+                            <a:rPr lang="x-IV_mathan" sz="1800">
+                              <a:effectLst/>
+                              <a:latin typeface="Cambria Math" panose="02040503050406030204" pitchFamily="18" charset="0"/>
+                            </a:rPr>
+                            <m:t>𝛿</m:t>
+                          </m:r>
+                        </m:e>
+                        <m:sup>
+                          <m:r>
+                            <a:rPr lang="x-IV_mathan" sz="1800">
+                              <a:effectLst/>
+                              <a:latin typeface="Cambria Math" panose="02040503050406030204" pitchFamily="18" charset="0"/>
+                            </a:rPr>
+                            <m:t>𝐿</m:t>
+                          </m:r>
+                        </m:sup>
+                      </m:sSup>
+                      <m:r>
+                        <a:rPr lang="x-IV_mathan" sz="1800">
+                          <a:effectLst/>
+                          <a:latin typeface="Cambria Math" panose="02040503050406030204" pitchFamily="18" charset="0"/>
+                        </a:rPr>
+                        <m:t>=</m:t>
+                      </m:r>
+                      <m:r>
+                        <a:rPr lang="x-IV_mathan" sz="1800">
+                          <a:effectLst/>
+                          <a:latin typeface="Cambria Math" panose="02040503050406030204" pitchFamily="18" charset="0"/>
+                        </a:rPr>
+                        <m:t>𝜎</m:t>
+                      </m:r>
+                      <m:d>
+                        <m:dPr>
+                          <m:ctrlPr>
+                            <a:rPr lang="x-IV_mathan" sz="1800" i="1">
+                              <a:effectLst/>
+                              <a:latin typeface="Cambria Math" panose="02040503050406030204" pitchFamily="18" charset="0"/>
+                            </a:rPr>
+                          </m:ctrlPr>
+                        </m:dPr>
+                        <m:e>
+                          <m:sSup>
+                            <m:sSupPr>
+                              <m:ctrlPr>
+                                <a:rPr lang="x-IV_mathan" sz="1800" i="1">
+                                  <a:effectLst/>
+                                  <a:latin typeface="Cambria Math" panose="02040503050406030204" pitchFamily="18" charset="0"/>
+                                </a:rPr>
+                              </m:ctrlPr>
+                            </m:sSupPr>
+                            <m:e>
+                              <m:r>
+                                <a:rPr lang="x-IV_mathan" sz="1800">
+                                  <a:effectLst/>
+                                  <a:latin typeface="Cambria Math" panose="02040503050406030204" pitchFamily="18" charset="0"/>
+                                </a:rPr>
+                                <m:t>𝑧</m:t>
+                              </m:r>
+                            </m:e>
+                            <m:sup>
+                              <m:r>
+                                <a:rPr lang="x-IV_mathan" sz="1800">
+                                  <a:effectLst/>
+                                  <a:latin typeface="Cambria Math" panose="02040503050406030204" pitchFamily="18" charset="0"/>
+                                </a:rPr>
+                                <m:t>𝐿</m:t>
+                              </m:r>
+                            </m:sup>
+                          </m:sSup>
+                        </m:e>
+                      </m:d>
+                      <m:nary>
+                        <m:naryPr>
+                          <m:chr m:val="∑"/>
+                          <m:subHide m:val="on"/>
+                          <m:supHide m:val="on"/>
+                          <m:ctrlPr>
+                            <a:rPr lang="x-IV_mathan" sz="1800" i="1">
+                              <a:effectLst/>
+                              <a:latin typeface="Cambria Math" panose="02040503050406030204" pitchFamily="18" charset="0"/>
+                            </a:rPr>
+                          </m:ctrlPr>
+                        </m:naryPr>
+                        <m:sub/>
+                        <m:sup/>
+                        <m:e>
+                          <m:sSup>
+                            <m:sSupPr>
+                              <m:ctrlPr>
+                                <a:rPr lang="x-IV_mathan" sz="1800" i="1">
+                                  <a:effectLst/>
+                                  <a:latin typeface="Cambria Math" panose="02040503050406030204" pitchFamily="18" charset="0"/>
+                                </a:rPr>
+                              </m:ctrlPr>
+                            </m:sSupPr>
+                            <m:e>
+                              <m:r>
+                                <a:rPr lang="x-IV_mathan" sz="1800">
+                                  <a:effectLst/>
+                                  <a:latin typeface="Cambria Math" panose="02040503050406030204" pitchFamily="18" charset="0"/>
+                                </a:rPr>
+                                <m:t>𝑤</m:t>
+                              </m:r>
+                            </m:e>
+                            <m:sup>
+                              <m:r>
+                                <a:rPr lang="x-IV_mathan" sz="1800">
+                                  <a:effectLst/>
+                                  <a:latin typeface="Cambria Math" panose="02040503050406030204" pitchFamily="18" charset="0"/>
+                                </a:rPr>
+                                <m:t>𝐿</m:t>
+                              </m:r>
+                              <m:r>
+                                <a:rPr lang="x-IV_mathan" sz="1800">
+                                  <a:effectLst/>
+                                  <a:latin typeface="Cambria Math" panose="02040503050406030204" pitchFamily="18" charset="0"/>
+                                </a:rPr>
+                                <m:t>+1</m:t>
+                              </m:r>
+                            </m:sup>
+                          </m:sSup>
+                          <m:sSup>
+                            <m:sSupPr>
+                              <m:ctrlPr>
+                                <a:rPr lang="x-IV_mathan" sz="1800" i="1">
+                                  <a:effectLst/>
+                                  <a:latin typeface="Cambria Math" panose="02040503050406030204" pitchFamily="18" charset="0"/>
+                                </a:rPr>
+                              </m:ctrlPr>
+                            </m:sSupPr>
+                            <m:e>
+                              <m:r>
+                                <a:rPr lang="x-IV_mathan" sz="1800">
+                                  <a:effectLst/>
+                                  <a:latin typeface="Cambria Math" panose="02040503050406030204" pitchFamily="18" charset="0"/>
+                                </a:rPr>
+                                <m:t>𝛿</m:t>
+                              </m:r>
+                            </m:e>
+                            <m:sup>
+                              <m:r>
+                                <a:rPr lang="x-IV_mathan" sz="1800">
+                                  <a:effectLst/>
+                                  <a:latin typeface="Cambria Math" panose="02040503050406030204" pitchFamily="18" charset="0"/>
+                                </a:rPr>
+                                <m:t>𝐿</m:t>
+                              </m:r>
+                              <m:r>
+                                <a:rPr lang="x-IV_mathan" sz="1800">
+                                  <a:effectLst/>
+                                  <a:latin typeface="Cambria Math" panose="02040503050406030204" pitchFamily="18" charset="0"/>
+                                </a:rPr>
+                                <m:t>+1</m:t>
+                              </m:r>
+                            </m:sup>
+                          </m:sSup>
+                        </m:e>
+                      </m:nary>
+                    </m:oMath>
+                  </m:oMathPara>
+                </a14:m>
+                <a:endParaRPr lang="x-IV_mathan" sz="1800" dirty="0">
+                  <a:effectLst/>
+                  <a:latin typeface="Cambria Math" panose="02040503050406030204" pitchFamily="18" charset="0"/>
+                </a:endParaRPr>
+              </a:p>
+              <a:p>
+                <a:pPr marL="0" indent="0" algn="ctr">
+                  <a:spcBef>
+                    <a:spcPts val="0"/>
+                  </a:spcBef>
+                  <a:buNone/>
+                </a:pPr>
+                <a:endParaRPr lang="x-IV_mathan" sz="1800" dirty="0">
+                  <a:effectLst/>
+                  <a:latin typeface="Cambria Math" panose="02040503050406030204" pitchFamily="18" charset="0"/>
+                </a:endParaRPr>
+              </a:p>
+              <a:p>
+                <a:pPr marL="0" marR="0" indent="0">
+                  <a:spcBef>
+                    <a:spcPts val="0"/>
+                  </a:spcBef>
+                  <a:spcAft>
+                    <a:spcPts val="0"/>
+                  </a:spcAft>
+                  <a:buNone/>
+                </a:pPr>
+                <a:endParaRPr lang="hu-HU" dirty="0"/>
+              </a:p>
+            </p:txBody>
+          </p:sp>
+        </mc:Choice>
+        <mc:Fallback xmlns="">
+          <p:sp>
+            <p:nvSpPr>
+              <p:cNvPr id="3" name="Tartalom helye 2">
+                <a:extLst>
+                  <a:ext uri="{FF2B5EF4-FFF2-40B4-BE49-F238E27FC236}">
+                    <a16:creationId xmlns:a16="http://schemas.microsoft.com/office/drawing/2014/main" id="{67FC3984-968B-63E4-468A-E54D0AAB9C5D}"/>
+                  </a:ext>
+                </a:extLst>
+              </p:cNvPr>
+              <p:cNvSpPr>
+                <a:spLocks noGrp="1" noRot="1" noChangeAspect="1" noMove="1" noResize="1" noEditPoints="1" noAdjustHandles="1" noChangeArrowheads="1" noChangeShapeType="1" noTextEdit="1"/>
+              </p:cNvSpPr>
+              <p:nvPr>
+                <p:ph idx="1"/>
+              </p:nvPr>
+            </p:nvSpPr>
+            <p:spPr>
+              <a:blipFill>
+                <a:blip r:embed="rId2"/>
+                <a:stretch>
+                  <a:fillRect/>
+                </a:stretch>
+              </a:blipFill>
+            </p:spPr>
+            <p:txBody>
+              <a:bodyPr/>
+              <a:lstStyle/>
+              <a:p>
+                <a:r>
+                  <a:rPr lang="hu-HU">
+                    <a:noFill/>
+                  </a:rPr>
+                  <a:t> </a:t>
+                </a:r>
+              </a:p>
+            </p:txBody>
+          </p:sp>
+        </mc:Fallback>
+      </mc:AlternateContent>
+    </p:spTree>
+    <p:extLst>
+      <p:ext uri="{BB962C8B-B14F-4D97-AF65-F5344CB8AC3E}">
+        <p14:creationId xmlns:p14="http://schemas.microsoft.com/office/powerpoint/2010/main" val="2082900976"/>
+      </p:ext>
+    </p:extLst>
+  </p:cSld>
+  <p:clrMapOvr>
+    <a:masterClrMapping/>
+  </p:clrMapOvr>
+</p:sld>
+</file>
+
+<file path=ppt/slides/slide17.xml><?xml version="1.0" encoding="utf-8"?>
+<p:sld xmlns:a="http://schemas.openxmlformats.org/drawingml/2006/main" xmlns:r="http://schemas.openxmlformats.org/officeDocument/2006/relationships" xmlns:p="http://schemas.openxmlformats.org/presentationml/2006/main">
+  <p:cSld>
+    <p:spTree>
+      <p:nvGrpSpPr>
+        <p:cNvPr id="1" name=""/>
+        <p:cNvGrpSpPr/>
+        <p:nvPr/>
+      </p:nvGrpSpPr>
+      <p:grpSpPr>
+        <a:xfrm>
+          <a:off x="0" y="0"/>
+          <a:ext cx="0" cy="0"/>
+          <a:chOff x="0" y="0"/>
+          <a:chExt cx="0" cy="0"/>
+        </a:xfrm>
+      </p:grpSpPr>
+      <p:sp>
+        <p:nvSpPr>
+          <p:cNvPr id="2" name="Cím 1">
+            <a:extLst>
+              <a:ext uri="{FF2B5EF4-FFF2-40B4-BE49-F238E27FC236}">
+                <a16:creationId xmlns:a16="http://schemas.microsoft.com/office/drawing/2014/main" id="{9EA953D6-981F-EA61-0D67-E0419C158506}"/>
+              </a:ext>
+            </a:extLst>
+          </p:cNvPr>
+          <p:cNvSpPr>
+            <a:spLocks noGrp="1"/>
+          </p:cNvSpPr>
+          <p:nvPr>
+            <p:ph type="title"/>
+          </p:nvPr>
+        </p:nvSpPr>
+        <p:spPr/>
+        <p:txBody>
+          <a:bodyPr/>
+          <a:lstStyle/>
+          <a:p>
+            <a:r>
+              <a:rPr lang="en-US" dirty="0"/>
+              <a:t>Next time we will create a perceptron</a:t>
+            </a:r>
+            <a:endParaRPr lang="hu-HU" dirty="0"/>
+          </a:p>
+        </p:txBody>
+      </p:sp>
+      <p:pic>
+        <p:nvPicPr>
+          <p:cNvPr id="4" name="Kép 3">
+            <a:extLst>
+              <a:ext uri="{FF2B5EF4-FFF2-40B4-BE49-F238E27FC236}">
+                <a16:creationId xmlns:a16="http://schemas.microsoft.com/office/drawing/2014/main" id="{B1AEA595-FB91-E417-82F0-EC0D48439D80}"/>
+              </a:ext>
+            </a:extLst>
+          </p:cNvPr>
+          <p:cNvPicPr>
+            <a:picLocks noChangeAspect="1"/>
+          </p:cNvPicPr>
+          <p:nvPr/>
+        </p:nvPicPr>
+        <p:blipFill>
+          <a:blip r:embed="rId2"/>
+          <a:stretch>
+            <a:fillRect/>
+          </a:stretch>
+        </p:blipFill>
+        <p:spPr>
+          <a:xfrm>
+            <a:off x="4274527" y="2154634"/>
+            <a:ext cx="2899996" cy="3018632"/>
+          </a:xfrm>
+          <a:prstGeom prst="rect">
+            <a:avLst/>
+          </a:prstGeom>
+        </p:spPr>
+      </p:pic>
+    </p:spTree>
+    <p:extLst>
+      <p:ext uri="{BB962C8B-B14F-4D97-AF65-F5344CB8AC3E}">
+        <p14:creationId xmlns:p14="http://schemas.microsoft.com/office/powerpoint/2010/main" val="3771837620"/>
+      </p:ext>
+    </p:extLst>
+  </p:cSld>
+  <p:clrMapOvr>
+    <a:masterClrMapping/>
+  </p:clrMapOvr>
+</p:sld>
+</file>
+
+<file path=ppt/slides/slide2.xml><?xml version="1.0" encoding="utf-8"?>
+<p:sld xmlns:a="http://schemas.openxmlformats.org/drawingml/2006/main" xmlns:r="http://schemas.openxmlformats.org/officeDocument/2006/relationships" xmlns:p="http://schemas.openxmlformats.org/presentationml/2006/main">
+  <p:cSld>
+    <p:spTree>
+      <p:nvGrpSpPr>
+        <p:cNvPr id="1" name=""/>
+        <p:cNvGrpSpPr/>
+        <p:nvPr/>
+      </p:nvGrpSpPr>
+      <p:grpSpPr>
+        <a:xfrm>
+          <a:off x="0" y="0"/>
+          <a:ext cx="0" cy="0"/>
+          <a:chOff x="0" y="0"/>
+          <a:chExt cx="0" cy="0"/>
+        </a:xfrm>
+      </p:grpSpPr>
+      <p:sp>
+        <p:nvSpPr>
+          <p:cNvPr id="2" name="Cím 1">
+            <a:extLst>
+              <a:ext uri="{FF2B5EF4-FFF2-40B4-BE49-F238E27FC236}">
+                <a16:creationId xmlns:a16="http://schemas.microsoft.com/office/drawing/2014/main" id="{07321305-F433-A98D-6139-02D4E0B41E88}"/>
+              </a:ext>
+            </a:extLst>
+          </p:cNvPr>
+          <p:cNvSpPr>
+            <a:spLocks noGrp="1"/>
+          </p:cNvSpPr>
+          <p:nvPr>
+            <p:ph type="title"/>
+          </p:nvPr>
+        </p:nvSpPr>
+        <p:spPr/>
+        <p:txBody>
+          <a:bodyPr/>
+          <a:lstStyle/>
+          <a:p>
+            <a:r>
+              <a:rPr lang="en-US" dirty="0"/>
+              <a:t>About Artificial Intelligence</a:t>
+            </a:r>
+            <a:endParaRPr lang="hu-HU" dirty="0"/>
+          </a:p>
+        </p:txBody>
+      </p:sp>
+      <p:sp>
+        <p:nvSpPr>
+          <p:cNvPr id="3" name="Tartalom helye 2">
+            <a:extLst>
+              <a:ext uri="{FF2B5EF4-FFF2-40B4-BE49-F238E27FC236}">
+                <a16:creationId xmlns:a16="http://schemas.microsoft.com/office/drawing/2014/main" id="{D0D9D662-31D6-ED5D-9A36-FAE207953C49}"/>
+              </a:ext>
+            </a:extLst>
+          </p:cNvPr>
+          <p:cNvSpPr>
+            <a:spLocks noGrp="1"/>
+          </p:cNvSpPr>
+          <p:nvPr>
+            <p:ph idx="1"/>
+          </p:nvPr>
+        </p:nvSpPr>
+        <p:spPr/>
+        <p:txBody>
+          <a:bodyPr/>
+          <a:lstStyle/>
+          <a:p>
+            <a:r>
+              <a:rPr lang="en-US" dirty="0"/>
+              <a:t>AI is not only Neural networks </a:t>
+            </a:r>
+          </a:p>
+          <a:p>
+            <a:r>
+              <a:rPr lang="en-US" dirty="0"/>
+              <a:t>Other techniques like:</a:t>
+            </a:r>
+          </a:p>
+          <a:p>
+            <a:pPr lvl="1"/>
+            <a:r>
+              <a:rPr lang="en-US" dirty="0"/>
+              <a:t>Search algorithms (DFS, BFS, A*)</a:t>
+            </a:r>
+          </a:p>
+          <a:p>
+            <a:pPr lvl="1"/>
+            <a:r>
+              <a:rPr lang="en-US" dirty="0"/>
+              <a:t>Decision tree</a:t>
+            </a:r>
+          </a:p>
+          <a:p>
+            <a:pPr lvl="1"/>
+            <a:r>
+              <a:rPr lang="en-US" dirty="0"/>
+              <a:t>Neural Networks</a:t>
+            </a:r>
+          </a:p>
+          <a:p>
+            <a:pPr lvl="1"/>
+            <a:r>
+              <a:rPr lang="en-US" dirty="0" err="1"/>
+              <a:t>etc</a:t>
+            </a:r>
+            <a:endParaRPr lang="en-US" dirty="0"/>
+          </a:p>
+          <a:p>
+            <a:pPr lvl="1"/>
+            <a:endParaRPr lang="hu-HU" dirty="0"/>
+          </a:p>
+        </p:txBody>
+      </p:sp>
+      <p:pic>
+        <p:nvPicPr>
+          <p:cNvPr id="4" name="Kép 3">
+            <a:extLst>
+              <a:ext uri="{FF2B5EF4-FFF2-40B4-BE49-F238E27FC236}">
+                <a16:creationId xmlns:a16="http://schemas.microsoft.com/office/drawing/2014/main" id="{6C49967B-32F8-A85B-F94F-9765CA5B0AA8}"/>
+              </a:ext>
+            </a:extLst>
+          </p:cNvPr>
+          <p:cNvPicPr>
+            <a:picLocks noChangeAspect="1"/>
+          </p:cNvPicPr>
+          <p:nvPr/>
+        </p:nvPicPr>
+        <p:blipFill>
+          <a:blip r:embed="rId2"/>
+          <a:stretch>
+            <a:fillRect/>
+          </a:stretch>
+        </p:blipFill>
+        <p:spPr>
+          <a:xfrm>
+            <a:off x="7046432" y="3025833"/>
+            <a:ext cx="4724389" cy="3151130"/>
+          </a:xfrm>
+          <a:prstGeom prst="rect">
+            <a:avLst/>
+          </a:prstGeom>
+        </p:spPr>
+      </p:pic>
+    </p:spTree>
+    <p:extLst>
+      <p:ext uri="{BB962C8B-B14F-4D97-AF65-F5344CB8AC3E}">
+        <p14:creationId xmlns:p14="http://schemas.microsoft.com/office/powerpoint/2010/main" val="1350070865"/>
+      </p:ext>
+    </p:extLst>
+  </p:cSld>
+  <p:clrMapOvr>
+    <a:masterClrMapping/>
+  </p:clrMapOvr>
+</p:sld>
+</file>
+
+<file path=ppt/slides/slide3.xml><?xml version="1.0" encoding="utf-8"?>
+<p:sld xmlns:a="http://schemas.openxmlformats.org/drawingml/2006/main" xmlns:r="http://schemas.openxmlformats.org/officeDocument/2006/relationships" xmlns:p="http://schemas.openxmlformats.org/presentationml/2006/main">
+  <p:cSld>
+    <p:spTree>
+      <p:nvGrpSpPr>
+        <p:cNvPr id="1" name=""/>
+        <p:cNvGrpSpPr/>
+        <p:nvPr/>
+      </p:nvGrpSpPr>
+      <p:grpSpPr>
+        <a:xfrm>
+          <a:off x="0" y="0"/>
+          <a:ext cx="0" cy="0"/>
+          <a:chOff x="0" y="0"/>
+          <a:chExt cx="0" cy="0"/>
+        </a:xfrm>
+      </p:grpSpPr>
+      <p:sp>
+        <p:nvSpPr>
+          <p:cNvPr id="2" name="Cím 1">
+            <a:extLst>
+              <a:ext uri="{FF2B5EF4-FFF2-40B4-BE49-F238E27FC236}">
+                <a16:creationId xmlns:a16="http://schemas.microsoft.com/office/drawing/2014/main" id="{A01CF356-D386-FC05-E8BA-068CE16C3248}"/>
+              </a:ext>
+            </a:extLst>
+          </p:cNvPr>
+          <p:cNvSpPr>
+            <a:spLocks noGrp="1"/>
+          </p:cNvSpPr>
+          <p:nvPr>
+            <p:ph type="title"/>
+          </p:nvPr>
+        </p:nvSpPr>
+        <p:spPr/>
+        <p:txBody>
+          <a:bodyPr/>
+          <a:lstStyle/>
+          <a:p>
+            <a:r>
+              <a:rPr lang="en-US" dirty="0"/>
+              <a:t>What is the neural network</a:t>
+            </a:r>
+            <a:endParaRPr lang="hu-HU" dirty="0"/>
+          </a:p>
+        </p:txBody>
+      </p:sp>
+      <p:sp>
+        <p:nvSpPr>
+          <p:cNvPr id="3" name="Tartalom helye 2">
+            <a:extLst>
+              <a:ext uri="{FF2B5EF4-FFF2-40B4-BE49-F238E27FC236}">
+                <a16:creationId xmlns:a16="http://schemas.microsoft.com/office/drawing/2014/main" id="{487E61BE-AC67-166C-9A6C-117CAF1D243A}"/>
+              </a:ext>
+            </a:extLst>
+          </p:cNvPr>
+          <p:cNvSpPr>
+            <a:spLocks noGrp="1"/>
+          </p:cNvSpPr>
+          <p:nvPr>
+            <p:ph idx="1"/>
+          </p:nvPr>
+        </p:nvSpPr>
+        <p:spPr>
+          <a:xfrm>
+            <a:off x="4206240" y="1690688"/>
+            <a:ext cx="7240385" cy="4351338"/>
+          </a:xfrm>
+        </p:spPr>
+        <p:txBody>
+          <a:bodyPr/>
+          <a:lstStyle/>
+          <a:p>
+            <a:r>
+              <a:rPr lang="en-US" dirty="0"/>
+              <a:t>Neurons which connected to each other</a:t>
+            </a:r>
+          </a:p>
+          <a:p>
+            <a:r>
+              <a:rPr lang="en-US" dirty="0"/>
+              <a:t>Columns are the layers</a:t>
+            </a:r>
+          </a:p>
+          <a:p>
+            <a:r>
+              <a:rPr lang="en-US" dirty="0"/>
+              <a:t>Hidden layer can called as deep layer (deep learning)</a:t>
+            </a:r>
+          </a:p>
+          <a:p>
+            <a:r>
+              <a:rPr lang="en-US" dirty="0"/>
+              <a:t>Hidden layer can have more than one</a:t>
+            </a:r>
+            <a:endParaRPr lang="hu-HU" dirty="0"/>
+          </a:p>
+        </p:txBody>
+      </p:sp>
+      <p:pic>
+        <p:nvPicPr>
+          <p:cNvPr id="5" name="Kép 4">
+            <a:extLst>
+              <a:ext uri="{FF2B5EF4-FFF2-40B4-BE49-F238E27FC236}">
+                <a16:creationId xmlns:a16="http://schemas.microsoft.com/office/drawing/2014/main" id="{04FDAFE6-E579-0AAA-3E41-FB5317239388}"/>
+              </a:ext>
+            </a:extLst>
+          </p:cNvPr>
+          <p:cNvPicPr>
+            <a:picLocks noChangeAspect="1"/>
+          </p:cNvPicPr>
+          <p:nvPr/>
+        </p:nvPicPr>
+        <p:blipFill>
+          <a:blip r:embed="rId2"/>
+          <a:stretch>
+            <a:fillRect/>
+          </a:stretch>
+        </p:blipFill>
+        <p:spPr>
+          <a:xfrm>
+            <a:off x="956830" y="1995487"/>
+            <a:ext cx="2381250" cy="2867025"/>
+          </a:xfrm>
+          <a:prstGeom prst="rect">
+            <a:avLst/>
+          </a:prstGeom>
+        </p:spPr>
+      </p:pic>
+    </p:spTree>
+    <p:extLst>
+      <p:ext uri="{BB962C8B-B14F-4D97-AF65-F5344CB8AC3E}">
+        <p14:creationId xmlns:p14="http://schemas.microsoft.com/office/powerpoint/2010/main" val="4011250093"/>
+      </p:ext>
+    </p:extLst>
+  </p:cSld>
+  <p:clrMapOvr>
+    <a:masterClrMapping/>
+  </p:clrMapOvr>
+</p:sld>
+</file>
+
+<file path=ppt/slides/slide4.xml><?xml version="1.0" encoding="utf-8"?>
+<p:sld xmlns:a="http://schemas.openxmlformats.org/drawingml/2006/main" xmlns:r="http://schemas.openxmlformats.org/officeDocument/2006/relationships" xmlns:p="http://schemas.openxmlformats.org/presentationml/2006/main">
+  <p:cSld>
+    <p:spTree>
+      <p:nvGrpSpPr>
+        <p:cNvPr id="1" name=""/>
+        <p:cNvGrpSpPr/>
+        <p:nvPr/>
+      </p:nvGrpSpPr>
+      <p:grpSpPr>
+        <a:xfrm>
+          <a:off x="0" y="0"/>
+          <a:ext cx="0" cy="0"/>
+          <a:chOff x="0" y="0"/>
+          <a:chExt cx="0" cy="0"/>
+        </a:xfrm>
+      </p:grpSpPr>
+      <p:sp>
+        <p:nvSpPr>
+          <p:cNvPr id="2" name="Cím 1">
+            <a:extLst>
+              <a:ext uri="{FF2B5EF4-FFF2-40B4-BE49-F238E27FC236}">
+                <a16:creationId xmlns:a16="http://schemas.microsoft.com/office/drawing/2014/main" id="{3E6A651A-1610-2CD1-54E3-B0A4DEA41FF0}"/>
+              </a:ext>
+            </a:extLst>
+          </p:cNvPr>
+          <p:cNvSpPr>
+            <a:spLocks noGrp="1"/>
+          </p:cNvSpPr>
+          <p:nvPr>
+            <p:ph type="title"/>
+          </p:nvPr>
+        </p:nvSpPr>
+        <p:spPr/>
+        <p:txBody>
+          <a:bodyPr/>
+          <a:lstStyle/>
+          <a:p>
+            <a:r>
+              <a:rPr lang="en-US" dirty="0"/>
+              <a:t>Neuron types</a:t>
+            </a:r>
+            <a:endParaRPr lang="hu-HU" dirty="0"/>
+          </a:p>
+        </p:txBody>
+      </p:sp>
+      <p:sp>
+        <p:nvSpPr>
+          <p:cNvPr id="3" name="Tartalom helye 2">
+            <a:extLst>
+              <a:ext uri="{FF2B5EF4-FFF2-40B4-BE49-F238E27FC236}">
+                <a16:creationId xmlns:a16="http://schemas.microsoft.com/office/drawing/2014/main" id="{20089372-40B7-3C3F-4E09-5689660AA735}"/>
+              </a:ext>
+            </a:extLst>
+          </p:cNvPr>
+          <p:cNvSpPr>
+            <a:spLocks noGrp="1"/>
+          </p:cNvSpPr>
+          <p:nvPr>
+            <p:ph idx="1"/>
+          </p:nvPr>
+        </p:nvSpPr>
+        <p:spPr/>
+        <p:txBody>
+          <a:bodyPr/>
+          <a:lstStyle/>
+          <a:p>
+            <a:r>
+              <a:rPr lang="en-US" dirty="0"/>
+              <a:t>Rosenblatt Perceptron</a:t>
+            </a:r>
+          </a:p>
+          <a:p>
+            <a:r>
+              <a:rPr lang="en-US" dirty="0"/>
+              <a:t>Adeline</a:t>
+            </a:r>
+          </a:p>
+          <a:p>
+            <a:r>
+              <a:rPr lang="en-US" dirty="0"/>
+              <a:t>Linear neurons (linear perceptron)</a:t>
+            </a:r>
+          </a:p>
+          <a:p>
+            <a:r>
+              <a:rPr lang="en-US" dirty="0"/>
+              <a:t>Processing element with sigmoid output</a:t>
+            </a:r>
+          </a:p>
+          <a:p>
+            <a:r>
+              <a:rPr lang="en-US" dirty="0" err="1"/>
+              <a:t>etc</a:t>
+            </a:r>
+            <a:endParaRPr lang="hu-HU" dirty="0"/>
+          </a:p>
+        </p:txBody>
+      </p:sp>
+    </p:spTree>
+    <p:extLst>
+      <p:ext uri="{BB962C8B-B14F-4D97-AF65-F5344CB8AC3E}">
+        <p14:creationId xmlns:p14="http://schemas.microsoft.com/office/powerpoint/2010/main" val="1535699575"/>
+      </p:ext>
+    </p:extLst>
+  </p:cSld>
+  <p:clrMapOvr>
+    <a:masterClrMapping/>
+  </p:clrMapOvr>
+</p:sld>
+</file>
+
+<file path=ppt/slides/slide5.xml><?xml version="1.0" encoding="utf-8"?>
+<p:sld xmlns:a="http://schemas.openxmlformats.org/drawingml/2006/main" xmlns:r="http://schemas.openxmlformats.org/officeDocument/2006/relationships" xmlns:p="http://schemas.openxmlformats.org/presentationml/2006/main">
+  <p:cSld>
+    <p:spTree>
+      <p:nvGrpSpPr>
+        <p:cNvPr id="1" name=""/>
+        <p:cNvGrpSpPr/>
+        <p:nvPr/>
+      </p:nvGrpSpPr>
+      <p:grpSpPr>
+        <a:xfrm>
+          <a:off x="0" y="0"/>
+          <a:ext cx="0" cy="0"/>
+          <a:chOff x="0" y="0"/>
+          <a:chExt cx="0" cy="0"/>
+        </a:xfrm>
+      </p:grpSpPr>
+      <p:sp>
+        <p:nvSpPr>
+          <p:cNvPr id="2" name="Cím 1">
+            <a:extLst>
+              <a:ext uri="{FF2B5EF4-FFF2-40B4-BE49-F238E27FC236}">
+                <a16:creationId xmlns:a16="http://schemas.microsoft.com/office/drawing/2014/main" id="{44FA25E5-C075-91E7-A116-2AF3EDDF860F}"/>
+              </a:ext>
+            </a:extLst>
+          </p:cNvPr>
+          <p:cNvSpPr>
+            <a:spLocks noGrp="1"/>
+          </p:cNvSpPr>
+          <p:nvPr>
+            <p:ph type="title"/>
+          </p:nvPr>
+        </p:nvSpPr>
+        <p:spPr/>
+        <p:txBody>
+          <a:bodyPr/>
+          <a:lstStyle/>
+          <a:p>
+            <a:r>
+              <a:rPr lang="en-US" dirty="0"/>
+              <a:t>Perceptron</a:t>
+            </a:r>
+            <a:endParaRPr lang="hu-HU" dirty="0"/>
+          </a:p>
+        </p:txBody>
+      </p:sp>
+      <p:sp>
+        <p:nvSpPr>
+          <p:cNvPr id="3" name="Tartalom helye 2">
+            <a:extLst>
+              <a:ext uri="{FF2B5EF4-FFF2-40B4-BE49-F238E27FC236}">
+                <a16:creationId xmlns:a16="http://schemas.microsoft.com/office/drawing/2014/main" id="{7DD9140E-9296-77AC-9145-8985A9482D79}"/>
+              </a:ext>
+            </a:extLst>
+          </p:cNvPr>
+          <p:cNvSpPr>
+            <a:spLocks noGrp="1"/>
+          </p:cNvSpPr>
+          <p:nvPr>
+            <p:ph idx="1"/>
+          </p:nvPr>
+        </p:nvSpPr>
+        <p:spPr>
+          <a:xfrm>
+            <a:off x="8344594" y="1825625"/>
+            <a:ext cx="3009206" cy="4351338"/>
+          </a:xfrm>
+        </p:spPr>
+        <p:txBody>
+          <a:bodyPr/>
+          <a:lstStyle/>
+          <a:p>
+            <a:r>
+              <a:rPr lang="en-US" dirty="0"/>
+              <a:t>Input data</a:t>
+            </a:r>
+          </a:p>
+          <a:p>
+            <a:r>
+              <a:rPr lang="en-US" dirty="0"/>
+              <a:t>Weights</a:t>
+            </a:r>
+          </a:p>
+          <a:p>
+            <a:r>
+              <a:rPr lang="en-US" dirty="0"/>
+              <a:t>Sum of the multiplication data and weights</a:t>
+            </a:r>
+          </a:p>
+          <a:p>
+            <a:r>
+              <a:rPr lang="en-US" dirty="0"/>
+              <a:t>Activation function</a:t>
+            </a:r>
+          </a:p>
+          <a:p>
+            <a:r>
+              <a:rPr lang="en-US" dirty="0"/>
+              <a:t>Bias is a value which corrects</a:t>
+            </a:r>
+            <a:endParaRPr lang="hu-HU" dirty="0"/>
+          </a:p>
+        </p:txBody>
+      </p:sp>
+      <p:pic>
+        <p:nvPicPr>
+          <p:cNvPr id="4" name="Kép 3">
+            <a:extLst>
+              <a:ext uri="{FF2B5EF4-FFF2-40B4-BE49-F238E27FC236}">
+                <a16:creationId xmlns:a16="http://schemas.microsoft.com/office/drawing/2014/main" id="{06E5036D-1CB4-9C05-BC77-9B4D263446BB}"/>
+              </a:ext>
+            </a:extLst>
+          </p:cNvPr>
+          <p:cNvPicPr>
+            <a:picLocks noChangeAspect="1"/>
+          </p:cNvPicPr>
+          <p:nvPr/>
+        </p:nvPicPr>
+        <p:blipFill>
+          <a:blip r:embed="rId2"/>
+          <a:stretch>
+            <a:fillRect/>
+          </a:stretch>
+        </p:blipFill>
+        <p:spPr>
+          <a:xfrm>
+            <a:off x="727191" y="1339303"/>
+            <a:ext cx="7296150" cy="4895850"/>
+          </a:xfrm>
+          <a:prstGeom prst="rect">
+            <a:avLst/>
+          </a:prstGeom>
+        </p:spPr>
+      </p:pic>
+    </p:spTree>
+    <p:extLst>
+      <p:ext uri="{BB962C8B-B14F-4D97-AF65-F5344CB8AC3E}">
+        <p14:creationId xmlns:p14="http://schemas.microsoft.com/office/powerpoint/2010/main" val="4287525759"/>
+      </p:ext>
+    </p:extLst>
+  </p:cSld>
+  <p:clrMapOvr>
+    <a:masterClrMapping/>
+  </p:clrMapOvr>
+</p:sld>
+</file>
+
+<file path=ppt/slides/slide6.xml><?xml version="1.0" encoding="utf-8"?>
+<p:sld xmlns:a="http://schemas.openxmlformats.org/drawingml/2006/main" xmlns:r="http://schemas.openxmlformats.org/officeDocument/2006/relationships" xmlns:p="http://schemas.openxmlformats.org/presentationml/2006/main">
+  <p:cSld>
+    <p:spTree>
+      <p:nvGrpSpPr>
+        <p:cNvPr id="1" name=""/>
+        <p:cNvGrpSpPr/>
+        <p:nvPr/>
+      </p:nvGrpSpPr>
+      <p:grpSpPr>
+        <a:xfrm>
+          <a:off x="0" y="0"/>
+          <a:ext cx="0" cy="0"/>
+          <a:chOff x="0" y="0"/>
+          <a:chExt cx="0" cy="0"/>
+        </a:xfrm>
+      </p:grpSpPr>
+      <p:sp>
+        <p:nvSpPr>
+          <p:cNvPr id="2" name="Cím 1">
+            <a:extLst>
+              <a:ext uri="{FF2B5EF4-FFF2-40B4-BE49-F238E27FC236}">
+                <a16:creationId xmlns:a16="http://schemas.microsoft.com/office/drawing/2014/main" id="{67B915B8-7C76-B2ED-9CC6-4BE30BDFE545}"/>
+              </a:ext>
+            </a:extLst>
+          </p:cNvPr>
+          <p:cNvSpPr>
+            <a:spLocks noGrp="1"/>
+          </p:cNvSpPr>
+          <p:nvPr>
+            <p:ph type="title"/>
+          </p:nvPr>
+        </p:nvSpPr>
+        <p:spPr/>
+        <p:txBody>
+          <a:bodyPr/>
+          <a:lstStyle/>
+          <a:p>
+            <a:r>
+              <a:rPr lang="en-US" dirty="0"/>
+              <a:t>What can we do with it</a:t>
+            </a:r>
+            <a:endParaRPr lang="hu-HU" dirty="0"/>
+          </a:p>
+        </p:txBody>
+      </p:sp>
+      <p:sp>
+        <p:nvSpPr>
+          <p:cNvPr id="3" name="Tartalom helye 2">
+            <a:extLst>
+              <a:ext uri="{FF2B5EF4-FFF2-40B4-BE49-F238E27FC236}">
+                <a16:creationId xmlns:a16="http://schemas.microsoft.com/office/drawing/2014/main" id="{16C25FA8-17AA-DB94-4F7F-3720DAEB01B4}"/>
+              </a:ext>
+            </a:extLst>
+          </p:cNvPr>
+          <p:cNvSpPr>
+            <a:spLocks noGrp="1"/>
+          </p:cNvSpPr>
+          <p:nvPr>
+            <p:ph idx="1"/>
+          </p:nvPr>
+        </p:nvSpPr>
+        <p:spPr/>
+        <p:txBody>
+          <a:bodyPr/>
+          <a:lstStyle/>
+          <a:p>
+            <a:r>
+              <a:rPr lang="en-US" dirty="0"/>
+              <a:t>Lineal regression</a:t>
+            </a:r>
+          </a:p>
+          <a:p>
+            <a:r>
+              <a:rPr lang="en-US" dirty="0"/>
+              <a:t>Classification </a:t>
+            </a:r>
+            <a:endParaRPr lang="hu-HU" dirty="0"/>
+          </a:p>
+        </p:txBody>
+      </p:sp>
+      <p:pic>
+        <p:nvPicPr>
+          <p:cNvPr id="5" name="Kép 4">
+            <a:extLst>
+              <a:ext uri="{FF2B5EF4-FFF2-40B4-BE49-F238E27FC236}">
+                <a16:creationId xmlns:a16="http://schemas.microsoft.com/office/drawing/2014/main" id="{A59FEB35-A2B2-1FA3-C81B-68EC21600948}"/>
+              </a:ext>
+            </a:extLst>
+          </p:cNvPr>
+          <p:cNvPicPr>
+            <a:picLocks noChangeAspect="1"/>
+          </p:cNvPicPr>
+          <p:nvPr/>
+        </p:nvPicPr>
+        <p:blipFill>
+          <a:blip r:embed="rId2"/>
+          <a:stretch>
+            <a:fillRect/>
+          </a:stretch>
+        </p:blipFill>
+        <p:spPr>
+          <a:xfrm>
+            <a:off x="6470072" y="3354186"/>
+            <a:ext cx="4962525" cy="3067050"/>
+          </a:xfrm>
+          <a:prstGeom prst="rect">
+            <a:avLst/>
+          </a:prstGeom>
+        </p:spPr>
+      </p:pic>
+    </p:spTree>
+    <p:extLst>
+      <p:ext uri="{BB962C8B-B14F-4D97-AF65-F5344CB8AC3E}">
+        <p14:creationId xmlns:p14="http://schemas.microsoft.com/office/powerpoint/2010/main" val="4131342870"/>
+      </p:ext>
+    </p:extLst>
+  </p:cSld>
+  <p:clrMapOvr>
+    <a:masterClrMapping/>
+  </p:clrMapOvr>
+</p:sld>
+</file>
+
+<file path=ppt/slides/slide7.xml><?xml version="1.0" encoding="utf-8"?>
+<p:sld xmlns:a="http://schemas.openxmlformats.org/drawingml/2006/main" xmlns:r="http://schemas.openxmlformats.org/officeDocument/2006/relationships" xmlns:p="http://schemas.openxmlformats.org/presentationml/2006/main">
+  <p:cSld>
+    <p:spTree>
+      <p:nvGrpSpPr>
+        <p:cNvPr id="1" name=""/>
+        <p:cNvGrpSpPr/>
+        <p:nvPr/>
+      </p:nvGrpSpPr>
+      <p:grpSpPr>
+        <a:xfrm>
+          <a:off x="0" y="0"/>
+          <a:ext cx="0" cy="0"/>
+          <a:chOff x="0" y="0"/>
+          <a:chExt cx="0" cy="0"/>
+        </a:xfrm>
+      </p:grpSpPr>
+      <p:sp>
+        <p:nvSpPr>
+          <p:cNvPr id="2" name="Cím 1">
+            <a:extLst>
+              <a:ext uri="{FF2B5EF4-FFF2-40B4-BE49-F238E27FC236}">
+                <a16:creationId xmlns:a16="http://schemas.microsoft.com/office/drawing/2014/main" id="{0E7AE90E-8EDD-89A9-19B1-2F9628D30CF5}"/>
+              </a:ext>
+            </a:extLst>
+          </p:cNvPr>
+          <p:cNvSpPr>
+            <a:spLocks noGrp="1"/>
+          </p:cNvSpPr>
+          <p:nvPr>
+            <p:ph type="title"/>
+          </p:nvPr>
+        </p:nvSpPr>
+        <p:spPr/>
+        <p:txBody>
+          <a:bodyPr/>
+          <a:lstStyle/>
+          <a:p>
+            <a:r>
+              <a:rPr lang="en-US" dirty="0"/>
+              <a:t>Activation function</a:t>
+            </a:r>
+            <a:endParaRPr lang="hu-HU" dirty="0"/>
+          </a:p>
+        </p:txBody>
+      </p:sp>
+      <p:sp>
+        <p:nvSpPr>
+          <p:cNvPr id="3" name="Tartalom helye 2">
+            <a:extLst>
+              <a:ext uri="{FF2B5EF4-FFF2-40B4-BE49-F238E27FC236}">
+                <a16:creationId xmlns:a16="http://schemas.microsoft.com/office/drawing/2014/main" id="{5C2BB5C4-60BB-6E98-7026-971F05801F4A}"/>
+              </a:ext>
+            </a:extLst>
+          </p:cNvPr>
+          <p:cNvSpPr>
+            <a:spLocks noGrp="1"/>
+          </p:cNvSpPr>
+          <p:nvPr>
+            <p:ph idx="1"/>
+          </p:nvPr>
+        </p:nvSpPr>
+        <p:spPr/>
+        <p:txBody>
+          <a:bodyPr/>
+          <a:lstStyle/>
+          <a:p>
+            <a:r>
+              <a:rPr lang="en-US" b="0" i="0" dirty="0">
+                <a:solidFill>
+                  <a:srgbClr val="202122"/>
+                </a:solidFill>
+                <a:effectLst/>
+                <a:latin typeface="Arial" panose="020B0604020202020204" pitchFamily="34" charset="0"/>
+              </a:rPr>
+              <a:t>The </a:t>
+            </a:r>
+            <a:r>
+              <a:rPr lang="en-US" b="1" i="0" dirty="0">
+                <a:solidFill>
+                  <a:srgbClr val="202122"/>
+                </a:solidFill>
+                <a:effectLst/>
+                <a:latin typeface="Arial" panose="020B0604020202020204" pitchFamily="34" charset="0"/>
+              </a:rPr>
+              <a:t>activation function</a:t>
+            </a:r>
+            <a:r>
+              <a:rPr lang="en-US" b="0" i="0" dirty="0">
+                <a:solidFill>
+                  <a:srgbClr val="202122"/>
+                </a:solidFill>
+                <a:effectLst/>
+                <a:latin typeface="Arial" panose="020B0604020202020204" pitchFamily="34" charset="0"/>
+              </a:rPr>
+              <a:t> of a node in an </a:t>
+            </a:r>
+            <a:r>
+              <a:rPr lang="en-US" b="0" i="0" u="none" strike="noStrike" dirty="0">
+                <a:effectLst/>
+                <a:latin typeface="Arial" panose="020B0604020202020204" pitchFamily="34" charset="0"/>
+                <a:hlinkClick r:id="rId2" tooltip="Artificial neural network"/>
+              </a:rPr>
+              <a:t>artificial neural network</a:t>
+            </a:r>
+            <a:r>
+              <a:rPr lang="en-US" b="0" i="0" dirty="0">
+                <a:solidFill>
+                  <a:srgbClr val="202122"/>
+                </a:solidFill>
+                <a:effectLst/>
+                <a:latin typeface="Arial" panose="020B0604020202020204" pitchFamily="34" charset="0"/>
+              </a:rPr>
+              <a:t> is a function that calculates the output of the node based on its individual inputs and their weights</a:t>
+            </a:r>
+          </a:p>
+          <a:p>
+            <a:r>
+              <a:rPr lang="en-US" dirty="0">
+                <a:solidFill>
+                  <a:srgbClr val="202122"/>
+                </a:solidFill>
+                <a:latin typeface="Arial" panose="020B0604020202020204" pitchFamily="34" charset="0"/>
+              </a:rPr>
+              <a:t>Sigmoid function</a:t>
+            </a:r>
+            <a:endParaRPr lang="en-US" b="0" i="0" dirty="0">
+              <a:solidFill>
+                <a:srgbClr val="202122"/>
+              </a:solidFill>
+              <a:effectLst/>
+              <a:latin typeface="Arial" panose="020B0604020202020204" pitchFamily="34" charset="0"/>
+            </a:endParaRPr>
+          </a:p>
+          <a:p>
+            <a:r>
+              <a:rPr lang="en-US" dirty="0">
+                <a:hlinkClick r:id="rId3"/>
+              </a:rPr>
+              <a:t>https://en.wikipedia.org/wiki/Activation_function</a:t>
+            </a:r>
+            <a:r>
+              <a:rPr lang="en-US" dirty="0"/>
+              <a:t> </a:t>
+            </a:r>
+          </a:p>
+          <a:p>
+            <a:endParaRPr lang="hu-HU" dirty="0"/>
+          </a:p>
+        </p:txBody>
+      </p:sp>
+      <p:pic>
+        <p:nvPicPr>
+          <p:cNvPr id="5" name="Kép 4">
+            <a:extLst>
+              <a:ext uri="{FF2B5EF4-FFF2-40B4-BE49-F238E27FC236}">
+                <a16:creationId xmlns:a16="http://schemas.microsoft.com/office/drawing/2014/main" id="{3991118D-32D0-DB8E-29D0-0F09160B12EA}"/>
+              </a:ext>
+            </a:extLst>
+          </p:cNvPr>
+          <p:cNvPicPr>
+            <a:picLocks noChangeAspect="1"/>
+          </p:cNvPicPr>
+          <p:nvPr/>
+        </p:nvPicPr>
+        <p:blipFill>
+          <a:blip r:embed="rId4"/>
+          <a:stretch>
+            <a:fillRect/>
+          </a:stretch>
+        </p:blipFill>
+        <p:spPr>
+          <a:xfrm>
+            <a:off x="6694156" y="4405746"/>
+            <a:ext cx="3766106" cy="1443674"/>
+          </a:xfrm>
+          <a:prstGeom prst="rect">
+            <a:avLst/>
+          </a:prstGeom>
+        </p:spPr>
+      </p:pic>
+    </p:spTree>
+    <p:extLst>
+      <p:ext uri="{BB962C8B-B14F-4D97-AF65-F5344CB8AC3E}">
+        <p14:creationId xmlns:p14="http://schemas.microsoft.com/office/powerpoint/2010/main" val="1667678750"/>
+      </p:ext>
+    </p:extLst>
+  </p:cSld>
+  <p:clrMapOvr>
+    <a:masterClrMapping/>
+  </p:clrMapOvr>
+</p:sld>
+</file>
+
+<file path=ppt/slides/slide8.xml><?xml version="1.0" encoding="utf-8"?>
+<p:sld xmlns:a="http://schemas.openxmlformats.org/drawingml/2006/main" xmlns:r="http://schemas.openxmlformats.org/officeDocument/2006/relationships" xmlns:p="http://schemas.openxmlformats.org/presentationml/2006/main">
+  <p:cSld>
+    <p:spTree>
+      <p:nvGrpSpPr>
+        <p:cNvPr id="1" name=""/>
+        <p:cNvGrpSpPr/>
+        <p:nvPr/>
+      </p:nvGrpSpPr>
+      <p:grpSpPr>
+        <a:xfrm>
+          <a:off x="0" y="0"/>
+          <a:ext cx="0" cy="0"/>
+          <a:chOff x="0" y="0"/>
+          <a:chExt cx="0" cy="0"/>
+        </a:xfrm>
+      </p:grpSpPr>
+      <p:sp>
+        <p:nvSpPr>
+          <p:cNvPr id="2" name="Cím 1">
+            <a:extLst>
+              <a:ext uri="{FF2B5EF4-FFF2-40B4-BE49-F238E27FC236}">
+                <a16:creationId xmlns:a16="http://schemas.microsoft.com/office/drawing/2014/main" id="{64BB10E8-C4A0-FF46-D3A9-3590DC04E35B}"/>
+              </a:ext>
+            </a:extLst>
+          </p:cNvPr>
+          <p:cNvSpPr>
+            <a:spLocks noGrp="1"/>
+          </p:cNvSpPr>
+          <p:nvPr>
+            <p:ph type="title"/>
+          </p:nvPr>
+        </p:nvSpPr>
+        <p:spPr/>
+        <p:txBody>
+          <a:bodyPr/>
+          <a:lstStyle/>
+          <a:p>
+            <a:r>
+              <a:rPr lang="en-US" dirty="0"/>
+              <a:t>Learning</a:t>
+            </a:r>
+            <a:endParaRPr lang="hu-HU" dirty="0"/>
+          </a:p>
+        </p:txBody>
+      </p:sp>
+      <p:sp>
+        <p:nvSpPr>
+          <p:cNvPr id="3" name="Tartalom helye 2">
+            <a:extLst>
+              <a:ext uri="{FF2B5EF4-FFF2-40B4-BE49-F238E27FC236}">
+                <a16:creationId xmlns:a16="http://schemas.microsoft.com/office/drawing/2014/main" id="{80D522E7-6B6D-FEC0-93B0-B3508CC7FC2F}"/>
+              </a:ext>
+            </a:extLst>
+          </p:cNvPr>
+          <p:cNvSpPr>
+            <a:spLocks noGrp="1"/>
+          </p:cNvSpPr>
+          <p:nvPr>
+            <p:ph idx="1"/>
+          </p:nvPr>
+        </p:nvSpPr>
+        <p:spPr/>
+        <p:txBody>
+          <a:bodyPr/>
+          <a:lstStyle/>
+          <a:p>
+            <a:r>
+              <a:rPr lang="en-US" dirty="0"/>
+              <a:t>What is error?</a:t>
+            </a:r>
+          </a:p>
+          <a:p>
+            <a:r>
+              <a:rPr lang="en-US" dirty="0"/>
+              <a:t>How can we locate the minimum point?</a:t>
+            </a:r>
+          </a:p>
+          <a:p>
+            <a:r>
+              <a:rPr lang="en-US" dirty="0"/>
+              <a:t>What is local and global minimum?</a:t>
+            </a:r>
+          </a:p>
+        </p:txBody>
+      </p:sp>
+      <p:pic>
+        <p:nvPicPr>
+          <p:cNvPr id="4" name="Kép 3">
+            <a:extLst>
+              <a:ext uri="{FF2B5EF4-FFF2-40B4-BE49-F238E27FC236}">
+                <a16:creationId xmlns:a16="http://schemas.microsoft.com/office/drawing/2014/main" id="{CCE3BFDF-0F3D-05CD-E8D2-085111663796}"/>
+              </a:ext>
+            </a:extLst>
+          </p:cNvPr>
+          <p:cNvPicPr>
+            <a:picLocks noChangeAspect="1"/>
+          </p:cNvPicPr>
+          <p:nvPr/>
+        </p:nvPicPr>
+        <p:blipFill>
+          <a:blip r:embed="rId2"/>
+          <a:stretch>
+            <a:fillRect/>
+          </a:stretch>
+        </p:blipFill>
+        <p:spPr>
+          <a:xfrm>
+            <a:off x="6095999" y="3429000"/>
+            <a:ext cx="4981913" cy="3429000"/>
+          </a:xfrm>
+          <a:prstGeom prst="rect">
+            <a:avLst/>
+          </a:prstGeom>
+        </p:spPr>
+      </p:pic>
+      <p:pic>
+        <p:nvPicPr>
+          <p:cNvPr id="5" name="Kép 4">
+            <a:extLst>
+              <a:ext uri="{FF2B5EF4-FFF2-40B4-BE49-F238E27FC236}">
+                <a16:creationId xmlns:a16="http://schemas.microsoft.com/office/drawing/2014/main" id="{F24ADFE4-BA81-4DBB-FD26-16E31EB7F564}"/>
+              </a:ext>
+            </a:extLst>
+          </p:cNvPr>
+          <p:cNvPicPr>
+            <a:picLocks noChangeAspect="1"/>
+          </p:cNvPicPr>
+          <p:nvPr/>
+        </p:nvPicPr>
+        <p:blipFill>
+          <a:blip r:embed="rId3"/>
+          <a:stretch>
+            <a:fillRect/>
+          </a:stretch>
+        </p:blipFill>
+        <p:spPr>
+          <a:xfrm>
+            <a:off x="1114088" y="3822693"/>
+            <a:ext cx="3441287" cy="2290020"/>
+          </a:xfrm>
+          <a:prstGeom prst="rect">
+            <a:avLst/>
+          </a:prstGeom>
+        </p:spPr>
+      </p:pic>
+    </p:spTree>
+    <p:extLst>
+      <p:ext uri="{BB962C8B-B14F-4D97-AF65-F5344CB8AC3E}">
+        <p14:creationId xmlns:p14="http://schemas.microsoft.com/office/powerpoint/2010/main" val="2128005811"/>
+      </p:ext>
+    </p:extLst>
+  </p:cSld>
+  <p:clrMapOvr>
+    <a:masterClrMapping/>
+  </p:clrMapOvr>
+</p:sld>
+</file>
+
+<file path=ppt/slides/slide9.xml><?xml version="1.0" encoding="utf-8"?>
+<p:sld xmlns:a="http://schemas.openxmlformats.org/drawingml/2006/main" xmlns:r="http://schemas.openxmlformats.org/officeDocument/2006/relationships" xmlns:p="http://schemas.openxmlformats.org/presentationml/2006/main">
+  <p:cSld>
+    <p:spTree>
+      <p:nvGrpSpPr>
+        <p:cNvPr id="1" name=""/>
+        <p:cNvGrpSpPr/>
+        <p:nvPr/>
+      </p:nvGrpSpPr>
+      <p:grpSpPr>
+        <a:xfrm>
+          <a:off x="0" y="0"/>
+          <a:ext cx="0" cy="0"/>
+          <a:chOff x="0" y="0"/>
+          <a:chExt cx="0" cy="0"/>
+        </a:xfrm>
+      </p:grpSpPr>
+      <p:sp>
+        <p:nvSpPr>
+          <p:cNvPr id="2" name="Cím 1">
+            <a:extLst>
+              <a:ext uri="{FF2B5EF4-FFF2-40B4-BE49-F238E27FC236}">
+                <a16:creationId xmlns:a16="http://schemas.microsoft.com/office/drawing/2014/main" id="{BEC88914-E79B-309F-7C63-A2EDB1AB62DC}"/>
+              </a:ext>
+            </a:extLst>
+          </p:cNvPr>
+          <p:cNvSpPr>
+            <a:spLocks noGrp="1"/>
+          </p:cNvSpPr>
+          <p:nvPr>
+            <p:ph type="title"/>
+          </p:nvPr>
+        </p:nvSpPr>
+        <p:spPr/>
+        <p:txBody>
+          <a:bodyPr/>
+          <a:lstStyle/>
+          <a:p>
+            <a:r>
+              <a:rPr lang="en-US" dirty="0"/>
+              <a:t>Learning curve</a:t>
+            </a:r>
+            <a:endParaRPr lang="hu-HU" dirty="0"/>
+          </a:p>
+        </p:txBody>
+      </p:sp>
+      <p:pic>
+        <p:nvPicPr>
+          <p:cNvPr id="8" name="Tartalom helye 7">
+            <a:extLst>
+              <a:ext uri="{FF2B5EF4-FFF2-40B4-BE49-F238E27FC236}">
+                <a16:creationId xmlns:a16="http://schemas.microsoft.com/office/drawing/2014/main" id="{26AB025C-695E-77DA-D8F5-0CFC71B66DAA}"/>
+              </a:ext>
+            </a:extLst>
+          </p:cNvPr>
+          <p:cNvPicPr>
+            <a:picLocks noGrp="1" noChangeAspect="1"/>
+          </p:cNvPicPr>
+          <p:nvPr>
+            <p:ph idx="1"/>
+          </p:nvPr>
+        </p:nvPicPr>
+        <p:blipFill>
+          <a:blip r:embed="rId2"/>
+          <a:stretch>
+            <a:fillRect/>
+          </a:stretch>
+        </p:blipFill>
+        <p:spPr>
+          <a:xfrm>
+            <a:off x="1902534" y="1825625"/>
+            <a:ext cx="8386932" cy="4351338"/>
+          </a:xfrm>
+        </p:spPr>
+      </p:pic>
+    </p:spTree>
+    <p:extLst>
+      <p:ext uri="{BB962C8B-B14F-4D97-AF65-F5344CB8AC3E}">
+        <p14:creationId xmlns:p14="http://schemas.microsoft.com/office/powerpoint/2010/main" val="1702255606"/>
+      </p:ext>
+    </p:extLst>
+  </p:cSld>
+  <p:clrMapOvr>
+    <a:masterClrMapping/>
+  </p:clrMapOvr>
+</p:sld>
+</file>
+
 <file path=ppt/theme/theme1.xml><?xml version="1.0" encoding="utf-8"?>
 <a:theme xmlns:a="http://schemas.openxmlformats.org/drawingml/2006/main" name="Office-téma">
   <a:themeElements>
